--- a/Aulas/Gestao de Projetos/PPT/Aula 05/Aula 05.pptx
+++ b/Aulas/Gestao de Projetos/PPT/Aula 05/Aula 05.pptx
@@ -6,19 +6,14 @@
   </p:sldMasterIdLst>
   <p:sldIdLst>
     <p:sldId id="256" r:id="rId2"/>
-    <p:sldId id="266" r:id="rId3"/>
-    <p:sldId id="265" r:id="rId4"/>
-    <p:sldId id="257" r:id="rId5"/>
-    <p:sldId id="258" r:id="rId6"/>
-    <p:sldId id="259" r:id="rId7"/>
-    <p:sldId id="260" r:id="rId8"/>
-    <p:sldId id="261" r:id="rId9"/>
-    <p:sldId id="262" r:id="rId10"/>
-    <p:sldId id="263" r:id="rId11"/>
-    <p:sldId id="268" r:id="rId12"/>
-    <p:sldId id="267" r:id="rId13"/>
-    <p:sldId id="269" r:id="rId14"/>
-    <p:sldId id="270" r:id="rId15"/>
+    <p:sldId id="257" r:id="rId3"/>
+    <p:sldId id="258" r:id="rId4"/>
+    <p:sldId id="259" r:id="rId5"/>
+    <p:sldId id="260" r:id="rId6"/>
+    <p:sldId id="261" r:id="rId7"/>
+    <p:sldId id="262" r:id="rId8"/>
+    <p:sldId id="264" r:id="rId9"/>
+    <p:sldId id="263" r:id="rId10"/>
   </p:sldIdLst>
   <p:sldSz cx="12192000" cy="6858000"/>
   <p:notesSz cx="6858000" cy="9144000"/>
@@ -276,7 +271,7 @@
           <a:p>
             <a:fld id="{8C28A28C-4C6A-46EA-90C0-4EE0B89CC5C7}" type="datetimeFigureOut">
               <a:rPr lang="en-US" smtClean="0"/>
-              <a:t>12/29/2023</a:t>
+              <a:t>1/10/2024</a:t>
             </a:fld>
             <a:endParaRPr lang="en-US" dirty="0"/>
           </a:p>
@@ -474,7 +469,7 @@
           <a:p>
             <a:fld id="{8C28A28C-4C6A-46EA-90C0-4EE0B89CC5C7}" type="datetimeFigureOut">
               <a:rPr lang="en-US" smtClean="0"/>
-              <a:t>12/29/2023</a:t>
+              <a:t>1/10/2024</a:t>
             </a:fld>
             <a:endParaRPr lang="en-US"/>
           </a:p>
@@ -682,7 +677,7 @@
           <a:p>
             <a:fld id="{8C28A28C-4C6A-46EA-90C0-4EE0B89CC5C7}" type="datetimeFigureOut">
               <a:rPr lang="en-US" smtClean="0"/>
-              <a:t>12/29/2023</a:t>
+              <a:t>1/10/2024</a:t>
             </a:fld>
             <a:endParaRPr lang="en-US"/>
           </a:p>
@@ -880,7 +875,7 @@
           <a:p>
             <a:fld id="{8C28A28C-4C6A-46EA-90C0-4EE0B89CC5C7}" type="datetimeFigureOut">
               <a:rPr lang="en-US" smtClean="0"/>
-              <a:t>12/29/2023</a:t>
+              <a:t>1/10/2024</a:t>
             </a:fld>
             <a:endParaRPr lang="en-US"/>
           </a:p>
@@ -1157,7 +1152,7 @@
           <a:p>
             <a:fld id="{8C28A28C-4C6A-46EA-90C0-4EE0B89CC5C7}" type="datetimeFigureOut">
               <a:rPr lang="en-US" smtClean="0"/>
-              <a:t>12/29/2023</a:t>
+              <a:t>1/10/2024</a:t>
             </a:fld>
             <a:endParaRPr lang="en-US"/>
           </a:p>
@@ -1422,7 +1417,7 @@
           <a:p>
             <a:fld id="{8C28A28C-4C6A-46EA-90C0-4EE0B89CC5C7}" type="datetimeFigureOut">
               <a:rPr lang="en-US" smtClean="0"/>
-              <a:t>12/29/2023</a:t>
+              <a:t>1/10/2024</a:t>
             </a:fld>
             <a:endParaRPr lang="en-US"/>
           </a:p>
@@ -1834,7 +1829,7 @@
           <a:p>
             <a:fld id="{8C28A28C-4C6A-46EA-90C0-4EE0B89CC5C7}" type="datetimeFigureOut">
               <a:rPr lang="en-US" smtClean="0"/>
-              <a:t>12/29/2023</a:t>
+              <a:t>1/10/2024</a:t>
             </a:fld>
             <a:endParaRPr lang="en-US"/>
           </a:p>
@@ -1975,7 +1970,7 @@
           <a:p>
             <a:fld id="{8C28A28C-4C6A-46EA-90C0-4EE0B89CC5C7}" type="datetimeFigureOut">
               <a:rPr lang="en-US" smtClean="0"/>
-              <a:t>12/29/2023</a:t>
+              <a:t>1/10/2024</a:t>
             </a:fld>
             <a:endParaRPr lang="en-US"/>
           </a:p>
@@ -2088,7 +2083,7 @@
           <a:p>
             <a:fld id="{8C28A28C-4C6A-46EA-90C0-4EE0B89CC5C7}" type="datetimeFigureOut">
               <a:rPr lang="en-US" smtClean="0"/>
-              <a:t>12/29/2023</a:t>
+              <a:t>1/10/2024</a:t>
             </a:fld>
             <a:endParaRPr lang="en-US"/>
           </a:p>
@@ -2401,7 +2396,7 @@
           <a:p>
             <a:fld id="{8C28A28C-4C6A-46EA-90C0-4EE0B89CC5C7}" type="datetimeFigureOut">
               <a:rPr lang="en-US" smtClean="0"/>
-              <a:t>12/29/2023</a:t>
+              <a:t>1/10/2024</a:t>
             </a:fld>
             <a:endParaRPr lang="en-US"/>
           </a:p>
@@ -2689,7 +2684,7 @@
           <a:p>
             <a:fld id="{8C28A28C-4C6A-46EA-90C0-4EE0B89CC5C7}" type="datetimeFigureOut">
               <a:rPr lang="en-US" smtClean="0"/>
-              <a:t>12/29/2023</a:t>
+              <a:t>1/10/2024</a:t>
             </a:fld>
             <a:endParaRPr lang="en-US"/>
           </a:p>
@@ -3044,7 +3039,7 @@
             <a:fld id="{8C28A28C-4C6A-46EA-90C0-4EE0B89CC5C7}" type="datetimeFigureOut">
               <a:rPr lang="en-US" smtClean="0"/>
               <a:pPr/>
-              <a:t>12/29/2023</a:t>
+              <a:t>1/10/2024</a:t>
             </a:fld>
             <a:endParaRPr lang="en-US" dirty="0"/>
           </a:p>
@@ -3608,7 +3603,7 @@
           <a:p>
             <a:r>
               <a:rPr lang="pt-BR" dirty="0"/>
-              <a:t>TAP e SMART</a:t>
+              <a:t>PERT / CPM</a:t>
             </a:r>
           </a:p>
         </p:txBody>
@@ -4075,1448 +4070,6 @@
 </p:sld>
 </file>
 
-<file path=ppt/slides/slide10.xml><?xml version="1.0" encoding="utf-8"?>
-<p:sld xmlns:a="http://schemas.openxmlformats.org/drawingml/2006/main" xmlns:r="http://schemas.openxmlformats.org/officeDocument/2006/relationships" xmlns:p="http://schemas.openxmlformats.org/presentationml/2006/main">
-  <p:cSld>
-    <p:spTree>
-      <p:nvGrpSpPr>
-        <p:cNvPr id="1" name=""/>
-        <p:cNvGrpSpPr/>
-        <p:nvPr/>
-      </p:nvGrpSpPr>
-      <p:grpSpPr>
-        <a:xfrm>
-          <a:off x="0" y="0"/>
-          <a:ext cx="0" cy="0"/>
-          <a:chOff x="0" y="0"/>
-          <a:chExt cx="0" cy="0"/>
-        </a:xfrm>
-      </p:grpSpPr>
-      <p:sp>
-        <p:nvSpPr>
-          <p:cNvPr id="3" name="CaixaDeTexto 2">
-            <a:extLst>
-              <a:ext uri="{FF2B5EF4-FFF2-40B4-BE49-F238E27FC236}">
-                <a16:creationId xmlns:a16="http://schemas.microsoft.com/office/drawing/2014/main" id="{C1328C8D-C507-1A52-B82C-CD0438DFF5E9}"/>
-              </a:ext>
-            </a:extLst>
-          </p:cNvPr>
-          <p:cNvSpPr txBox="1"/>
-          <p:nvPr/>
-        </p:nvSpPr>
-        <p:spPr>
-          <a:xfrm>
-            <a:off x="7410905" y="-1195343"/>
-            <a:ext cx="5473595" cy="9248686"/>
-          </a:xfrm>
-          <a:prstGeom prst="rect">
-            <a:avLst/>
-          </a:prstGeom>
-          <a:noFill/>
-        </p:spPr>
-        <p:txBody>
-          <a:bodyPr wrap="square" rtlCol="0">
-            <a:spAutoFit/>
-          </a:bodyPr>
-          <a:lstStyle/>
-          <a:p>
-            <a:r>
-              <a:rPr lang="pt-BR" sz="59500" dirty="0">
-                <a:solidFill>
-                  <a:srgbClr val="3E5AA3">
-                    <a:alpha val="30000"/>
-                  </a:srgbClr>
-                </a:solidFill>
-                <a:latin typeface="Algerian" panose="04020705040A02060702" pitchFamily="82" charset="0"/>
-              </a:rPr>
-              <a:t>T</a:t>
-            </a:r>
-          </a:p>
-        </p:txBody>
-      </p:sp>
-      <p:sp>
-        <p:nvSpPr>
-          <p:cNvPr id="2" name="Retângulo: Cantos Arredondados 1">
-            <a:extLst>
-              <a:ext uri="{FF2B5EF4-FFF2-40B4-BE49-F238E27FC236}">
-                <a16:creationId xmlns:a16="http://schemas.microsoft.com/office/drawing/2014/main" id="{E8D2D15F-FF3B-6647-918D-EC21CAB929AD}"/>
-              </a:ext>
-            </a:extLst>
-          </p:cNvPr>
-          <p:cNvSpPr/>
-          <p:nvPr/>
-        </p:nvSpPr>
-        <p:spPr>
-          <a:xfrm>
-            <a:off x="941034" y="630315"/>
-            <a:ext cx="4625266" cy="852256"/>
-          </a:xfrm>
-          <a:prstGeom prst="roundRect">
-            <a:avLst/>
-          </a:prstGeom>
-          <a:solidFill>
-            <a:srgbClr val="3E5AA3"/>
-          </a:solidFill>
-          <a:ln>
-            <a:noFill/>
-          </a:ln>
-        </p:spPr>
-        <p:style>
-          <a:lnRef idx="2">
-            <a:schemeClr val="accent1">
-              <a:shade val="15000"/>
-            </a:schemeClr>
-          </a:lnRef>
-          <a:fillRef idx="1">
-            <a:schemeClr val="accent1"/>
-          </a:fillRef>
-          <a:effectRef idx="0">
-            <a:schemeClr val="accent1"/>
-          </a:effectRef>
-          <a:fontRef idx="minor">
-            <a:schemeClr val="lt1"/>
-          </a:fontRef>
-        </p:style>
-        <p:txBody>
-          <a:bodyPr rtlCol="0" anchor="ctr"/>
-          <a:lstStyle/>
-          <a:p>
-            <a:pPr algn="ctr"/>
-            <a:r>
-              <a:rPr lang="pt-BR" sz="3600" b="1" i="0" dirty="0">
-                <a:effectLst/>
-                <a:latin typeface="Söhne"/>
-              </a:rPr>
-              <a:t>Sprint no </a:t>
-            </a:r>
-            <a:r>
-              <a:rPr lang="pt-BR" sz="3600" b="1" i="0" dirty="0" err="1">
-                <a:effectLst/>
-                <a:latin typeface="Söhne"/>
-              </a:rPr>
-              <a:t>Jira</a:t>
-            </a:r>
-            <a:endParaRPr lang="pt-BR" sz="3600" b="1" i="0" dirty="0">
-              <a:effectLst/>
-              <a:latin typeface="Söhne"/>
-            </a:endParaRPr>
-          </a:p>
-        </p:txBody>
-      </p:sp>
-      <p:sp>
-        <p:nvSpPr>
-          <p:cNvPr id="6" name="CaixaDeTexto 5">
-            <a:extLst>
-              <a:ext uri="{FF2B5EF4-FFF2-40B4-BE49-F238E27FC236}">
-                <a16:creationId xmlns:a16="http://schemas.microsoft.com/office/drawing/2014/main" id="{CB1EDFA3-A0AA-3539-A6E7-C3BF38E6D408}"/>
-              </a:ext>
-            </a:extLst>
-          </p:cNvPr>
-          <p:cNvSpPr txBox="1"/>
-          <p:nvPr/>
-        </p:nvSpPr>
-        <p:spPr>
-          <a:xfrm>
-            <a:off x="941034" y="1857827"/>
-            <a:ext cx="11697907" cy="3970318"/>
-          </a:xfrm>
-          <a:prstGeom prst="rect">
-            <a:avLst/>
-          </a:prstGeom>
-          <a:noFill/>
-        </p:spPr>
-        <p:txBody>
-          <a:bodyPr wrap="square" rtlCol="0">
-            <a:spAutoFit/>
-          </a:bodyPr>
-          <a:lstStyle/>
-          <a:p>
-            <a:r>
-              <a:rPr lang="pt-BR" sz="2800" dirty="0"/>
-              <a:t>Objetivos temporais têm um prazo definido para conclusão, criando senso de urgência e foco.</a:t>
-            </a:r>
-          </a:p>
-          <a:p>
-            <a:endParaRPr lang="pt-BR" sz="2800" dirty="0"/>
-          </a:p>
-          <a:p>
-            <a:r>
-              <a:rPr lang="pt-BR" sz="2800" dirty="0"/>
-              <a:t>A definição de um prazo para um objetivo ajuda a criar um senso de responsabilidade e evita procrastinação. </a:t>
-            </a:r>
-          </a:p>
-          <a:p>
-            <a:endParaRPr lang="pt-BR" sz="2800" dirty="0"/>
-          </a:p>
-          <a:p>
-            <a:r>
-              <a:rPr lang="pt-BR" sz="2800" dirty="0"/>
-              <a:t>Por exemplo, transformar "Implementar melhorias no processo" em "Implementar melhorias no processo até o final do segundo trimestre" adiciona uma dimensão temporal ao objetivo.</a:t>
-            </a:r>
-          </a:p>
-        </p:txBody>
-      </p:sp>
-    </p:spTree>
-    <p:extLst>
-      <p:ext uri="{BB962C8B-B14F-4D97-AF65-F5344CB8AC3E}">
-        <p14:creationId xmlns:p14="http://schemas.microsoft.com/office/powerpoint/2010/main" val="22241259"/>
-      </p:ext>
-    </p:extLst>
-  </p:cSld>
-  <p:clrMapOvr>
-    <a:masterClrMapping/>
-  </p:clrMapOvr>
-</p:sld>
-</file>
-
-<file path=ppt/slides/slide11.xml><?xml version="1.0" encoding="utf-8"?>
-<p:sld xmlns:a="http://schemas.openxmlformats.org/drawingml/2006/main" xmlns:r="http://schemas.openxmlformats.org/officeDocument/2006/relationships" xmlns:p="http://schemas.openxmlformats.org/presentationml/2006/main">
-  <p:cSld>
-    <p:spTree>
-      <p:nvGrpSpPr>
-        <p:cNvPr id="1" name=""/>
-        <p:cNvGrpSpPr/>
-        <p:nvPr/>
-      </p:nvGrpSpPr>
-      <p:grpSpPr>
-        <a:xfrm>
-          <a:off x="0" y="0"/>
-          <a:ext cx="0" cy="0"/>
-          <a:chOff x="0" y="0"/>
-          <a:chExt cx="0" cy="0"/>
-        </a:xfrm>
-      </p:grpSpPr>
-      <mc:AlternateContent xmlns:mc="http://schemas.openxmlformats.org/markup-compatibility/2006">
-        <mc:Choice xmlns:pslz="http://schemas.microsoft.com/office/powerpoint/2016/slidezoom" Requires="pslz">
-          <p:graphicFrame>
-            <p:nvGraphicFramePr>
-              <p:cNvPr id="37" name="Zoom de Slide 36">
-                <a:extLst>
-                  <a:ext uri="{FF2B5EF4-FFF2-40B4-BE49-F238E27FC236}">
-                    <a16:creationId xmlns:a16="http://schemas.microsoft.com/office/drawing/2014/main" id="{485A0AE6-7920-F01B-E1F6-73E20BDD974C}"/>
-                  </a:ext>
-                </a:extLst>
-              </p:cNvPr>
-              <p:cNvGraphicFramePr>
-                <a:graphicFrameLocks noChangeAspect="1"/>
-              </p:cNvGraphicFramePr>
-              <p:nvPr/>
-            </p:nvGraphicFramePr>
-            <p:xfrm>
-              <a:off x="821735" y="2921314"/>
-              <a:ext cx="1639348" cy="922133"/>
-            </p:xfrm>
-            <a:graphic>
-              <a:graphicData uri="http://schemas.microsoft.com/office/powerpoint/2016/slidezoom">
-                <pslz:sldZm>
-                  <pslz:sldZmObj sldId="259" cId="3356647982">
-                    <pslz:zmPr id="{ACB7EF8C-79F6-4532-B1D9-43F38B40AC4E}" returnToParent="0" transitionDur="1000">
-                      <p166:blipFill xmlns:p166="http://schemas.microsoft.com/office/powerpoint/2016/6/main">
-                        <a:blip r:embed="rId2"/>
-                        <a:stretch>
-                          <a:fillRect/>
-                        </a:stretch>
-                      </p166:blipFill>
-                      <p166:spPr xmlns:p166="http://schemas.microsoft.com/office/powerpoint/2016/6/main">
-                        <a:xfrm>
-                          <a:off x="0" y="0"/>
-                          <a:ext cx="1639348" cy="922133"/>
-                        </a:xfrm>
-                        <a:prstGeom prst="rect">
-                          <a:avLst/>
-                        </a:prstGeom>
-                        <a:ln w="3175">
-                          <a:solidFill>
-                            <a:prstClr val="ltGray"/>
-                          </a:solidFill>
-                        </a:ln>
-                      </p166:spPr>
-                    </pslz:zmPr>
-                  </pslz:sldZmObj>
-                </pslz:sldZm>
-              </a:graphicData>
-            </a:graphic>
-          </p:graphicFrame>
-        </mc:Choice>
-        <mc:Fallback>
-          <p:pic>
-            <p:nvPicPr>
-              <p:cNvPr id="37" name="Zoom de Slide 36">
-                <a:hlinkClick r:id="rId3" action="ppaction://hlinksldjump"/>
-                <a:extLst>
-                  <a:ext uri="{FF2B5EF4-FFF2-40B4-BE49-F238E27FC236}">
-                    <a16:creationId xmlns:a16="http://schemas.microsoft.com/office/drawing/2014/main" id="{485A0AE6-7920-F01B-E1F6-73E20BDD974C}"/>
-                  </a:ext>
-                </a:extLst>
-              </p:cNvPr>
-              <p:cNvPicPr>
-                <a:picLocks noGrp="1" noRot="1" noChangeAspect="1" noMove="1" noResize="1" noEditPoints="1" noAdjustHandles="1" noChangeArrowheads="1" noChangeShapeType="1"/>
-              </p:cNvPicPr>
-              <p:nvPr/>
-            </p:nvPicPr>
-            <p:blipFill>
-              <a:blip r:embed="rId2"/>
-              <a:stretch>
-                <a:fillRect/>
-              </a:stretch>
-            </p:blipFill>
-            <p:spPr>
-              <a:xfrm>
-                <a:off x="821735" y="2921314"/>
-                <a:ext cx="1639348" cy="922133"/>
-              </a:xfrm>
-              <a:prstGeom prst="rect">
-                <a:avLst/>
-              </a:prstGeom>
-              <a:ln w="3175">
-                <a:solidFill>
-                  <a:prstClr val="ltGray"/>
-                </a:solidFill>
-              </a:ln>
-            </p:spPr>
-          </p:pic>
-        </mc:Fallback>
-      </mc:AlternateContent>
-      <mc:AlternateContent xmlns:mc="http://schemas.openxmlformats.org/markup-compatibility/2006">
-        <mc:Choice xmlns:pslz="http://schemas.microsoft.com/office/powerpoint/2016/slidezoom" Requires="pslz">
-          <p:graphicFrame>
-            <p:nvGraphicFramePr>
-              <p:cNvPr id="39" name="Zoom de Slide 38">
-                <a:extLst>
-                  <a:ext uri="{FF2B5EF4-FFF2-40B4-BE49-F238E27FC236}">
-                    <a16:creationId xmlns:a16="http://schemas.microsoft.com/office/drawing/2014/main" id="{6B73EB61-00D2-62BC-7542-AA783813896E}"/>
-                  </a:ext>
-                </a:extLst>
-              </p:cNvPr>
-              <p:cNvGraphicFramePr>
-                <a:graphicFrameLocks noChangeAspect="1"/>
-              </p:cNvGraphicFramePr>
-              <p:nvPr/>
-            </p:nvGraphicFramePr>
-            <p:xfrm>
-              <a:off x="3077593" y="2936151"/>
-              <a:ext cx="1639348" cy="922133"/>
-            </p:xfrm>
-            <a:graphic>
-              <a:graphicData uri="http://schemas.microsoft.com/office/powerpoint/2016/slidezoom">
-                <pslz:sldZm>
-                  <pslz:sldZmObj sldId="260" cId="3929302904">
-                    <pslz:zmPr id="{B02EF6EC-F85D-4551-A06A-321960F591ED}" returnToParent="0" transitionDur="1000">
-                      <p166:blipFill xmlns:p166="http://schemas.microsoft.com/office/powerpoint/2016/6/main">
-                        <a:blip r:embed="rId4"/>
-                        <a:stretch>
-                          <a:fillRect/>
-                        </a:stretch>
-                      </p166:blipFill>
-                      <p166:spPr xmlns:p166="http://schemas.microsoft.com/office/powerpoint/2016/6/main">
-                        <a:xfrm>
-                          <a:off x="0" y="0"/>
-                          <a:ext cx="1639348" cy="922133"/>
-                        </a:xfrm>
-                        <a:prstGeom prst="rect">
-                          <a:avLst/>
-                        </a:prstGeom>
-                        <a:ln w="3175">
-                          <a:solidFill>
-                            <a:prstClr val="ltGray"/>
-                          </a:solidFill>
-                        </a:ln>
-                      </p166:spPr>
-                    </pslz:zmPr>
-                  </pslz:sldZmObj>
-                </pslz:sldZm>
-              </a:graphicData>
-            </a:graphic>
-          </p:graphicFrame>
-        </mc:Choice>
-        <mc:Fallback>
-          <p:pic>
-            <p:nvPicPr>
-              <p:cNvPr id="39" name="Zoom de Slide 38">
-                <a:hlinkClick r:id="rId5" action="ppaction://hlinksldjump"/>
-                <a:extLst>
-                  <a:ext uri="{FF2B5EF4-FFF2-40B4-BE49-F238E27FC236}">
-                    <a16:creationId xmlns:a16="http://schemas.microsoft.com/office/drawing/2014/main" id="{6B73EB61-00D2-62BC-7542-AA783813896E}"/>
-                  </a:ext>
-                </a:extLst>
-              </p:cNvPr>
-              <p:cNvPicPr>
-                <a:picLocks noGrp="1" noRot="1" noChangeAspect="1" noMove="1" noResize="1" noEditPoints="1" noAdjustHandles="1" noChangeArrowheads="1" noChangeShapeType="1"/>
-              </p:cNvPicPr>
-              <p:nvPr/>
-            </p:nvPicPr>
-            <p:blipFill>
-              <a:blip r:embed="rId4"/>
-              <a:stretch>
-                <a:fillRect/>
-              </a:stretch>
-            </p:blipFill>
-            <p:spPr>
-              <a:xfrm>
-                <a:off x="3077593" y="2936151"/>
-                <a:ext cx="1639348" cy="922133"/>
-              </a:xfrm>
-              <a:prstGeom prst="rect">
-                <a:avLst/>
-              </a:prstGeom>
-              <a:ln w="3175">
-                <a:solidFill>
-                  <a:prstClr val="ltGray"/>
-                </a:solidFill>
-              </a:ln>
-            </p:spPr>
-          </p:pic>
-        </mc:Fallback>
-      </mc:AlternateContent>
-      <mc:AlternateContent xmlns:mc="http://schemas.openxmlformats.org/markup-compatibility/2006">
-        <mc:Choice xmlns:pslz="http://schemas.microsoft.com/office/powerpoint/2016/slidezoom" Requires="pslz">
-          <p:graphicFrame>
-            <p:nvGraphicFramePr>
-              <p:cNvPr id="41" name="Zoom de Slide 40">
-                <a:extLst>
-                  <a:ext uri="{FF2B5EF4-FFF2-40B4-BE49-F238E27FC236}">
-                    <a16:creationId xmlns:a16="http://schemas.microsoft.com/office/drawing/2014/main" id="{82756BEB-1826-D7A6-C963-8153C4769DED}"/>
-                  </a:ext>
-                </a:extLst>
-              </p:cNvPr>
-              <p:cNvGraphicFramePr>
-                <a:graphicFrameLocks noChangeAspect="1"/>
-              </p:cNvGraphicFramePr>
-              <p:nvPr/>
-            </p:nvGraphicFramePr>
-            <p:xfrm>
-              <a:off x="5276326" y="2936151"/>
-              <a:ext cx="1639348" cy="922133"/>
-            </p:xfrm>
-            <a:graphic>
-              <a:graphicData uri="http://schemas.microsoft.com/office/powerpoint/2016/slidezoom">
-                <pslz:sldZm>
-                  <pslz:sldZmObj sldId="261" cId="3183252946">
-                    <pslz:zmPr id="{A8A44254-B7FE-43F9-B798-E853FC845F1D}" returnToParent="0" transitionDur="1000">
-                      <p166:blipFill xmlns:p166="http://schemas.microsoft.com/office/powerpoint/2016/6/main">
-                        <a:blip r:embed="rId6"/>
-                        <a:stretch>
-                          <a:fillRect/>
-                        </a:stretch>
-                      </p166:blipFill>
-                      <p166:spPr xmlns:p166="http://schemas.microsoft.com/office/powerpoint/2016/6/main">
-                        <a:xfrm>
-                          <a:off x="0" y="0"/>
-                          <a:ext cx="1639348" cy="922133"/>
-                        </a:xfrm>
-                        <a:prstGeom prst="rect">
-                          <a:avLst/>
-                        </a:prstGeom>
-                        <a:ln w="3175">
-                          <a:solidFill>
-                            <a:prstClr val="ltGray"/>
-                          </a:solidFill>
-                        </a:ln>
-                      </p166:spPr>
-                    </pslz:zmPr>
-                  </pslz:sldZmObj>
-                </pslz:sldZm>
-              </a:graphicData>
-            </a:graphic>
-          </p:graphicFrame>
-        </mc:Choice>
-        <mc:Fallback>
-          <p:pic>
-            <p:nvPicPr>
-              <p:cNvPr id="41" name="Zoom de Slide 40">
-                <a:hlinkClick r:id="rId7" action="ppaction://hlinksldjump"/>
-                <a:extLst>
-                  <a:ext uri="{FF2B5EF4-FFF2-40B4-BE49-F238E27FC236}">
-                    <a16:creationId xmlns:a16="http://schemas.microsoft.com/office/drawing/2014/main" id="{82756BEB-1826-D7A6-C963-8153C4769DED}"/>
-                  </a:ext>
-                </a:extLst>
-              </p:cNvPr>
-              <p:cNvPicPr>
-                <a:picLocks noGrp="1" noRot="1" noChangeAspect="1" noMove="1" noResize="1" noEditPoints="1" noAdjustHandles="1" noChangeArrowheads="1" noChangeShapeType="1"/>
-              </p:cNvPicPr>
-              <p:nvPr/>
-            </p:nvPicPr>
-            <p:blipFill>
-              <a:blip r:embed="rId6"/>
-              <a:stretch>
-                <a:fillRect/>
-              </a:stretch>
-            </p:blipFill>
-            <p:spPr>
-              <a:xfrm>
-                <a:off x="5276326" y="2936151"/>
-                <a:ext cx="1639348" cy="922133"/>
-              </a:xfrm>
-              <a:prstGeom prst="rect">
-                <a:avLst/>
-              </a:prstGeom>
-              <a:ln w="3175">
-                <a:solidFill>
-                  <a:prstClr val="ltGray"/>
-                </a:solidFill>
-              </a:ln>
-            </p:spPr>
-          </p:pic>
-        </mc:Fallback>
-      </mc:AlternateContent>
-      <mc:AlternateContent xmlns:mc="http://schemas.openxmlformats.org/markup-compatibility/2006">
-        <mc:Choice xmlns:pslz="http://schemas.microsoft.com/office/powerpoint/2016/slidezoom" Requires="pslz">
-          <p:graphicFrame>
-            <p:nvGraphicFramePr>
-              <p:cNvPr id="43" name="Zoom de Slide 42">
-                <a:extLst>
-                  <a:ext uri="{FF2B5EF4-FFF2-40B4-BE49-F238E27FC236}">
-                    <a16:creationId xmlns:a16="http://schemas.microsoft.com/office/drawing/2014/main" id="{64591411-FE46-4D29-B22A-6985DECCA770}"/>
-                  </a:ext>
-                </a:extLst>
-              </p:cNvPr>
-              <p:cNvGraphicFramePr>
-                <a:graphicFrameLocks noChangeAspect="1"/>
-              </p:cNvGraphicFramePr>
-              <p:nvPr/>
-            </p:nvGraphicFramePr>
-            <p:xfrm>
-              <a:off x="7532184" y="2978497"/>
-              <a:ext cx="1639348" cy="922133"/>
-            </p:xfrm>
-            <a:graphic>
-              <a:graphicData uri="http://schemas.microsoft.com/office/powerpoint/2016/slidezoom">
-                <pslz:sldZm>
-                  <pslz:sldZmObj sldId="262" cId="327670633">
-                    <pslz:zmPr id="{F6084EF9-4CF4-408A-8256-352F78D2DC52}" returnToParent="0" transitionDur="1000">
-                      <p166:blipFill xmlns:p166="http://schemas.microsoft.com/office/powerpoint/2016/6/main">
-                        <a:blip r:embed="rId8"/>
-                        <a:stretch>
-                          <a:fillRect/>
-                        </a:stretch>
-                      </p166:blipFill>
-                      <p166:spPr xmlns:p166="http://schemas.microsoft.com/office/powerpoint/2016/6/main">
-                        <a:xfrm>
-                          <a:off x="0" y="0"/>
-                          <a:ext cx="1639348" cy="922133"/>
-                        </a:xfrm>
-                        <a:prstGeom prst="rect">
-                          <a:avLst/>
-                        </a:prstGeom>
-                        <a:ln w="3175">
-                          <a:solidFill>
-                            <a:prstClr val="ltGray"/>
-                          </a:solidFill>
-                        </a:ln>
-                      </p166:spPr>
-                    </pslz:zmPr>
-                  </pslz:sldZmObj>
-                </pslz:sldZm>
-              </a:graphicData>
-            </a:graphic>
-          </p:graphicFrame>
-        </mc:Choice>
-        <mc:Fallback>
-          <p:pic>
-            <p:nvPicPr>
-              <p:cNvPr id="43" name="Zoom de Slide 42">
-                <a:hlinkClick r:id="rId9" action="ppaction://hlinksldjump"/>
-                <a:extLst>
-                  <a:ext uri="{FF2B5EF4-FFF2-40B4-BE49-F238E27FC236}">
-                    <a16:creationId xmlns:a16="http://schemas.microsoft.com/office/drawing/2014/main" id="{64591411-FE46-4D29-B22A-6985DECCA770}"/>
-                  </a:ext>
-                </a:extLst>
-              </p:cNvPr>
-              <p:cNvPicPr>
-                <a:picLocks noGrp="1" noRot="1" noChangeAspect="1" noMove="1" noResize="1" noEditPoints="1" noAdjustHandles="1" noChangeArrowheads="1" noChangeShapeType="1"/>
-              </p:cNvPicPr>
-              <p:nvPr/>
-            </p:nvPicPr>
-            <p:blipFill>
-              <a:blip r:embed="rId8"/>
-              <a:stretch>
-                <a:fillRect/>
-              </a:stretch>
-            </p:blipFill>
-            <p:spPr>
-              <a:xfrm>
-                <a:off x="7532184" y="2978497"/>
-                <a:ext cx="1639348" cy="922133"/>
-              </a:xfrm>
-              <a:prstGeom prst="rect">
-                <a:avLst/>
-              </a:prstGeom>
-              <a:ln w="3175">
-                <a:solidFill>
-                  <a:prstClr val="ltGray"/>
-                </a:solidFill>
-              </a:ln>
-            </p:spPr>
-          </p:pic>
-        </mc:Fallback>
-      </mc:AlternateContent>
-      <mc:AlternateContent xmlns:mc="http://schemas.openxmlformats.org/markup-compatibility/2006">
-        <mc:Choice xmlns:pslz="http://schemas.microsoft.com/office/powerpoint/2016/slidezoom" Requires="pslz">
-          <p:graphicFrame>
-            <p:nvGraphicFramePr>
-              <p:cNvPr id="45" name="Zoom de Slide 44">
-                <a:extLst>
-                  <a:ext uri="{FF2B5EF4-FFF2-40B4-BE49-F238E27FC236}">
-                    <a16:creationId xmlns:a16="http://schemas.microsoft.com/office/drawing/2014/main" id="{D68AAE82-4939-9B0D-896D-DA4D8130A8D0}"/>
-                  </a:ext>
-                </a:extLst>
-              </p:cNvPr>
-              <p:cNvGraphicFramePr>
-                <a:graphicFrameLocks noChangeAspect="1"/>
-              </p:cNvGraphicFramePr>
-              <p:nvPr/>
-            </p:nvGraphicFramePr>
-            <p:xfrm>
-              <a:off x="9694165" y="2978497"/>
-              <a:ext cx="1639348" cy="922133"/>
-            </p:xfrm>
-            <a:graphic>
-              <a:graphicData uri="http://schemas.microsoft.com/office/powerpoint/2016/slidezoom">
-                <pslz:sldZm>
-                  <pslz:sldZmObj sldId="263" cId="22241259">
-                    <pslz:zmPr id="{257429DB-113C-433B-9AAD-8B763079493D}" returnToParent="0" transitionDur="1000">
-                      <p166:blipFill xmlns:p166="http://schemas.microsoft.com/office/powerpoint/2016/6/main">
-                        <a:blip r:embed="rId10"/>
-                        <a:stretch>
-                          <a:fillRect/>
-                        </a:stretch>
-                      </p166:blipFill>
-                      <p166:spPr xmlns:p166="http://schemas.microsoft.com/office/powerpoint/2016/6/main">
-                        <a:xfrm>
-                          <a:off x="0" y="0"/>
-                          <a:ext cx="1639348" cy="922133"/>
-                        </a:xfrm>
-                        <a:prstGeom prst="rect">
-                          <a:avLst/>
-                        </a:prstGeom>
-                        <a:ln w="3175">
-                          <a:solidFill>
-                            <a:prstClr val="ltGray"/>
-                          </a:solidFill>
-                        </a:ln>
-                      </p166:spPr>
-                    </pslz:zmPr>
-                  </pslz:sldZmObj>
-                </pslz:sldZm>
-              </a:graphicData>
-            </a:graphic>
-          </p:graphicFrame>
-        </mc:Choice>
-        <mc:Fallback>
-          <p:pic>
-            <p:nvPicPr>
-              <p:cNvPr id="45" name="Zoom de Slide 44">
-                <a:hlinkClick r:id="rId11" action="ppaction://hlinksldjump"/>
-                <a:extLst>
-                  <a:ext uri="{FF2B5EF4-FFF2-40B4-BE49-F238E27FC236}">
-                    <a16:creationId xmlns:a16="http://schemas.microsoft.com/office/drawing/2014/main" id="{D68AAE82-4939-9B0D-896D-DA4D8130A8D0}"/>
-                  </a:ext>
-                </a:extLst>
-              </p:cNvPr>
-              <p:cNvPicPr>
-                <a:picLocks noGrp="1" noRot="1" noChangeAspect="1" noMove="1" noResize="1" noEditPoints="1" noAdjustHandles="1" noChangeArrowheads="1" noChangeShapeType="1"/>
-              </p:cNvPicPr>
-              <p:nvPr/>
-            </p:nvPicPr>
-            <p:blipFill>
-              <a:blip r:embed="rId10"/>
-              <a:stretch>
-                <a:fillRect/>
-              </a:stretch>
-            </p:blipFill>
-            <p:spPr>
-              <a:xfrm>
-                <a:off x="9694165" y="2978497"/>
-                <a:ext cx="1639348" cy="922133"/>
-              </a:xfrm>
-              <a:prstGeom prst="rect">
-                <a:avLst/>
-              </a:prstGeom>
-              <a:ln w="3175">
-                <a:solidFill>
-                  <a:prstClr val="ltGray"/>
-                </a:solidFill>
-              </a:ln>
-            </p:spPr>
-          </p:pic>
-        </mc:Fallback>
-      </mc:AlternateContent>
-      <p:pic>
-        <p:nvPicPr>
-          <p:cNvPr id="3" name="Picture 2" descr="Understanding Desired Business Outcomes and KPIs Is A Must - Middlesex ...">
-            <a:extLst>
-              <a:ext uri="{FF2B5EF4-FFF2-40B4-BE49-F238E27FC236}">
-                <a16:creationId xmlns:a16="http://schemas.microsoft.com/office/drawing/2014/main" id="{5B87A6E0-DFC2-8843-FB3C-4BBB88D49569}"/>
-              </a:ext>
-            </a:extLst>
-          </p:cNvPr>
-          <p:cNvPicPr>
-            <a:picLocks noChangeAspect="1" noChangeArrowheads="1"/>
-          </p:cNvPicPr>
-          <p:nvPr/>
-        </p:nvPicPr>
-        <p:blipFill rotWithShape="1">
-          <a:blip r:embed="rId12">
-            <a:extLst>
-              <a:ext uri="{28A0092B-C50C-407E-A947-70E740481C1C}">
-                <a14:useLocalDpi xmlns:a14="http://schemas.microsoft.com/office/drawing/2010/main" val="0"/>
-              </a:ext>
-            </a:extLst>
-          </a:blip>
-          <a:srcRect b="50000"/>
-          <a:stretch/>
-        </p:blipFill>
-        <p:spPr bwMode="auto">
-          <a:xfrm>
-            <a:off x="-130629" y="-1268870"/>
-            <a:ext cx="12453258" cy="3735976"/>
-          </a:xfrm>
-          <a:prstGeom prst="rect">
-            <a:avLst/>
-          </a:prstGeom>
-          <a:noFill/>
-          <a:extLst>
-            <a:ext uri="{909E8E84-426E-40DD-AFC4-6F175D3DCCD1}">
-              <a14:hiddenFill xmlns:a14="http://schemas.microsoft.com/office/drawing/2010/main">
-                <a:solidFill>
-                  <a:srgbClr val="FFFFFF"/>
-                </a:solidFill>
-              </a14:hiddenFill>
-            </a:ext>
-          </a:extLst>
-        </p:spPr>
-      </p:pic>
-      <p:pic>
-        <p:nvPicPr>
-          <p:cNvPr id="4" name="Picture 2" descr="Understanding Desired Business Outcomes and KPIs Is A Must - Middlesex ...">
-            <a:extLst>
-              <a:ext uri="{FF2B5EF4-FFF2-40B4-BE49-F238E27FC236}">
-                <a16:creationId xmlns:a16="http://schemas.microsoft.com/office/drawing/2014/main" id="{5312281E-5B73-04D3-A19F-18641290DC23}"/>
-              </a:ext>
-            </a:extLst>
-          </p:cNvPr>
-          <p:cNvPicPr>
-            <a:picLocks noChangeAspect="1" noChangeArrowheads="1"/>
-          </p:cNvPicPr>
-          <p:nvPr/>
-        </p:nvPicPr>
-        <p:blipFill rotWithShape="1">
-          <a:blip r:embed="rId12">
-            <a:extLst>
-              <a:ext uri="{28A0092B-C50C-407E-A947-70E740481C1C}">
-                <a14:useLocalDpi xmlns:a14="http://schemas.microsoft.com/office/drawing/2010/main" val="0"/>
-              </a:ext>
-            </a:extLst>
-          </a:blip>
-          <a:srcRect t="50000"/>
-          <a:stretch/>
-        </p:blipFill>
-        <p:spPr bwMode="auto">
-          <a:xfrm>
-            <a:off x="-130629" y="4401457"/>
-            <a:ext cx="12453258" cy="3735977"/>
-          </a:xfrm>
-          <a:prstGeom prst="rect">
-            <a:avLst/>
-          </a:prstGeom>
-          <a:noFill/>
-          <a:extLst>
-            <a:ext uri="{909E8E84-426E-40DD-AFC4-6F175D3DCCD1}">
-              <a14:hiddenFill xmlns:a14="http://schemas.microsoft.com/office/drawing/2010/main">
-                <a:solidFill>
-                  <a:srgbClr val="FFFFFF"/>
-                </a:solidFill>
-              </a14:hiddenFill>
-            </a:ext>
-          </a:extLst>
-        </p:spPr>
-      </p:pic>
-    </p:spTree>
-    <p:extLst>
-      <p:ext uri="{BB962C8B-B14F-4D97-AF65-F5344CB8AC3E}">
-        <p14:creationId xmlns:p14="http://schemas.microsoft.com/office/powerpoint/2010/main" val="1442971662"/>
-      </p:ext>
-    </p:extLst>
-  </p:cSld>
-  <p:clrMapOvr>
-    <a:masterClrMapping/>
-  </p:clrMapOvr>
-</p:sld>
-</file>
-
-<file path=ppt/slides/slide12.xml><?xml version="1.0" encoding="utf-8"?>
-<p:sld xmlns:a="http://schemas.openxmlformats.org/drawingml/2006/main" xmlns:r="http://schemas.openxmlformats.org/officeDocument/2006/relationships" xmlns:p="http://schemas.openxmlformats.org/presentationml/2006/main">
-  <p:cSld>
-    <p:spTree>
-      <p:nvGrpSpPr>
-        <p:cNvPr id="1" name=""/>
-        <p:cNvGrpSpPr/>
-        <p:nvPr/>
-      </p:nvGrpSpPr>
-      <p:grpSpPr>
-        <a:xfrm>
-          <a:off x="0" y="0"/>
-          <a:ext cx="0" cy="0"/>
-          <a:chOff x="0" y="0"/>
-          <a:chExt cx="0" cy="0"/>
-        </a:xfrm>
-      </p:grpSpPr>
-      <p:pic>
-        <p:nvPicPr>
-          <p:cNvPr id="3" name="Picture 2" descr="Understanding Desired Business Outcomes and KPIs Is A Must - Middlesex ...">
-            <a:extLst>
-              <a:ext uri="{FF2B5EF4-FFF2-40B4-BE49-F238E27FC236}">
-                <a16:creationId xmlns:a16="http://schemas.microsoft.com/office/drawing/2014/main" id="{4F526880-FDF2-3028-009D-506F733AF18B}"/>
-              </a:ext>
-            </a:extLst>
-          </p:cNvPr>
-          <p:cNvPicPr>
-            <a:picLocks noChangeAspect="1" noChangeArrowheads="1"/>
-          </p:cNvPicPr>
-          <p:nvPr/>
-        </p:nvPicPr>
-        <p:blipFill rotWithShape="1">
-          <a:blip r:embed="rId2">
-            <a:extLst>
-              <a:ext uri="{28A0092B-C50C-407E-A947-70E740481C1C}">
-                <a14:useLocalDpi xmlns:a14="http://schemas.microsoft.com/office/drawing/2010/main" val="0"/>
-              </a:ext>
-            </a:extLst>
-          </a:blip>
-          <a:srcRect b="50000"/>
-          <a:stretch/>
-        </p:blipFill>
-        <p:spPr bwMode="auto">
-          <a:xfrm>
-            <a:off x="-130629" y="-306977"/>
-            <a:ext cx="12453258" cy="3735976"/>
-          </a:xfrm>
-          <a:prstGeom prst="rect">
-            <a:avLst/>
-          </a:prstGeom>
-          <a:noFill/>
-          <a:extLst>
-            <a:ext uri="{909E8E84-426E-40DD-AFC4-6F175D3DCCD1}">
-              <a14:hiddenFill xmlns:a14="http://schemas.microsoft.com/office/drawing/2010/main">
-                <a:solidFill>
-                  <a:srgbClr val="FFFFFF"/>
-                </a:solidFill>
-              </a14:hiddenFill>
-            </a:ext>
-          </a:extLst>
-        </p:spPr>
-      </p:pic>
-      <p:pic>
-        <p:nvPicPr>
-          <p:cNvPr id="4" name="Picture 2" descr="Understanding Desired Business Outcomes and KPIs Is A Must - Middlesex ...">
-            <a:extLst>
-              <a:ext uri="{FF2B5EF4-FFF2-40B4-BE49-F238E27FC236}">
-                <a16:creationId xmlns:a16="http://schemas.microsoft.com/office/drawing/2014/main" id="{27BC1773-627D-279C-100F-839C958B6D4E}"/>
-              </a:ext>
-            </a:extLst>
-          </p:cNvPr>
-          <p:cNvPicPr>
-            <a:picLocks noChangeAspect="1" noChangeArrowheads="1"/>
-          </p:cNvPicPr>
-          <p:nvPr/>
-        </p:nvPicPr>
-        <p:blipFill rotWithShape="1">
-          <a:blip r:embed="rId2">
-            <a:extLst>
-              <a:ext uri="{28A0092B-C50C-407E-A947-70E740481C1C}">
-                <a14:useLocalDpi xmlns:a14="http://schemas.microsoft.com/office/drawing/2010/main" val="0"/>
-              </a:ext>
-            </a:extLst>
-          </a:blip>
-          <a:srcRect t="50000"/>
-          <a:stretch/>
-        </p:blipFill>
-        <p:spPr bwMode="auto">
-          <a:xfrm>
-            <a:off x="-130629" y="3428999"/>
-            <a:ext cx="12453258" cy="3735977"/>
-          </a:xfrm>
-          <a:prstGeom prst="rect">
-            <a:avLst/>
-          </a:prstGeom>
-          <a:noFill/>
-          <a:extLst>
-            <a:ext uri="{909E8E84-426E-40DD-AFC4-6F175D3DCCD1}">
-              <a14:hiddenFill xmlns:a14="http://schemas.microsoft.com/office/drawing/2010/main">
-                <a:solidFill>
-                  <a:srgbClr val="FFFFFF"/>
-                </a:solidFill>
-              </a14:hiddenFill>
-            </a:ext>
-          </a:extLst>
-        </p:spPr>
-      </p:pic>
-    </p:spTree>
-    <p:extLst>
-      <p:ext uri="{BB962C8B-B14F-4D97-AF65-F5344CB8AC3E}">
-        <p14:creationId xmlns:p14="http://schemas.microsoft.com/office/powerpoint/2010/main" val="4064180225"/>
-      </p:ext>
-    </p:extLst>
-  </p:cSld>
-  <p:clrMapOvr>
-    <a:masterClrMapping/>
-  </p:clrMapOvr>
-  <mc:AlternateContent xmlns:mc="http://schemas.openxmlformats.org/markup-compatibility/2006">
-    <mc:Choice xmlns:p159="http://schemas.microsoft.com/office/powerpoint/2015/09/main" Requires="p159">
-      <p:transition xmlns:p14="http://schemas.microsoft.com/office/powerpoint/2010/main" spd="slow" p14:dur="2000">
-        <p159:morph option="byObject"/>
-      </p:transition>
-    </mc:Choice>
-    <mc:Fallback>
-      <p:transition spd="slow">
-        <p:fade/>
-      </p:transition>
-    </mc:Fallback>
-  </mc:AlternateContent>
-</p:sld>
-</file>
-
-<file path=ppt/slides/slide13.xml><?xml version="1.0" encoding="utf-8"?>
-<p:sld xmlns:a="http://schemas.openxmlformats.org/drawingml/2006/main" xmlns:r="http://schemas.openxmlformats.org/officeDocument/2006/relationships" xmlns:p="http://schemas.openxmlformats.org/presentationml/2006/main">
-  <p:cSld>
-    <p:spTree>
-      <p:nvGrpSpPr>
-        <p:cNvPr id="1" name=""/>
-        <p:cNvGrpSpPr/>
-        <p:nvPr/>
-      </p:nvGrpSpPr>
-      <p:grpSpPr>
-        <a:xfrm>
-          <a:off x="0" y="0"/>
-          <a:ext cx="0" cy="0"/>
-          <a:chOff x="0" y="0"/>
-          <a:chExt cx="0" cy="0"/>
-        </a:xfrm>
-      </p:grpSpPr>
-      <p:sp>
-        <p:nvSpPr>
-          <p:cNvPr id="2" name="Retângulo: Cantos Arredondados 1">
-            <a:extLst>
-              <a:ext uri="{FF2B5EF4-FFF2-40B4-BE49-F238E27FC236}">
-                <a16:creationId xmlns:a16="http://schemas.microsoft.com/office/drawing/2014/main" id="{7530B101-4FD6-43D7-8D3B-423D11E542AA}"/>
-              </a:ext>
-            </a:extLst>
-          </p:cNvPr>
-          <p:cNvSpPr/>
-          <p:nvPr/>
-        </p:nvSpPr>
-        <p:spPr>
-          <a:xfrm>
-            <a:off x="941034" y="630315"/>
-            <a:ext cx="4625266" cy="852256"/>
-          </a:xfrm>
-          <a:prstGeom prst="roundRect">
-            <a:avLst/>
-          </a:prstGeom>
-          <a:solidFill>
-            <a:schemeClr val="accent6"/>
-          </a:solidFill>
-          <a:ln>
-            <a:noFill/>
-          </a:ln>
-        </p:spPr>
-        <p:style>
-          <a:lnRef idx="2">
-            <a:schemeClr val="accent1">
-              <a:shade val="15000"/>
-            </a:schemeClr>
-          </a:lnRef>
-          <a:fillRef idx="1">
-            <a:schemeClr val="accent1"/>
-          </a:fillRef>
-          <a:effectRef idx="0">
-            <a:schemeClr val="accent1"/>
-          </a:effectRef>
-          <a:fontRef idx="minor">
-            <a:schemeClr val="lt1"/>
-          </a:fontRef>
-        </p:style>
-        <p:txBody>
-          <a:bodyPr rtlCol="0" anchor="ctr"/>
-          <a:lstStyle/>
-          <a:p>
-            <a:pPr algn="ctr"/>
-            <a:r>
-              <a:rPr lang="pt-BR" sz="2800" b="1" i="0" dirty="0">
-                <a:effectLst/>
-                <a:latin typeface="Söhne"/>
-              </a:rPr>
-              <a:t>Termo de Abertura de Projetos</a:t>
-            </a:r>
-          </a:p>
-        </p:txBody>
-      </p:sp>
-      <p:sp>
-        <p:nvSpPr>
-          <p:cNvPr id="4" name="CaixaDeTexto 3">
-            <a:extLst>
-              <a:ext uri="{FF2B5EF4-FFF2-40B4-BE49-F238E27FC236}">
-                <a16:creationId xmlns:a16="http://schemas.microsoft.com/office/drawing/2014/main" id="{9AD37E33-CA22-3625-36CF-43824E3C4B1B}"/>
-              </a:ext>
-            </a:extLst>
-          </p:cNvPr>
-          <p:cNvSpPr txBox="1"/>
-          <p:nvPr/>
-        </p:nvSpPr>
-        <p:spPr>
-          <a:xfrm rot="1463264">
-            <a:off x="5903471" y="2314206"/>
-            <a:ext cx="3471655" cy="1569660"/>
-          </a:xfrm>
-          <a:prstGeom prst="rect">
-            <a:avLst/>
-          </a:prstGeom>
-          <a:noFill/>
-        </p:spPr>
-        <p:txBody>
-          <a:bodyPr wrap="square" rtlCol="0">
-            <a:spAutoFit/>
-          </a:bodyPr>
-          <a:lstStyle/>
-          <a:p>
-            <a:pPr algn="ctr"/>
-            <a:r>
-              <a:rPr lang="pt-BR" sz="3200" dirty="0">
-                <a:latin typeface="Gill Sans ExtraBoldDisplay" panose="020B0400000000000000" pitchFamily="34" charset="0"/>
-              </a:rPr>
-              <a:t>Bora praticar!? Vamos criar nosso TAP!</a:t>
-            </a:r>
-          </a:p>
-        </p:txBody>
-      </p:sp>
-      <p:pic>
-        <p:nvPicPr>
-          <p:cNvPr id="10" name="Imagem 9" descr="Imagem em preto e branco&#10;&#10;Descrição gerada automaticamente">
-            <a:extLst>
-              <a:ext uri="{FF2B5EF4-FFF2-40B4-BE49-F238E27FC236}">
-                <a16:creationId xmlns:a16="http://schemas.microsoft.com/office/drawing/2014/main" id="{2891D6A5-A67C-D8AC-7D11-4B75C6141545}"/>
-              </a:ext>
-            </a:extLst>
-          </p:cNvPr>
-          <p:cNvPicPr>
-            <a:picLocks noChangeAspect="1"/>
-          </p:cNvPicPr>
-          <p:nvPr/>
-        </p:nvPicPr>
-        <p:blipFill>
-          <a:blip r:embed="rId2">
-            <a:extLst>
-              <a:ext uri="{28A0092B-C50C-407E-A947-70E740481C1C}">
-                <a14:useLocalDpi xmlns:a14="http://schemas.microsoft.com/office/drawing/2010/main" val="0"/>
-              </a:ext>
-            </a:extLst>
-          </a:blip>
-          <a:stretch>
-            <a:fillRect/>
-          </a:stretch>
-        </p:blipFill>
-        <p:spPr>
-          <a:xfrm>
-            <a:off x="1245833" y="1482571"/>
-            <a:ext cx="6096012" cy="6096012"/>
-          </a:xfrm>
-          <a:prstGeom prst="rect">
-            <a:avLst/>
-          </a:prstGeom>
-        </p:spPr>
-      </p:pic>
-    </p:spTree>
-    <p:extLst>
-      <p:ext uri="{BB962C8B-B14F-4D97-AF65-F5344CB8AC3E}">
-        <p14:creationId xmlns:p14="http://schemas.microsoft.com/office/powerpoint/2010/main" val="3651973683"/>
-      </p:ext>
-    </p:extLst>
-  </p:cSld>
-  <p:clrMapOvr>
-    <a:masterClrMapping/>
-  </p:clrMapOvr>
-</p:sld>
-</file>
-
-<file path=ppt/slides/slide14.xml><?xml version="1.0" encoding="utf-8"?>
-<p:sld xmlns:a="http://schemas.openxmlformats.org/drawingml/2006/main" xmlns:r="http://schemas.openxmlformats.org/officeDocument/2006/relationships" xmlns:p="http://schemas.openxmlformats.org/presentationml/2006/main">
-  <p:cSld>
-    <p:spTree>
-      <p:nvGrpSpPr>
-        <p:cNvPr id="1" name=""/>
-        <p:cNvGrpSpPr/>
-        <p:nvPr/>
-      </p:nvGrpSpPr>
-      <p:grpSpPr>
-        <a:xfrm>
-          <a:off x="0" y="0"/>
-          <a:ext cx="0" cy="0"/>
-          <a:chOff x="0" y="0"/>
-          <a:chExt cx="0" cy="0"/>
-        </a:xfrm>
-      </p:grpSpPr>
-      <p:sp>
-        <p:nvSpPr>
-          <p:cNvPr id="2" name="Retângulo: Cantos Arredondados 1">
-            <a:extLst>
-              <a:ext uri="{FF2B5EF4-FFF2-40B4-BE49-F238E27FC236}">
-                <a16:creationId xmlns:a16="http://schemas.microsoft.com/office/drawing/2014/main" id="{7530B101-4FD6-43D7-8D3B-423D11E542AA}"/>
-              </a:ext>
-            </a:extLst>
-          </p:cNvPr>
-          <p:cNvSpPr/>
-          <p:nvPr/>
-        </p:nvSpPr>
-        <p:spPr>
-          <a:xfrm>
-            <a:off x="941034" y="630315"/>
-            <a:ext cx="4625266" cy="852256"/>
-          </a:xfrm>
-          <a:prstGeom prst="roundRect">
-            <a:avLst/>
-          </a:prstGeom>
-          <a:solidFill>
-            <a:schemeClr val="accent6"/>
-          </a:solidFill>
-          <a:ln>
-            <a:noFill/>
-          </a:ln>
-        </p:spPr>
-        <p:style>
-          <a:lnRef idx="2">
-            <a:schemeClr val="accent1">
-              <a:shade val="15000"/>
-            </a:schemeClr>
-          </a:lnRef>
-          <a:fillRef idx="1">
-            <a:schemeClr val="accent1"/>
-          </a:fillRef>
-          <a:effectRef idx="0">
-            <a:schemeClr val="accent1"/>
-          </a:effectRef>
-          <a:fontRef idx="minor">
-            <a:schemeClr val="lt1"/>
-          </a:fontRef>
-        </p:style>
-        <p:txBody>
-          <a:bodyPr rtlCol="0" anchor="ctr"/>
-          <a:lstStyle/>
-          <a:p>
-            <a:pPr algn="ctr"/>
-            <a:r>
-              <a:rPr lang="pt-BR" sz="2800" b="1" i="0" dirty="0">
-                <a:effectLst/>
-                <a:latin typeface="Söhne"/>
-              </a:rPr>
-              <a:t>Exemplos</a:t>
-            </a:r>
-          </a:p>
-        </p:txBody>
-      </p:sp>
-      <p:pic>
-        <p:nvPicPr>
-          <p:cNvPr id="10" name="Imagem 9" descr="Imagem em preto e branco&#10;&#10;Descrição gerada automaticamente">
-            <a:extLst>
-              <a:ext uri="{FF2B5EF4-FFF2-40B4-BE49-F238E27FC236}">
-                <a16:creationId xmlns:a16="http://schemas.microsoft.com/office/drawing/2014/main" id="{2891D6A5-A67C-D8AC-7D11-4B75C6141545}"/>
-              </a:ext>
-            </a:extLst>
-          </p:cNvPr>
-          <p:cNvPicPr>
-            <a:picLocks noChangeAspect="1"/>
-          </p:cNvPicPr>
-          <p:nvPr/>
-        </p:nvPicPr>
-        <p:blipFill>
-          <a:blip r:embed="rId2">
-            <a:extLst>
-              <a:ext uri="{28A0092B-C50C-407E-A947-70E740481C1C}">
-                <a14:useLocalDpi xmlns:a14="http://schemas.microsoft.com/office/drawing/2010/main" val="0"/>
-              </a:ext>
-            </a:extLst>
-          </a:blip>
-          <a:stretch>
-            <a:fillRect/>
-          </a:stretch>
-        </p:blipFill>
-        <p:spPr>
-          <a:xfrm>
-            <a:off x="-1236110" y="1482571"/>
-            <a:ext cx="6096012" cy="6096012"/>
-          </a:xfrm>
-          <a:prstGeom prst="rect">
-            <a:avLst/>
-          </a:prstGeom>
-        </p:spPr>
-      </p:pic>
-      <p:graphicFrame>
-        <p:nvGraphicFramePr>
-          <p:cNvPr id="7" name="Tabela 6">
-            <a:extLst>
-              <a:ext uri="{FF2B5EF4-FFF2-40B4-BE49-F238E27FC236}">
-                <a16:creationId xmlns:a16="http://schemas.microsoft.com/office/drawing/2014/main" id="{D097446A-7DE0-F372-C22D-1B38ADAEE4EA}"/>
-              </a:ext>
-            </a:extLst>
-          </p:cNvPr>
-          <p:cNvGraphicFramePr>
-            <a:graphicFrameLocks noGrp="1"/>
-          </p:cNvGraphicFramePr>
-          <p:nvPr>
-            <p:extLst>
-              <p:ext uri="{D42A27DB-BD31-4B8C-83A1-F6EECF244321}">
-                <p14:modId xmlns:p14="http://schemas.microsoft.com/office/powerpoint/2010/main" val="3081683688"/>
-              </p:ext>
-            </p:extLst>
-          </p:nvPr>
-        </p:nvGraphicFramePr>
-        <p:xfrm>
-          <a:off x="3947958" y="1555141"/>
-          <a:ext cx="7590972" cy="5199744"/>
-        </p:xfrm>
-        <a:graphic>
-          <a:graphicData uri="http://schemas.openxmlformats.org/drawingml/2006/table">
-            <a:tbl>
-              <a:tblPr firstRow="1" bandRow="1">
-                <a:tableStyleId>{5C22544A-7EE6-4342-B048-85BDC9FD1C3A}</a:tableStyleId>
-              </a:tblPr>
-              <a:tblGrid>
-                <a:gridCol w="3795486">
-                  <a:extLst>
-                    <a:ext uri="{9D8B030D-6E8A-4147-A177-3AD203B41FA5}">
-                      <a16:colId xmlns:a16="http://schemas.microsoft.com/office/drawing/2014/main" val="2455333275"/>
-                    </a:ext>
-                  </a:extLst>
-                </a:gridCol>
-                <a:gridCol w="3795486">
-                  <a:extLst>
-                    <a:ext uri="{9D8B030D-6E8A-4147-A177-3AD203B41FA5}">
-                      <a16:colId xmlns:a16="http://schemas.microsoft.com/office/drawing/2014/main" val="3293631791"/>
-                    </a:ext>
-                  </a:extLst>
-                </a:gridCol>
-              </a:tblGrid>
-              <a:tr h="536304">
-                <a:tc>
-                  <a:txBody>
-                    <a:bodyPr/>
-                    <a:lstStyle/>
-                    <a:p>
-                      <a:pPr algn="ctr"/>
-                      <a:r>
-                        <a:rPr lang="pt-BR" dirty="0"/>
-                        <a:t>Objetivo do Projeto</a:t>
-                      </a:r>
-                    </a:p>
-                  </a:txBody>
-                  <a:tcPr anchor="ctr"/>
-                </a:tc>
-                <a:tc>
-                  <a:txBody>
-                    <a:bodyPr/>
-                    <a:lstStyle/>
-                    <a:p>
-                      <a:pPr algn="ctr"/>
-                      <a:r>
-                        <a:rPr lang="pt-BR" dirty="0"/>
-                        <a:t>Objetivo SMART</a:t>
-                      </a:r>
-                    </a:p>
-                  </a:txBody>
-                  <a:tcPr anchor="ctr"/>
-                </a:tc>
-                <a:extLst>
-                  <a:ext uri="{0D108BD9-81ED-4DB2-BD59-A6C34878D82A}">
-                    <a16:rowId xmlns:a16="http://schemas.microsoft.com/office/drawing/2014/main" val="8948631"/>
-                  </a:ext>
-                </a:extLst>
-              </a:tr>
-              <a:tr h="1070512">
-                <a:tc>
-                  <a:txBody>
-                    <a:bodyPr/>
-                    <a:lstStyle/>
-                    <a:p>
-                      <a:pPr algn="ctr"/>
-                      <a:r>
-                        <a:rPr lang="pt-BR" dirty="0"/>
-                        <a:t>Perder peso.</a:t>
-                      </a:r>
-                    </a:p>
-                  </a:txBody>
-                  <a:tcPr anchor="ctr"/>
-                </a:tc>
-                <a:tc>
-                  <a:txBody>
-                    <a:bodyPr/>
-                    <a:lstStyle/>
-                    <a:p>
-                      <a:r>
-                        <a:rPr lang="pt-BR" dirty="0"/>
-                        <a:t>Perder </a:t>
-                      </a:r>
-                      <a:r>
-                        <a:rPr lang="pt-BR" b="1" dirty="0"/>
-                        <a:t>30 quilos </a:t>
-                      </a:r>
-                      <a:r>
-                        <a:rPr lang="pt-BR" dirty="0"/>
-                        <a:t>dentro de </a:t>
-                      </a:r>
-                      <a:r>
-                        <a:rPr lang="pt-BR" b="1" dirty="0"/>
-                        <a:t>90 dias</a:t>
-                      </a:r>
-                      <a:r>
-                        <a:rPr lang="pt-BR" dirty="0"/>
-                        <a:t>, </a:t>
-                      </a:r>
-                      <a:r>
-                        <a:rPr lang="pt-BR" b="1" dirty="0"/>
-                        <a:t>através da </a:t>
-                      </a:r>
-                      <a:r>
-                        <a:rPr lang="pt-BR" dirty="0"/>
-                        <a:t>realização de um regime forte e seguindo um programa diário de atividades físicas.</a:t>
-                      </a:r>
-                    </a:p>
-                  </a:txBody>
-                  <a:tcPr/>
-                </a:tc>
-                <a:extLst>
-                  <a:ext uri="{0D108BD9-81ED-4DB2-BD59-A6C34878D82A}">
-                    <a16:rowId xmlns:a16="http://schemas.microsoft.com/office/drawing/2014/main" val="271669413"/>
-                  </a:ext>
-                </a:extLst>
-              </a:tr>
-              <a:tr h="1070512">
-                <a:tc>
-                  <a:txBody>
-                    <a:bodyPr/>
-                    <a:lstStyle/>
-                    <a:p>
-                      <a:pPr algn="ctr"/>
-                      <a:r>
-                        <a:rPr lang="pt-BR" dirty="0"/>
-                        <a:t>Reduzir custos com horas extras na minha empresa.</a:t>
-                      </a:r>
-                    </a:p>
-                  </a:txBody>
-                  <a:tcPr anchor="ctr"/>
-                </a:tc>
-                <a:tc>
-                  <a:txBody>
-                    <a:bodyPr/>
-                    <a:lstStyle/>
-                    <a:p>
-                      <a:r>
-                        <a:rPr lang="pt-BR" dirty="0"/>
-                        <a:t>Dentro de </a:t>
-                      </a:r>
-                      <a:r>
-                        <a:rPr lang="pt-BR" b="1" dirty="0"/>
-                        <a:t>6 meses</a:t>
-                      </a:r>
-                      <a:r>
-                        <a:rPr lang="pt-BR" dirty="0"/>
-                        <a:t>, reduzir em </a:t>
-                      </a:r>
-                      <a:r>
-                        <a:rPr lang="pt-BR" b="1" dirty="0"/>
-                        <a:t>50% </a:t>
-                      </a:r>
-                      <a:r>
-                        <a:rPr lang="pt-BR" dirty="0"/>
-                        <a:t>as horas extras realizadas na minha empresa </a:t>
-                      </a:r>
-                      <a:r>
-                        <a:rPr lang="pt-BR" b="1" dirty="0"/>
-                        <a:t>através de </a:t>
-                      </a:r>
-                      <a:r>
-                        <a:rPr lang="pt-BR" dirty="0"/>
-                        <a:t>ações de melhoria realizadas por um consultor em planejamento.</a:t>
-                      </a:r>
-                    </a:p>
-                  </a:txBody>
-                  <a:tcPr/>
-                </a:tc>
-                <a:extLst>
-                  <a:ext uri="{0D108BD9-81ED-4DB2-BD59-A6C34878D82A}">
-                    <a16:rowId xmlns:a16="http://schemas.microsoft.com/office/drawing/2014/main" val="3437844011"/>
-                  </a:ext>
-                </a:extLst>
-              </a:tr>
-              <a:tr h="1070512">
-                <a:tc>
-                  <a:txBody>
-                    <a:bodyPr/>
-                    <a:lstStyle/>
-                    <a:p>
-                      <a:pPr algn="ctr"/>
-                      <a:r>
-                        <a:rPr lang="pt-BR" dirty="0"/>
-                        <a:t>Motivar mais a minha equipe.</a:t>
-                      </a:r>
-                    </a:p>
-                  </a:txBody>
-                  <a:tcPr anchor="ctr"/>
-                </a:tc>
-                <a:tc>
-                  <a:txBody>
-                    <a:bodyPr/>
-                    <a:lstStyle/>
-                    <a:p>
-                      <a:r>
-                        <a:rPr lang="pt-BR" b="1" dirty="0"/>
-                        <a:t>Aumentar em 30% </a:t>
-                      </a:r>
-                      <a:r>
-                        <a:rPr lang="pt-BR" dirty="0"/>
-                        <a:t>o nível de motivação da minha equipe dentro de </a:t>
-                      </a:r>
-                      <a:r>
-                        <a:rPr lang="pt-BR" b="1" dirty="0"/>
-                        <a:t>6 meses</a:t>
-                      </a:r>
-                      <a:r>
-                        <a:rPr lang="pt-BR" dirty="0"/>
-                        <a:t>, </a:t>
-                      </a:r>
-                      <a:r>
-                        <a:rPr lang="pt-BR" b="1" dirty="0"/>
-                        <a:t>através da</a:t>
-                      </a:r>
-                      <a:r>
-                        <a:rPr lang="pt-BR" dirty="0"/>
-                        <a:t> implantação de novas dinâmicas de lazer e programas esportivos envolvendo a equipe.</a:t>
-                      </a:r>
-                    </a:p>
-                  </a:txBody>
-                  <a:tcPr/>
-                </a:tc>
-                <a:extLst>
-                  <a:ext uri="{0D108BD9-81ED-4DB2-BD59-A6C34878D82A}">
-                    <a16:rowId xmlns:a16="http://schemas.microsoft.com/office/drawing/2014/main" val="4286186904"/>
-                  </a:ext>
-                </a:extLst>
-              </a:tr>
-            </a:tbl>
-          </a:graphicData>
-        </a:graphic>
-      </p:graphicFrame>
-    </p:spTree>
-    <p:extLst>
-      <p:ext uri="{BB962C8B-B14F-4D97-AF65-F5344CB8AC3E}">
-        <p14:creationId xmlns:p14="http://schemas.microsoft.com/office/powerpoint/2010/main" val="1407629548"/>
-      </p:ext>
-    </p:extLst>
-  </p:cSld>
-  <p:clrMapOvr>
-    <a:masterClrMapping/>
-  </p:clrMapOvr>
-</p:sld>
-</file>
-
 <file path=ppt/slides/slide2.xml><?xml version="1.0" encoding="utf-8"?>
 <p:sld xmlns:a="http://schemas.openxmlformats.org/drawingml/2006/main" xmlns:r="http://schemas.openxmlformats.org/officeDocument/2006/relationships" xmlns:p="http://schemas.openxmlformats.org/presentationml/2006/main">
   <p:cSld>
@@ -5536,126 +4089,108 @@
       </p:grpSpPr>
       <p:sp>
         <p:nvSpPr>
-          <p:cNvPr id="2" name="Retângulo: Cantos Arredondados 1">
+          <p:cNvPr id="2" name="Título 1">
             <a:extLst>
               <a:ext uri="{FF2B5EF4-FFF2-40B4-BE49-F238E27FC236}">
-                <a16:creationId xmlns:a16="http://schemas.microsoft.com/office/drawing/2014/main" id="{7530B101-4FD6-43D7-8D3B-423D11E542AA}"/>
+                <a16:creationId xmlns:a16="http://schemas.microsoft.com/office/drawing/2014/main" id="{9607353C-C075-7C4B-E676-445D5D3CDB69}"/>
               </a:ext>
             </a:extLst>
           </p:cNvPr>
-          <p:cNvSpPr/>
-          <p:nvPr/>
+          <p:cNvSpPr>
+            <a:spLocks noGrp="1"/>
+          </p:cNvSpPr>
+          <p:nvPr>
+            <p:ph type="title"/>
+          </p:nvPr>
         </p:nvSpPr>
-        <p:spPr>
-          <a:xfrm>
-            <a:off x="941034" y="630315"/>
-            <a:ext cx="4625266" cy="852256"/>
-          </a:xfrm>
-          <a:prstGeom prst="roundRect">
-            <a:avLst/>
-          </a:prstGeom>
-          <a:solidFill>
-            <a:schemeClr val="accent6"/>
-          </a:solidFill>
-          <a:ln>
-            <a:noFill/>
-          </a:ln>
-        </p:spPr>
-        <p:style>
-          <a:lnRef idx="2">
-            <a:schemeClr val="accent1">
-              <a:shade val="15000"/>
-            </a:schemeClr>
-          </a:lnRef>
-          <a:fillRef idx="1">
-            <a:schemeClr val="accent1"/>
-          </a:fillRef>
-          <a:effectRef idx="0">
-            <a:schemeClr val="accent1"/>
-          </a:effectRef>
-          <a:fontRef idx="minor">
-            <a:schemeClr val="lt1"/>
-          </a:fontRef>
-        </p:style>
+        <p:spPr/>
         <p:txBody>
-          <a:bodyPr rtlCol="0" anchor="ctr"/>
+          <a:bodyPr/>
           <a:lstStyle/>
           <a:p>
-            <a:pPr algn="ctr"/>
             <a:r>
-              <a:rPr lang="pt-BR" sz="4000" b="1" dirty="0">
-                <a:latin typeface="Söhne"/>
-              </a:rPr>
-              <a:t>Objetivos</a:t>
+              <a:rPr lang="pt-BR" dirty="0"/>
+              <a:t>CPM (</a:t>
             </a:r>
-            <a:endParaRPr lang="pt-BR" sz="2800" b="1" i="0" dirty="0">
-              <a:effectLst/>
-              <a:latin typeface="Söhne"/>
-            </a:endParaRPr>
+            <a:r>
+              <a:rPr lang="pt-BR" dirty="0" err="1"/>
+              <a:t>Critical</a:t>
+            </a:r>
+            <a:r>
+              <a:rPr lang="pt-BR" dirty="0"/>
+              <a:t> Path </a:t>
+            </a:r>
+            <a:r>
+              <a:rPr lang="pt-BR" dirty="0" err="1"/>
+              <a:t>Method</a:t>
+            </a:r>
+            <a:r>
+              <a:rPr lang="pt-BR" dirty="0"/>
+              <a:t>):</a:t>
+            </a:r>
           </a:p>
         </p:txBody>
       </p:sp>
       <p:sp>
         <p:nvSpPr>
-          <p:cNvPr id="3" name="CaixaDeTexto 2">
+          <p:cNvPr id="3" name="Espaço Reservado para Conteúdo 2">
             <a:extLst>
               <a:ext uri="{FF2B5EF4-FFF2-40B4-BE49-F238E27FC236}">
-                <a16:creationId xmlns:a16="http://schemas.microsoft.com/office/drawing/2014/main" id="{9F3174A1-9767-5004-794B-69F8484E69E8}"/>
+                <a16:creationId xmlns:a16="http://schemas.microsoft.com/office/drawing/2014/main" id="{A09C5080-19D3-AFCA-7497-9F20105D27B2}"/>
               </a:ext>
             </a:extLst>
           </p:cNvPr>
-          <p:cNvSpPr txBox="1"/>
-          <p:nvPr/>
+          <p:cNvSpPr>
+            <a:spLocks noGrp="1"/>
+          </p:cNvSpPr>
+          <p:nvPr>
+            <p:ph idx="1"/>
+          </p:nvPr>
         </p:nvSpPr>
-        <p:spPr>
-          <a:xfrm>
-            <a:off x="941034" y="1874728"/>
-            <a:ext cx="10457279" cy="3108543"/>
-          </a:xfrm>
-          <a:prstGeom prst="rect">
-            <a:avLst/>
-          </a:prstGeom>
-          <a:noFill/>
-        </p:spPr>
+        <p:spPr/>
         <p:txBody>
-          <a:bodyPr wrap="square" rtlCol="0">
-            <a:spAutoFit/>
+          <a:bodyPr>
+            <a:normAutofit fontScale="92500" lnSpcReduction="20000"/>
           </a:bodyPr>
           <a:lstStyle/>
           <a:p>
-            <a:pPr marL="457200" indent="-457200">
-              <a:buFont typeface="Arial" panose="020B0604020202020204" pitchFamily="34" charset="0"/>
-              <a:buChar char="•"/>
-            </a:pPr>
             <a:r>
               <a:rPr lang="pt-BR" sz="2800" dirty="0"/>
-              <a:t>O TAP é um documento crucial no gerenciamento de projetos.</a:t>
+              <a:t>Sequenciamento de Atividades:</a:t>
             </a:r>
           </a:p>
           <a:p>
-            <a:endParaRPr lang="pt-BR" sz="2800" dirty="0"/>
-          </a:p>
-          <a:p>
-            <a:pPr marL="457200" indent="-457200">
-              <a:buFont typeface="Arial" panose="020B0604020202020204" pitchFamily="34" charset="0"/>
-              <a:buChar char="•"/>
-            </a:pPr>
+            <a:pPr lvl="1"/>
+            <a:r>
+              <a:rPr lang="pt-BR" sz="2600" dirty="0"/>
+              <a:t>Identifica todas as atividades necessárias para completar o projeto.</a:t>
+            </a:r>
+          </a:p>
+          <a:p>
+            <a:pPr lvl="1"/>
+            <a:r>
+              <a:rPr lang="pt-BR" sz="2600" dirty="0"/>
+              <a:t>Define a sequência lógica das atividades, indicando as dependências entre elas.</a:t>
+            </a:r>
+          </a:p>
+          <a:p>
             <a:r>
               <a:rPr lang="pt-BR" sz="2800" dirty="0"/>
-              <a:t>Estabelece as bases para o projeto desde seu início.</a:t>
+              <a:t>Estimativa de Duração:</a:t>
             </a:r>
           </a:p>
           <a:p>
-            <a:endParaRPr lang="pt-BR" sz="2800" dirty="0"/>
-          </a:p>
-          <a:p>
-            <a:pPr marL="457200" indent="-457200">
-              <a:buFont typeface="Arial" panose="020B0604020202020204" pitchFamily="34" charset="0"/>
-              <a:buChar char="•"/>
-            </a:pPr>
+            <a:pPr lvl="1"/>
             <a:r>
-              <a:rPr lang="pt-BR" sz="2800" dirty="0"/>
-              <a:t>Ferramenta essencial para a compreensão e alinhamento de objetivos.</a:t>
+              <a:rPr lang="pt-BR" sz="2600" dirty="0"/>
+              <a:t>Atribui estimativas de duração para cada atividade com base em experiências passadas ou conhecimento especializado.</a:t>
+            </a:r>
+          </a:p>
+          <a:p>
+            <a:pPr lvl="1"/>
+            <a:r>
+              <a:rPr lang="pt-BR" sz="2600" dirty="0"/>
+              <a:t>As durações são geralmente determinadas em dias ou semanas..</a:t>
             </a:r>
           </a:p>
         </p:txBody>
@@ -5663,7 +4198,7 @@
     </p:spTree>
     <p:extLst>
       <p:ext uri="{BB962C8B-B14F-4D97-AF65-F5344CB8AC3E}">
-        <p14:creationId xmlns:p14="http://schemas.microsoft.com/office/powerpoint/2010/main" val="1806275063"/>
+        <p14:creationId xmlns:p14="http://schemas.microsoft.com/office/powerpoint/2010/main" val="4052494519"/>
       </p:ext>
     </p:extLst>
   </p:cSld>
@@ -5692,544 +4227,123 @@
       </p:grpSpPr>
       <p:sp>
         <p:nvSpPr>
-          <p:cNvPr id="2" name="Retângulo: Cantos Arredondados 1">
+          <p:cNvPr id="2" name="Título 1">
             <a:extLst>
               <a:ext uri="{FF2B5EF4-FFF2-40B4-BE49-F238E27FC236}">
-                <a16:creationId xmlns:a16="http://schemas.microsoft.com/office/drawing/2014/main" id="{7530B101-4FD6-43D7-8D3B-423D11E542AA}"/>
+                <a16:creationId xmlns:a16="http://schemas.microsoft.com/office/drawing/2014/main" id="{9607353C-C075-7C4B-E676-445D5D3CDB69}"/>
               </a:ext>
             </a:extLst>
           </p:cNvPr>
-          <p:cNvSpPr/>
-          <p:nvPr/>
+          <p:cNvSpPr>
+            <a:spLocks noGrp="1"/>
+          </p:cNvSpPr>
+          <p:nvPr>
+            <p:ph type="title"/>
+          </p:nvPr>
         </p:nvSpPr>
-        <p:spPr>
-          <a:xfrm>
-            <a:off x="941034" y="630315"/>
-            <a:ext cx="4625266" cy="852256"/>
-          </a:xfrm>
-          <a:prstGeom prst="roundRect">
-            <a:avLst/>
-          </a:prstGeom>
-          <a:solidFill>
-            <a:schemeClr val="accent6"/>
-          </a:solidFill>
-          <a:ln>
-            <a:noFill/>
-          </a:ln>
-        </p:spPr>
-        <p:style>
-          <a:lnRef idx="2">
-            <a:schemeClr val="accent1">
-              <a:shade val="15000"/>
-            </a:schemeClr>
-          </a:lnRef>
-          <a:fillRef idx="1">
-            <a:schemeClr val="accent1"/>
-          </a:fillRef>
-          <a:effectRef idx="0">
-            <a:schemeClr val="accent1"/>
-          </a:effectRef>
-          <a:fontRef idx="minor">
-            <a:schemeClr val="lt1"/>
-          </a:fontRef>
-        </p:style>
+        <p:spPr/>
         <p:txBody>
-          <a:bodyPr rtlCol="0" anchor="ctr"/>
+          <a:bodyPr/>
           <a:lstStyle/>
           <a:p>
-            <a:pPr algn="ctr"/>
             <a:r>
-              <a:rPr lang="pt-BR" sz="2800" b="1" i="0" dirty="0">
-                <a:effectLst/>
-                <a:latin typeface="Söhne"/>
-              </a:rPr>
-              <a:t>Termo de Abertura de Projetos</a:t>
+              <a:rPr lang="pt-BR" dirty="0"/>
+              <a:t>CPM (</a:t>
+            </a:r>
+            <a:r>
+              <a:rPr lang="pt-BR" dirty="0" err="1"/>
+              <a:t>Critical</a:t>
+            </a:r>
+            <a:r>
+              <a:rPr lang="pt-BR" dirty="0"/>
+              <a:t> Path </a:t>
+            </a:r>
+            <a:r>
+              <a:rPr lang="pt-BR" dirty="0" err="1"/>
+              <a:t>Method</a:t>
+            </a:r>
+            <a:r>
+              <a:rPr lang="pt-BR" dirty="0"/>
+              <a:t>):</a:t>
             </a:r>
           </a:p>
         </p:txBody>
       </p:sp>
       <p:sp>
         <p:nvSpPr>
-          <p:cNvPr id="4" name="CaixaDeTexto 3">
+          <p:cNvPr id="3" name="Espaço Reservado para Conteúdo 2">
             <a:extLst>
               <a:ext uri="{FF2B5EF4-FFF2-40B4-BE49-F238E27FC236}">
-                <a16:creationId xmlns:a16="http://schemas.microsoft.com/office/drawing/2014/main" id="{9AD37E33-CA22-3625-36CF-43824E3C4B1B}"/>
+                <a16:creationId xmlns:a16="http://schemas.microsoft.com/office/drawing/2014/main" id="{A09C5080-19D3-AFCA-7497-9F20105D27B2}"/>
               </a:ext>
             </a:extLst>
           </p:cNvPr>
-          <p:cNvSpPr txBox="1"/>
-          <p:nvPr/>
+          <p:cNvSpPr>
+            <a:spLocks noGrp="1"/>
+          </p:cNvSpPr>
+          <p:nvPr>
+            <p:ph idx="1"/>
+          </p:nvPr>
         </p:nvSpPr>
-        <p:spPr>
-          <a:xfrm rot="20556639">
-            <a:off x="1113756" y="2446355"/>
-            <a:ext cx="3471655" cy="1015663"/>
-          </a:xfrm>
-          <a:prstGeom prst="rect">
-            <a:avLst/>
-          </a:prstGeom>
-          <a:noFill/>
-        </p:spPr>
+        <p:spPr/>
         <p:txBody>
-          <a:bodyPr wrap="square" rtlCol="0">
-            <a:spAutoFit/>
+          <a:bodyPr>
+            <a:normAutofit fontScale="77500" lnSpcReduction="20000"/>
           </a:bodyPr>
           <a:lstStyle/>
           <a:p>
-            <a:pPr algn="ctr"/>
             <a:r>
-              <a:rPr lang="pt-BR" sz="2000" dirty="0">
-                <a:latin typeface="Gill Sans ExtraBoldDisplay" panose="020B0400000000000000" pitchFamily="34" charset="0"/>
-              </a:rPr>
-              <a:t>Quais são os objetivos do TAP se já existe plano de ação?</a:t>
+              <a:rPr lang="pt-BR" sz="2800" dirty="0"/>
+              <a:t>Diagrama de Rede:</a:t>
             </a:r>
+          </a:p>
+          <a:p>
+            <a:pPr lvl="1"/>
+            <a:r>
+              <a:rPr lang="pt-BR" sz="2600" dirty="0"/>
+              <a:t>Representa as atividades em um diagrama de rede.</a:t>
+            </a:r>
+          </a:p>
+          <a:p>
+            <a:pPr lvl="1"/>
+            <a:r>
+              <a:rPr lang="pt-BR" sz="2600" dirty="0"/>
+              <a:t>Utiliza nós para representar atividades e setas para mostrar as dependências entre elas.</a:t>
+            </a:r>
+          </a:p>
+          <a:p>
+            <a:r>
+              <a:rPr lang="pt-BR" sz="2800" dirty="0"/>
+              <a:t>Caminho Crítico:</a:t>
+            </a:r>
+          </a:p>
+          <a:p>
+            <a:pPr lvl="1"/>
+            <a:r>
+              <a:rPr lang="pt-BR" sz="2600" dirty="0"/>
+              <a:t>Identifica o caminho crítico, que é a sequência de atividades que determina a duração total do projeto.</a:t>
+            </a:r>
+          </a:p>
+          <a:p>
+            <a:pPr lvl="1"/>
+            <a:r>
+              <a:rPr lang="pt-BR" sz="2600" dirty="0"/>
+              <a:t>Atividades no caminho crítico não podem ser atrasadas sem impactar o prazo do projeto.</a:t>
+            </a:r>
+            <a:endParaRPr lang="pt-BR" sz="2400" dirty="0"/>
           </a:p>
         </p:txBody>
       </p:sp>
-      <p:sp>
-        <p:nvSpPr>
-          <p:cNvPr id="5" name="Balão de Pensamento: Nuvem 4">
-            <a:extLst>
-              <a:ext uri="{FF2B5EF4-FFF2-40B4-BE49-F238E27FC236}">
-                <a16:creationId xmlns:a16="http://schemas.microsoft.com/office/drawing/2014/main" id="{A0920EA4-C419-823D-CC74-156177CB0F5B}"/>
-              </a:ext>
-            </a:extLst>
-          </p:cNvPr>
-          <p:cNvSpPr/>
-          <p:nvPr/>
-        </p:nvSpPr>
-        <p:spPr>
-          <a:xfrm>
-            <a:off x="684163" y="1771800"/>
-            <a:ext cx="4250693" cy="2364772"/>
-          </a:xfrm>
-          <a:prstGeom prst="cloudCallout">
-            <a:avLst>
-              <a:gd name="adj1" fmla="val 40216"/>
-              <a:gd name="adj2" fmla="val 67209"/>
-            </a:avLst>
-          </a:prstGeom>
-          <a:noFill/>
-        </p:spPr>
-        <p:style>
-          <a:lnRef idx="2">
-            <a:schemeClr val="accent1">
-              <a:shade val="15000"/>
-            </a:schemeClr>
-          </a:lnRef>
-          <a:fillRef idx="1">
-            <a:schemeClr val="accent1"/>
-          </a:fillRef>
-          <a:effectRef idx="0">
-            <a:schemeClr val="accent1"/>
-          </a:effectRef>
-          <a:fontRef idx="minor">
-            <a:schemeClr val="lt1"/>
-          </a:fontRef>
-        </p:style>
-        <p:txBody>
-          <a:bodyPr rtlCol="0" anchor="ctr"/>
-          <a:lstStyle/>
-          <a:p>
-            <a:pPr algn="ctr"/>
-            <a:r>
-              <a:rPr lang="pt-BR" dirty="0"/>
-              <a:t>ZZZ</a:t>
-            </a:r>
-          </a:p>
-        </p:txBody>
-      </p:sp>
-      <p:sp>
-        <p:nvSpPr>
-          <p:cNvPr id="6" name="Balão de Fala: Retângulo com Cantos Arredondados 5">
-            <a:extLst>
-              <a:ext uri="{FF2B5EF4-FFF2-40B4-BE49-F238E27FC236}">
-                <a16:creationId xmlns:a16="http://schemas.microsoft.com/office/drawing/2014/main" id="{9F0156BE-F790-6D27-ACDB-7B045661C16F}"/>
-              </a:ext>
-            </a:extLst>
-          </p:cNvPr>
-          <p:cNvSpPr/>
-          <p:nvPr/>
-        </p:nvSpPr>
-        <p:spPr>
-          <a:xfrm>
-            <a:off x="7367009" y="1054039"/>
-            <a:ext cx="3695464" cy="2213429"/>
-          </a:xfrm>
-          <a:prstGeom prst="wedgeRoundRectCallout">
-            <a:avLst>
-              <a:gd name="adj1" fmla="val -41145"/>
-              <a:gd name="adj2" fmla="val 74674"/>
-              <a:gd name="adj3" fmla="val 16667"/>
-            </a:avLst>
-          </a:prstGeom>
-          <a:noFill/>
-        </p:spPr>
-        <p:style>
-          <a:lnRef idx="2">
-            <a:schemeClr val="accent1">
-              <a:shade val="15000"/>
-            </a:schemeClr>
-          </a:lnRef>
-          <a:fillRef idx="1">
-            <a:schemeClr val="accent1"/>
-          </a:fillRef>
-          <a:effectRef idx="0">
-            <a:schemeClr val="accent1"/>
-          </a:effectRef>
-          <a:fontRef idx="minor">
-            <a:schemeClr val="lt1"/>
-          </a:fontRef>
-        </p:style>
-        <p:txBody>
-          <a:bodyPr rtlCol="0" anchor="ctr"/>
-          <a:lstStyle/>
-          <a:p>
-            <a:pPr algn="ctr"/>
-            <a:endParaRPr lang="pt-BR"/>
-          </a:p>
-        </p:txBody>
-      </p:sp>
-      <mc:AlternateContent xmlns:mc="http://schemas.openxmlformats.org/markup-compatibility/2006">
-        <mc:Choice xmlns:pslz="http://schemas.microsoft.com/office/powerpoint/2016/slidezoom" Requires="pslz">
-          <p:graphicFrame>
-            <p:nvGraphicFramePr>
-              <p:cNvPr id="8" name="Zoom de Slide 7">
-                <a:extLst>
-                  <a:ext uri="{FF2B5EF4-FFF2-40B4-BE49-F238E27FC236}">
-                    <a16:creationId xmlns:a16="http://schemas.microsoft.com/office/drawing/2014/main" id="{ED6459B3-B5D7-2831-8C99-91CDFD062D8D}"/>
-                  </a:ext>
-                </a:extLst>
-              </p:cNvPr>
-              <p:cNvGraphicFramePr>
-                <a:graphicFrameLocks noChangeAspect="1"/>
-              </p:cNvGraphicFramePr>
-              <p:nvPr>
-                <p:extLst>
-                  <p:ext uri="{D42A27DB-BD31-4B8C-83A1-F6EECF244321}">
-                    <p14:modId xmlns:p14="http://schemas.microsoft.com/office/powerpoint/2010/main" val="2621323151"/>
-                  </p:ext>
-                </p:extLst>
-              </p:nvPr>
-            </p:nvGraphicFramePr>
-            <p:xfrm>
-              <a:off x="7690741" y="1303503"/>
-              <a:ext cx="3048000" cy="1714500"/>
-            </p:xfrm>
-            <a:graphic>
-              <a:graphicData uri="http://schemas.microsoft.com/office/powerpoint/2016/slidezoom">
-                <pslz:sldZm>
-                  <pslz:sldZmObj sldId="257" cId="229463502">
-                    <pslz:zmPr id="{7A020BAF-2AE4-4202-9E42-401212B1A033}" returnToParent="0" transitionDur="1000">
-                      <p166:blipFill xmlns:p166="http://schemas.microsoft.com/office/powerpoint/2016/6/main">
-                        <a:blip r:embed="rId2"/>
-                        <a:stretch>
-                          <a:fillRect/>
-                        </a:stretch>
-                      </p166:blipFill>
-                      <p166:spPr xmlns:p166="http://schemas.microsoft.com/office/powerpoint/2016/6/main">
-                        <a:xfrm>
-                          <a:off x="0" y="0"/>
-                          <a:ext cx="3048000" cy="1714500"/>
-                        </a:xfrm>
-                        <a:prstGeom prst="rect">
-                          <a:avLst/>
-                        </a:prstGeom>
-                        <a:ln w="3175">
-                          <a:solidFill>
-                            <a:prstClr val="ltGray"/>
-                          </a:solidFill>
-                        </a:ln>
-                      </p166:spPr>
-                    </pslz:zmPr>
-                  </pslz:sldZmObj>
-                </pslz:sldZm>
-              </a:graphicData>
-            </a:graphic>
-          </p:graphicFrame>
-        </mc:Choice>
-        <mc:Fallback>
-          <p:pic>
-            <p:nvPicPr>
-              <p:cNvPr id="8" name="Zoom de Slide 7">
-                <a:hlinkClick r:id="rId3" action="ppaction://hlinksldjump"/>
-                <a:extLst>
-                  <a:ext uri="{FF2B5EF4-FFF2-40B4-BE49-F238E27FC236}">
-                    <a16:creationId xmlns:a16="http://schemas.microsoft.com/office/drawing/2014/main" id="{ED6459B3-B5D7-2831-8C99-91CDFD062D8D}"/>
-                  </a:ext>
-                </a:extLst>
-              </p:cNvPr>
-              <p:cNvPicPr>
-                <a:picLocks noGrp="1" noRot="1" noChangeAspect="1" noMove="1" noResize="1" noEditPoints="1" noAdjustHandles="1" noChangeArrowheads="1" noChangeShapeType="1"/>
-              </p:cNvPicPr>
-              <p:nvPr/>
-            </p:nvPicPr>
-            <p:blipFill>
-              <a:blip r:embed="rId2"/>
-              <a:stretch>
-                <a:fillRect/>
-              </a:stretch>
-            </p:blipFill>
-            <p:spPr>
-              <a:xfrm>
-                <a:off x="7690741" y="1303503"/>
-                <a:ext cx="3048000" cy="1714500"/>
-              </a:xfrm>
-              <a:prstGeom prst="rect">
-                <a:avLst/>
-              </a:prstGeom>
-              <a:ln w="3175">
-                <a:solidFill>
-                  <a:prstClr val="ltGray"/>
-                </a:solidFill>
-              </a:ln>
-            </p:spPr>
-          </p:pic>
-        </mc:Fallback>
-      </mc:AlternateContent>
-      <p:pic>
-        <p:nvPicPr>
-          <p:cNvPr id="10" name="Imagem 9" descr="Imagem em preto e branco&#10;&#10;Descrição gerada automaticamente">
-            <a:extLst>
-              <a:ext uri="{FF2B5EF4-FFF2-40B4-BE49-F238E27FC236}">
-                <a16:creationId xmlns:a16="http://schemas.microsoft.com/office/drawing/2014/main" id="{2891D6A5-A67C-D8AC-7D11-4B75C6141545}"/>
-              </a:ext>
-            </a:extLst>
-          </p:cNvPr>
-          <p:cNvPicPr>
-            <a:picLocks noChangeAspect="1"/>
-          </p:cNvPicPr>
-          <p:nvPr/>
-        </p:nvPicPr>
-        <p:blipFill>
-          <a:blip r:embed="rId4">
-            <a:extLst>
-              <a:ext uri="{28A0092B-C50C-407E-A947-70E740481C1C}">
-                <a14:useLocalDpi xmlns:a14="http://schemas.microsoft.com/office/drawing/2010/main" val="0"/>
-              </a:ext>
-            </a:extLst>
-          </a:blip>
-          <a:stretch>
-            <a:fillRect/>
-          </a:stretch>
-        </p:blipFill>
-        <p:spPr>
-          <a:xfrm>
-            <a:off x="2842027" y="1637802"/>
-            <a:ext cx="6096012" cy="6096012"/>
-          </a:xfrm>
-          <a:prstGeom prst="rect">
-            <a:avLst/>
-          </a:prstGeom>
-        </p:spPr>
-      </p:pic>
     </p:spTree>
     <p:extLst>
       <p:ext uri="{BB962C8B-B14F-4D97-AF65-F5344CB8AC3E}">
-        <p14:creationId xmlns:p14="http://schemas.microsoft.com/office/powerpoint/2010/main" val="3925425905"/>
+        <p14:creationId xmlns:p14="http://schemas.microsoft.com/office/powerpoint/2010/main" val="2518153970"/>
       </p:ext>
     </p:extLst>
   </p:cSld>
   <p:clrMapOvr>
     <a:masterClrMapping/>
   </p:clrMapOvr>
-  <p:timing>
-    <p:tnLst>
-      <p:par>
-        <p:cTn id="1" dur="indefinite" restart="never" nodeType="tmRoot">
-          <p:childTnLst>
-            <p:seq concurrent="1" nextAc="seek">
-              <p:cTn id="2" dur="indefinite" nodeType="mainSeq">
-                <p:childTnLst>
-                  <p:par>
-                    <p:cTn id="3" fill="hold">
-                      <p:stCondLst>
-                        <p:cond delay="indefinite"/>
-                      </p:stCondLst>
-                      <p:childTnLst>
-                        <p:par>
-                          <p:cTn id="4" fill="hold">
-                            <p:stCondLst>
-                              <p:cond delay="0"/>
-                            </p:stCondLst>
-                            <p:childTnLst>
-                              <p:par>
-                                <p:cTn id="5" presetID="2" presetClass="entr" presetSubtype="4" fill="hold" grpId="0" nodeType="clickEffect">
-                                  <p:stCondLst>
-                                    <p:cond delay="0"/>
-                                  </p:stCondLst>
-                                  <p:childTnLst>
-                                    <p:set>
-                                      <p:cBhvr>
-                                        <p:cTn id="6" dur="1" fill="hold">
-                                          <p:stCondLst>
-                                            <p:cond delay="0"/>
-                                          </p:stCondLst>
-                                        </p:cTn>
-                                        <p:tgtEl>
-                                          <p:spTgt spid="6"/>
-                                        </p:tgtEl>
-                                        <p:attrNameLst>
-                                          <p:attrName>style.visibility</p:attrName>
-                                        </p:attrNameLst>
-                                      </p:cBhvr>
-                                      <p:to>
-                                        <p:strVal val="visible"/>
-                                      </p:to>
-                                    </p:set>
-                                    <p:anim calcmode="lin" valueType="num">
-                                      <p:cBhvr additive="base">
-                                        <p:cTn id="7" dur="500" fill="hold"/>
-                                        <p:tgtEl>
-                                          <p:spTgt spid="6"/>
-                                        </p:tgtEl>
-                                        <p:attrNameLst>
-                                          <p:attrName>ppt_x</p:attrName>
-                                        </p:attrNameLst>
-                                      </p:cBhvr>
-                                      <p:tavLst>
-                                        <p:tav tm="0">
-                                          <p:val>
-                                            <p:strVal val="#ppt_x"/>
-                                          </p:val>
-                                        </p:tav>
-                                        <p:tav tm="100000">
-                                          <p:val>
-                                            <p:strVal val="#ppt_x"/>
-                                          </p:val>
-                                        </p:tav>
-                                      </p:tavLst>
-                                    </p:anim>
-                                    <p:anim calcmode="lin" valueType="num">
-                                      <p:cBhvr additive="base">
-                                        <p:cTn id="8" dur="500" fill="hold"/>
-                                        <p:tgtEl>
-                                          <p:spTgt spid="6"/>
-                                        </p:tgtEl>
-                                        <p:attrNameLst>
-                                          <p:attrName>ppt_y</p:attrName>
-                                        </p:attrNameLst>
-                                      </p:cBhvr>
-                                      <p:tavLst>
-                                        <p:tav tm="0">
-                                          <p:val>
-                                            <p:strVal val="1+#ppt_h/2"/>
-                                          </p:val>
-                                        </p:tav>
-                                        <p:tav tm="100000">
-                                          <p:val>
-                                            <p:strVal val="#ppt_y"/>
-                                          </p:val>
-                                        </p:tav>
-                                      </p:tavLst>
-                                    </p:anim>
-                                  </p:childTnLst>
-                                </p:cTn>
-                              </p:par>
-                              <p:par>
-                                <p:cTn id="9" presetID="2" presetClass="entr" presetSubtype="4" fill="hold" nodeType="withEffect">
-                                  <p:stCondLst>
-                                    <p:cond delay="0"/>
-                                  </p:stCondLst>
-                                  <p:childTnLst>
-                                    <p:set>
-                                      <p:cBhvr>
-                                        <p:cTn id="10" dur="1" fill="hold">
-                                          <p:stCondLst>
-                                            <p:cond delay="0"/>
-                                          </p:stCondLst>
-                                        </p:cTn>
-                                        <p:tgtEl>
-                                          <p:spTgt spid="8"/>
-                                        </p:tgtEl>
-                                        <p:attrNameLst>
-                                          <p:attrName>style.visibility</p:attrName>
-                                        </p:attrNameLst>
-                                      </p:cBhvr>
-                                      <p:to>
-                                        <p:strVal val="visible"/>
-                                      </p:to>
-                                    </p:set>
-                                    <p:anim calcmode="lin" valueType="num">
-                                      <p:cBhvr additive="base">
-                                        <p:cTn id="11" dur="500" fill="hold"/>
-                                        <p:tgtEl>
-                                          <p:spTgt spid="8"/>
-                                        </p:tgtEl>
-                                        <p:attrNameLst>
-                                          <p:attrName>ppt_x</p:attrName>
-                                        </p:attrNameLst>
-                                      </p:cBhvr>
-                                      <p:tavLst>
-                                        <p:tav tm="0">
-                                          <p:val>
-                                            <p:strVal val="#ppt_x"/>
-                                          </p:val>
-                                        </p:tav>
-                                        <p:tav tm="100000">
-                                          <p:val>
-                                            <p:strVal val="#ppt_x"/>
-                                          </p:val>
-                                        </p:tav>
-                                      </p:tavLst>
-                                    </p:anim>
-                                    <p:anim calcmode="lin" valueType="num">
-                                      <p:cBhvr additive="base">
-                                        <p:cTn id="12" dur="500" fill="hold"/>
-                                        <p:tgtEl>
-                                          <p:spTgt spid="8"/>
-                                        </p:tgtEl>
-                                        <p:attrNameLst>
-                                          <p:attrName>ppt_y</p:attrName>
-                                        </p:attrNameLst>
-                                      </p:cBhvr>
-                                      <p:tavLst>
-                                        <p:tav tm="0">
-                                          <p:val>
-                                            <p:strVal val="1+#ppt_h/2"/>
-                                          </p:val>
-                                        </p:tav>
-                                        <p:tav tm="100000">
-                                          <p:val>
-                                            <p:strVal val="#ppt_y"/>
-                                          </p:val>
-                                        </p:tav>
-                                      </p:tavLst>
-                                    </p:anim>
-                                  </p:childTnLst>
-                                </p:cTn>
-                              </p:par>
-                            </p:childTnLst>
-                          </p:cTn>
-                        </p:par>
-                      </p:childTnLst>
-                    </p:cTn>
-                  </p:par>
-                </p:childTnLst>
-              </p:cTn>
-              <p:prevCondLst>
-                <p:cond evt="onPrev" delay="0">
-                  <p:tgtEl>
-                    <p:sldTgt/>
-                  </p:tgtEl>
-                </p:cond>
-              </p:prevCondLst>
-              <p:nextCondLst>
-                <p:cond evt="onNext" delay="0">
-                  <p:tgtEl>
-                    <p:sldTgt/>
-                  </p:tgtEl>
-                </p:cond>
-              </p:nextCondLst>
-            </p:seq>
-          </p:childTnLst>
-        </p:cTn>
-      </p:par>
-    </p:tnLst>
-    <p:bldLst>
-      <p:bldP spid="6" grpId="0" animBg="1"/>
-    </p:bldLst>
-  </p:timing>
 </p:sld>
 </file>
 
@@ -6250,100 +4364,117 @@
           <a:chExt cx="0" cy="0"/>
         </a:xfrm>
       </p:grpSpPr>
-      <p:pic>
-        <p:nvPicPr>
-          <p:cNvPr id="3" name="Picture 2" descr="Understanding Desired Business Outcomes and KPIs Is A Must - Middlesex ...">
+      <p:sp>
+        <p:nvSpPr>
+          <p:cNvPr id="2" name="Título 1">
             <a:extLst>
               <a:ext uri="{FF2B5EF4-FFF2-40B4-BE49-F238E27FC236}">
-                <a16:creationId xmlns:a16="http://schemas.microsoft.com/office/drawing/2014/main" id="{4F526880-FDF2-3028-009D-506F733AF18B}"/>
+                <a16:creationId xmlns:a16="http://schemas.microsoft.com/office/drawing/2014/main" id="{9607353C-C075-7C4B-E676-445D5D3CDB69}"/>
               </a:ext>
             </a:extLst>
           </p:cNvPr>
-          <p:cNvPicPr>
-            <a:picLocks noChangeAspect="1" noChangeArrowheads="1"/>
-          </p:cNvPicPr>
-          <p:nvPr/>
-        </p:nvPicPr>
-        <p:blipFill rotWithShape="1">
-          <a:blip r:embed="rId2">
-            <a:extLst>
-              <a:ext uri="{28A0092B-C50C-407E-A947-70E740481C1C}">
-                <a14:useLocalDpi xmlns:a14="http://schemas.microsoft.com/office/drawing/2010/main" val="0"/>
-              </a:ext>
-            </a:extLst>
-          </a:blip>
-          <a:srcRect b="50000"/>
-          <a:stretch/>
-        </p:blipFill>
-        <p:spPr bwMode="auto">
-          <a:xfrm>
-            <a:off x="-130629" y="-306977"/>
-            <a:ext cx="12453258" cy="3735976"/>
-          </a:xfrm>
-          <a:prstGeom prst="rect">
-            <a:avLst/>
-          </a:prstGeom>
-          <a:noFill/>
-          <a:extLst>
-            <a:ext uri="{909E8E84-426E-40DD-AFC4-6F175D3DCCD1}">
-              <a14:hiddenFill xmlns:a14="http://schemas.microsoft.com/office/drawing/2010/main">
-                <a:solidFill>
-                  <a:srgbClr val="FFFFFF"/>
-                </a:solidFill>
-              </a14:hiddenFill>
-            </a:ext>
-          </a:extLst>
-        </p:spPr>
-      </p:pic>
-      <p:pic>
-        <p:nvPicPr>
-          <p:cNvPr id="4" name="Picture 2" descr="Understanding Desired Business Outcomes and KPIs Is A Must - Middlesex ...">
+          <p:cNvSpPr>
+            <a:spLocks noGrp="1"/>
+          </p:cNvSpPr>
+          <p:nvPr>
+            <p:ph type="title"/>
+          </p:nvPr>
+        </p:nvSpPr>
+        <p:spPr/>
+        <p:txBody>
+          <a:bodyPr/>
+          <a:lstStyle/>
+          <a:p>
+            <a:r>
+              <a:rPr lang="en-US" dirty="0"/>
+              <a:t>PERT (Program Evaluation and Review Technique):</a:t>
+            </a:r>
+            <a:endParaRPr lang="pt-BR" dirty="0"/>
+          </a:p>
+        </p:txBody>
+      </p:sp>
+      <p:sp>
+        <p:nvSpPr>
+          <p:cNvPr id="3" name="Espaço Reservado para Conteúdo 2">
             <a:extLst>
               <a:ext uri="{FF2B5EF4-FFF2-40B4-BE49-F238E27FC236}">
-                <a16:creationId xmlns:a16="http://schemas.microsoft.com/office/drawing/2014/main" id="{27BC1773-627D-279C-100F-839C958B6D4E}"/>
+                <a16:creationId xmlns:a16="http://schemas.microsoft.com/office/drawing/2014/main" id="{A09C5080-19D3-AFCA-7497-9F20105D27B2}"/>
               </a:ext>
             </a:extLst>
           </p:cNvPr>
-          <p:cNvPicPr>
-            <a:picLocks noChangeAspect="1" noChangeArrowheads="1"/>
-          </p:cNvPicPr>
-          <p:nvPr/>
-        </p:nvPicPr>
-        <p:blipFill rotWithShape="1">
-          <a:blip r:embed="rId2">
-            <a:extLst>
-              <a:ext uri="{28A0092B-C50C-407E-A947-70E740481C1C}">
-                <a14:useLocalDpi xmlns:a14="http://schemas.microsoft.com/office/drawing/2010/main" val="0"/>
-              </a:ext>
-            </a:extLst>
-          </a:blip>
-          <a:srcRect t="50000"/>
-          <a:stretch/>
-        </p:blipFill>
-        <p:spPr bwMode="auto">
-          <a:xfrm>
-            <a:off x="-130629" y="3428999"/>
-            <a:ext cx="12453258" cy="3735977"/>
-          </a:xfrm>
-          <a:prstGeom prst="rect">
-            <a:avLst/>
-          </a:prstGeom>
-          <a:noFill/>
-          <a:extLst>
-            <a:ext uri="{909E8E84-426E-40DD-AFC4-6F175D3DCCD1}">
-              <a14:hiddenFill xmlns:a14="http://schemas.microsoft.com/office/drawing/2010/main">
-                <a:solidFill>
-                  <a:srgbClr val="FFFFFF"/>
-                </a:solidFill>
-              </a14:hiddenFill>
-            </a:ext>
-          </a:extLst>
-        </p:spPr>
-      </p:pic>
+          <p:cNvSpPr>
+            <a:spLocks noGrp="1"/>
+          </p:cNvSpPr>
+          <p:nvPr>
+            <p:ph idx="1"/>
+          </p:nvPr>
+        </p:nvSpPr>
+        <p:spPr/>
+        <p:txBody>
+          <a:bodyPr>
+            <a:normAutofit fontScale="70000" lnSpcReduction="20000"/>
+          </a:bodyPr>
+          <a:lstStyle/>
+          <a:p>
+            <a:r>
+              <a:rPr lang="pt-BR" sz="2800" dirty="0"/>
+              <a:t>Incerteza nas Estimativas:</a:t>
+            </a:r>
+          </a:p>
+          <a:p>
+            <a:pPr lvl="1"/>
+            <a:r>
+              <a:rPr lang="pt-BR" sz="2600" dirty="0"/>
+              <a:t>Reconhece a incerteza nas estimativas de duração das atividades.</a:t>
+            </a:r>
+          </a:p>
+          <a:p>
+            <a:pPr lvl="1"/>
+            <a:r>
+              <a:rPr lang="pt-BR" sz="2600" dirty="0"/>
+              <a:t>Usa três estimativas para cada atividade: otimista, mais provável e pessimista.</a:t>
+            </a:r>
+          </a:p>
+          <a:p>
+            <a:r>
+              <a:rPr lang="pt-BR" sz="2800" dirty="0"/>
+              <a:t>Cálculo da Duração Esperada:</a:t>
+            </a:r>
+          </a:p>
+          <a:p>
+            <a:pPr lvl="1"/>
+            <a:r>
+              <a:rPr lang="pt-BR" sz="2600" dirty="0"/>
+              <a:t>Calcula a duração esperada de cada atividade usando a fórmula: (O + 4M + P) / 6, onde O é otimista, M é mais provável e P é pessimista.</a:t>
+            </a:r>
+          </a:p>
+          <a:p>
+            <a:r>
+              <a:rPr lang="pt-BR" sz="2800" dirty="0"/>
+              <a:t>Diagrama de Rede PERT:</a:t>
+            </a:r>
+          </a:p>
+          <a:p>
+            <a:pPr lvl="1"/>
+            <a:r>
+              <a:rPr lang="pt-BR" sz="2600" dirty="0"/>
+              <a:t>Utiliza um diagrama de rede semelhante ao CPM, mas com ênfase nas estimativas probabilísticas.</a:t>
+            </a:r>
+          </a:p>
+          <a:p>
+            <a:pPr lvl="1"/>
+            <a:r>
+              <a:rPr lang="pt-BR" sz="2600" dirty="0"/>
+              <a:t>Representa as atividades e as dependências entre elas.</a:t>
+            </a:r>
+            <a:endParaRPr lang="pt-BR" sz="2200" dirty="0"/>
+          </a:p>
+        </p:txBody>
+      </p:sp>
     </p:spTree>
     <p:extLst>
       <p:ext uri="{BB962C8B-B14F-4D97-AF65-F5344CB8AC3E}">
-        <p14:creationId xmlns:p14="http://schemas.microsoft.com/office/powerpoint/2010/main" val="229463502"/>
+        <p14:creationId xmlns:p14="http://schemas.microsoft.com/office/powerpoint/2010/main" val="1235486683"/>
       </p:ext>
     </p:extLst>
   </p:cSld>
@@ -6370,609 +4501,124 @@
           <a:chExt cx="0" cy="0"/>
         </a:xfrm>
       </p:grpSpPr>
-      <mc:AlternateContent xmlns:mc="http://schemas.openxmlformats.org/markup-compatibility/2006">
-        <mc:Choice xmlns:pslz="http://schemas.microsoft.com/office/powerpoint/2016/slidezoom" Requires="pslz">
-          <p:graphicFrame>
-            <p:nvGraphicFramePr>
-              <p:cNvPr id="37" name="Zoom de Slide 36">
-                <a:extLst>
-                  <a:ext uri="{FF2B5EF4-FFF2-40B4-BE49-F238E27FC236}">
-                    <a16:creationId xmlns:a16="http://schemas.microsoft.com/office/drawing/2014/main" id="{485A0AE6-7920-F01B-E1F6-73E20BDD974C}"/>
-                  </a:ext>
-                </a:extLst>
-              </p:cNvPr>
-              <p:cNvGraphicFramePr>
-                <a:graphicFrameLocks noChangeAspect="1"/>
-              </p:cNvGraphicFramePr>
-              <p:nvPr>
-                <p:extLst>
-                  <p:ext uri="{D42A27DB-BD31-4B8C-83A1-F6EECF244321}">
-                    <p14:modId xmlns:p14="http://schemas.microsoft.com/office/powerpoint/2010/main" val="3243946477"/>
-                  </p:ext>
-                </p:extLst>
-              </p:nvPr>
-            </p:nvGraphicFramePr>
-            <p:xfrm>
-              <a:off x="821735" y="2921314"/>
-              <a:ext cx="1639348" cy="922133"/>
-            </p:xfrm>
-            <a:graphic>
-              <a:graphicData uri="http://schemas.microsoft.com/office/powerpoint/2016/slidezoom">
-                <pslz:sldZm>
-                  <pslz:sldZmObj sldId="259" cId="3356647982">
-                    <pslz:zmPr id="{ACB7EF8C-79F6-4532-B1D9-43F38B40AC4E}" returnToParent="0" transitionDur="1000">
-                      <p166:blipFill xmlns:p166="http://schemas.microsoft.com/office/powerpoint/2016/6/main">
-                        <a:blip r:embed="rId2"/>
-                        <a:stretch>
-                          <a:fillRect/>
-                        </a:stretch>
-                      </p166:blipFill>
-                      <p166:spPr xmlns:p166="http://schemas.microsoft.com/office/powerpoint/2016/6/main">
-                        <a:xfrm>
-                          <a:off x="0" y="0"/>
-                          <a:ext cx="1639348" cy="922133"/>
-                        </a:xfrm>
-                        <a:prstGeom prst="rect">
-                          <a:avLst/>
-                        </a:prstGeom>
-                        <a:ln w="3175">
-                          <a:solidFill>
-                            <a:prstClr val="ltGray"/>
-                          </a:solidFill>
-                        </a:ln>
-                      </p166:spPr>
-                    </pslz:zmPr>
-                  </pslz:sldZmObj>
-                </pslz:sldZm>
-              </a:graphicData>
-            </a:graphic>
-          </p:graphicFrame>
-        </mc:Choice>
-        <mc:Fallback>
-          <p:pic>
-            <p:nvPicPr>
-              <p:cNvPr id="37" name="Zoom de Slide 36">
-                <a:hlinkClick r:id="rId3" action="ppaction://hlinksldjump"/>
-                <a:extLst>
-                  <a:ext uri="{FF2B5EF4-FFF2-40B4-BE49-F238E27FC236}">
-                    <a16:creationId xmlns:a16="http://schemas.microsoft.com/office/drawing/2014/main" id="{485A0AE6-7920-F01B-E1F6-73E20BDD974C}"/>
-                  </a:ext>
-                </a:extLst>
-              </p:cNvPr>
-              <p:cNvPicPr>
-                <a:picLocks noGrp="1" noRot="1" noChangeAspect="1" noMove="1" noResize="1" noEditPoints="1" noAdjustHandles="1" noChangeArrowheads="1" noChangeShapeType="1"/>
-              </p:cNvPicPr>
-              <p:nvPr/>
-            </p:nvPicPr>
-            <p:blipFill>
-              <a:blip r:embed="rId2"/>
-              <a:stretch>
-                <a:fillRect/>
-              </a:stretch>
-            </p:blipFill>
-            <p:spPr>
-              <a:xfrm>
-                <a:off x="821735" y="2921314"/>
-                <a:ext cx="1639348" cy="922133"/>
-              </a:xfrm>
-              <a:prstGeom prst="rect">
-                <a:avLst/>
-              </a:prstGeom>
-              <a:ln w="3175">
-                <a:solidFill>
-                  <a:prstClr val="ltGray"/>
-                </a:solidFill>
-              </a:ln>
-            </p:spPr>
-          </p:pic>
-        </mc:Fallback>
-      </mc:AlternateContent>
-      <mc:AlternateContent xmlns:mc="http://schemas.openxmlformats.org/markup-compatibility/2006">
-        <mc:Choice xmlns:pslz="http://schemas.microsoft.com/office/powerpoint/2016/slidezoom" Requires="pslz">
-          <p:graphicFrame>
-            <p:nvGraphicFramePr>
-              <p:cNvPr id="39" name="Zoom de Slide 38">
-                <a:extLst>
-                  <a:ext uri="{FF2B5EF4-FFF2-40B4-BE49-F238E27FC236}">
-                    <a16:creationId xmlns:a16="http://schemas.microsoft.com/office/drawing/2014/main" id="{6B73EB61-00D2-62BC-7542-AA783813896E}"/>
-                  </a:ext>
-                </a:extLst>
-              </p:cNvPr>
-              <p:cNvGraphicFramePr>
-                <a:graphicFrameLocks noChangeAspect="1"/>
-              </p:cNvGraphicFramePr>
-              <p:nvPr>
-                <p:extLst>
-                  <p:ext uri="{D42A27DB-BD31-4B8C-83A1-F6EECF244321}">
-                    <p14:modId xmlns:p14="http://schemas.microsoft.com/office/powerpoint/2010/main" val="2461897830"/>
-                  </p:ext>
-                </p:extLst>
-              </p:nvPr>
-            </p:nvGraphicFramePr>
-            <p:xfrm>
-              <a:off x="3077593" y="2936151"/>
-              <a:ext cx="1639348" cy="922133"/>
-            </p:xfrm>
-            <a:graphic>
-              <a:graphicData uri="http://schemas.microsoft.com/office/powerpoint/2016/slidezoom">
-                <pslz:sldZm>
-                  <pslz:sldZmObj sldId="260" cId="3929302904">
-                    <pslz:zmPr id="{B02EF6EC-F85D-4551-A06A-321960F591ED}" returnToParent="0" transitionDur="1000">
-                      <p166:blipFill xmlns:p166="http://schemas.microsoft.com/office/powerpoint/2016/6/main">
-                        <a:blip r:embed="rId4"/>
-                        <a:stretch>
-                          <a:fillRect/>
-                        </a:stretch>
-                      </p166:blipFill>
-                      <p166:spPr xmlns:p166="http://schemas.microsoft.com/office/powerpoint/2016/6/main">
-                        <a:xfrm>
-                          <a:off x="0" y="0"/>
-                          <a:ext cx="1639348" cy="922133"/>
-                        </a:xfrm>
-                        <a:prstGeom prst="rect">
-                          <a:avLst/>
-                        </a:prstGeom>
-                        <a:ln w="3175">
-                          <a:solidFill>
-                            <a:prstClr val="ltGray"/>
-                          </a:solidFill>
-                        </a:ln>
-                      </p166:spPr>
-                    </pslz:zmPr>
-                  </pslz:sldZmObj>
-                </pslz:sldZm>
-              </a:graphicData>
-            </a:graphic>
-          </p:graphicFrame>
-        </mc:Choice>
-        <mc:Fallback>
-          <p:pic>
-            <p:nvPicPr>
-              <p:cNvPr id="39" name="Zoom de Slide 38">
-                <a:hlinkClick r:id="rId5" action="ppaction://hlinksldjump"/>
-                <a:extLst>
-                  <a:ext uri="{FF2B5EF4-FFF2-40B4-BE49-F238E27FC236}">
-                    <a16:creationId xmlns:a16="http://schemas.microsoft.com/office/drawing/2014/main" id="{6B73EB61-00D2-62BC-7542-AA783813896E}"/>
-                  </a:ext>
-                </a:extLst>
-              </p:cNvPr>
-              <p:cNvPicPr>
-                <a:picLocks noGrp="1" noRot="1" noChangeAspect="1" noMove="1" noResize="1" noEditPoints="1" noAdjustHandles="1" noChangeArrowheads="1" noChangeShapeType="1"/>
-              </p:cNvPicPr>
-              <p:nvPr/>
-            </p:nvPicPr>
-            <p:blipFill>
-              <a:blip r:embed="rId4"/>
-              <a:stretch>
-                <a:fillRect/>
-              </a:stretch>
-            </p:blipFill>
-            <p:spPr>
-              <a:xfrm>
-                <a:off x="3077593" y="2936151"/>
-                <a:ext cx="1639348" cy="922133"/>
-              </a:xfrm>
-              <a:prstGeom prst="rect">
-                <a:avLst/>
-              </a:prstGeom>
-              <a:ln w="3175">
-                <a:solidFill>
-                  <a:prstClr val="ltGray"/>
-                </a:solidFill>
-              </a:ln>
-            </p:spPr>
-          </p:pic>
-        </mc:Fallback>
-      </mc:AlternateContent>
-      <mc:AlternateContent xmlns:mc="http://schemas.openxmlformats.org/markup-compatibility/2006">
-        <mc:Choice xmlns:pslz="http://schemas.microsoft.com/office/powerpoint/2016/slidezoom" Requires="pslz">
-          <p:graphicFrame>
-            <p:nvGraphicFramePr>
-              <p:cNvPr id="41" name="Zoom de Slide 40">
-                <a:extLst>
-                  <a:ext uri="{FF2B5EF4-FFF2-40B4-BE49-F238E27FC236}">
-                    <a16:creationId xmlns:a16="http://schemas.microsoft.com/office/drawing/2014/main" id="{82756BEB-1826-D7A6-C963-8153C4769DED}"/>
-                  </a:ext>
-                </a:extLst>
-              </p:cNvPr>
-              <p:cNvGraphicFramePr>
-                <a:graphicFrameLocks noChangeAspect="1"/>
-              </p:cNvGraphicFramePr>
-              <p:nvPr>
-                <p:extLst>
-                  <p:ext uri="{D42A27DB-BD31-4B8C-83A1-F6EECF244321}">
-                    <p14:modId xmlns:p14="http://schemas.microsoft.com/office/powerpoint/2010/main" val="3909508623"/>
-                  </p:ext>
-                </p:extLst>
-              </p:nvPr>
-            </p:nvGraphicFramePr>
-            <p:xfrm>
-              <a:off x="5276326" y="2936151"/>
-              <a:ext cx="1639348" cy="922133"/>
-            </p:xfrm>
-            <a:graphic>
-              <a:graphicData uri="http://schemas.microsoft.com/office/powerpoint/2016/slidezoom">
-                <pslz:sldZm>
-                  <pslz:sldZmObj sldId="261" cId="3183252946">
-                    <pslz:zmPr id="{A8A44254-B7FE-43F9-B798-E853FC845F1D}" returnToParent="0" transitionDur="1000">
-                      <p166:blipFill xmlns:p166="http://schemas.microsoft.com/office/powerpoint/2016/6/main">
-                        <a:blip r:embed="rId6"/>
-                        <a:stretch>
-                          <a:fillRect/>
-                        </a:stretch>
-                      </p166:blipFill>
-                      <p166:spPr xmlns:p166="http://schemas.microsoft.com/office/powerpoint/2016/6/main">
-                        <a:xfrm>
-                          <a:off x="0" y="0"/>
-                          <a:ext cx="1639348" cy="922133"/>
-                        </a:xfrm>
-                        <a:prstGeom prst="rect">
-                          <a:avLst/>
-                        </a:prstGeom>
-                        <a:ln w="3175">
-                          <a:solidFill>
-                            <a:prstClr val="ltGray"/>
-                          </a:solidFill>
-                        </a:ln>
-                      </p166:spPr>
-                    </pslz:zmPr>
-                  </pslz:sldZmObj>
-                </pslz:sldZm>
-              </a:graphicData>
-            </a:graphic>
-          </p:graphicFrame>
-        </mc:Choice>
-        <mc:Fallback>
-          <p:pic>
-            <p:nvPicPr>
-              <p:cNvPr id="41" name="Zoom de Slide 40">
-                <a:hlinkClick r:id="rId7" action="ppaction://hlinksldjump"/>
-                <a:extLst>
-                  <a:ext uri="{FF2B5EF4-FFF2-40B4-BE49-F238E27FC236}">
-                    <a16:creationId xmlns:a16="http://schemas.microsoft.com/office/drawing/2014/main" id="{82756BEB-1826-D7A6-C963-8153C4769DED}"/>
-                  </a:ext>
-                </a:extLst>
-              </p:cNvPr>
-              <p:cNvPicPr>
-                <a:picLocks noGrp="1" noRot="1" noChangeAspect="1" noMove="1" noResize="1" noEditPoints="1" noAdjustHandles="1" noChangeArrowheads="1" noChangeShapeType="1"/>
-              </p:cNvPicPr>
-              <p:nvPr/>
-            </p:nvPicPr>
-            <p:blipFill>
-              <a:blip r:embed="rId6"/>
-              <a:stretch>
-                <a:fillRect/>
-              </a:stretch>
-            </p:blipFill>
-            <p:spPr>
-              <a:xfrm>
-                <a:off x="5276326" y="2936151"/>
-                <a:ext cx="1639348" cy="922133"/>
-              </a:xfrm>
-              <a:prstGeom prst="rect">
-                <a:avLst/>
-              </a:prstGeom>
-              <a:ln w="3175">
-                <a:solidFill>
-                  <a:prstClr val="ltGray"/>
-                </a:solidFill>
-              </a:ln>
-            </p:spPr>
-          </p:pic>
-        </mc:Fallback>
-      </mc:AlternateContent>
-      <mc:AlternateContent xmlns:mc="http://schemas.openxmlformats.org/markup-compatibility/2006">
-        <mc:Choice xmlns:pslz="http://schemas.microsoft.com/office/powerpoint/2016/slidezoom" Requires="pslz">
-          <p:graphicFrame>
-            <p:nvGraphicFramePr>
-              <p:cNvPr id="43" name="Zoom de Slide 42">
-                <a:extLst>
-                  <a:ext uri="{FF2B5EF4-FFF2-40B4-BE49-F238E27FC236}">
-                    <a16:creationId xmlns:a16="http://schemas.microsoft.com/office/drawing/2014/main" id="{64591411-FE46-4D29-B22A-6985DECCA770}"/>
-                  </a:ext>
-                </a:extLst>
-              </p:cNvPr>
-              <p:cNvGraphicFramePr>
-                <a:graphicFrameLocks noChangeAspect="1"/>
-              </p:cNvGraphicFramePr>
-              <p:nvPr>
-                <p:extLst>
-                  <p:ext uri="{D42A27DB-BD31-4B8C-83A1-F6EECF244321}">
-                    <p14:modId xmlns:p14="http://schemas.microsoft.com/office/powerpoint/2010/main" val="825191515"/>
-                  </p:ext>
-                </p:extLst>
-              </p:nvPr>
-            </p:nvGraphicFramePr>
-            <p:xfrm>
-              <a:off x="7532184" y="2978497"/>
-              <a:ext cx="1639348" cy="922133"/>
-            </p:xfrm>
-            <a:graphic>
-              <a:graphicData uri="http://schemas.microsoft.com/office/powerpoint/2016/slidezoom">
-                <pslz:sldZm>
-                  <pslz:sldZmObj sldId="262" cId="327670633">
-                    <pslz:zmPr id="{F6084EF9-4CF4-408A-8256-352F78D2DC52}" returnToParent="0" transitionDur="1000">
-                      <p166:blipFill xmlns:p166="http://schemas.microsoft.com/office/powerpoint/2016/6/main">
-                        <a:blip r:embed="rId8"/>
-                        <a:stretch>
-                          <a:fillRect/>
-                        </a:stretch>
-                      </p166:blipFill>
-                      <p166:spPr xmlns:p166="http://schemas.microsoft.com/office/powerpoint/2016/6/main">
-                        <a:xfrm>
-                          <a:off x="0" y="0"/>
-                          <a:ext cx="1639348" cy="922133"/>
-                        </a:xfrm>
-                        <a:prstGeom prst="rect">
-                          <a:avLst/>
-                        </a:prstGeom>
-                        <a:ln w="3175">
-                          <a:solidFill>
-                            <a:prstClr val="ltGray"/>
-                          </a:solidFill>
-                        </a:ln>
-                      </p166:spPr>
-                    </pslz:zmPr>
-                  </pslz:sldZmObj>
-                </pslz:sldZm>
-              </a:graphicData>
-            </a:graphic>
-          </p:graphicFrame>
-        </mc:Choice>
-        <mc:Fallback>
-          <p:pic>
-            <p:nvPicPr>
-              <p:cNvPr id="43" name="Zoom de Slide 42">
-                <a:hlinkClick r:id="rId9" action="ppaction://hlinksldjump"/>
-                <a:extLst>
-                  <a:ext uri="{FF2B5EF4-FFF2-40B4-BE49-F238E27FC236}">
-                    <a16:creationId xmlns:a16="http://schemas.microsoft.com/office/drawing/2014/main" id="{64591411-FE46-4D29-B22A-6985DECCA770}"/>
-                  </a:ext>
-                </a:extLst>
-              </p:cNvPr>
-              <p:cNvPicPr>
-                <a:picLocks noGrp="1" noRot="1" noChangeAspect="1" noMove="1" noResize="1" noEditPoints="1" noAdjustHandles="1" noChangeArrowheads="1" noChangeShapeType="1"/>
-              </p:cNvPicPr>
-              <p:nvPr/>
-            </p:nvPicPr>
-            <p:blipFill>
-              <a:blip r:embed="rId8"/>
-              <a:stretch>
-                <a:fillRect/>
-              </a:stretch>
-            </p:blipFill>
-            <p:spPr>
-              <a:xfrm>
-                <a:off x="7532184" y="2978497"/>
-                <a:ext cx="1639348" cy="922133"/>
-              </a:xfrm>
-              <a:prstGeom prst="rect">
-                <a:avLst/>
-              </a:prstGeom>
-              <a:ln w="3175">
-                <a:solidFill>
-                  <a:prstClr val="ltGray"/>
-                </a:solidFill>
-              </a:ln>
-            </p:spPr>
-          </p:pic>
-        </mc:Fallback>
-      </mc:AlternateContent>
-      <mc:AlternateContent xmlns:mc="http://schemas.openxmlformats.org/markup-compatibility/2006">
-        <mc:Choice xmlns:pslz="http://schemas.microsoft.com/office/powerpoint/2016/slidezoom" Requires="pslz">
-          <p:graphicFrame>
-            <p:nvGraphicFramePr>
-              <p:cNvPr id="45" name="Zoom de Slide 44">
-                <a:extLst>
-                  <a:ext uri="{FF2B5EF4-FFF2-40B4-BE49-F238E27FC236}">
-                    <a16:creationId xmlns:a16="http://schemas.microsoft.com/office/drawing/2014/main" id="{D68AAE82-4939-9B0D-896D-DA4D8130A8D0}"/>
-                  </a:ext>
-                </a:extLst>
-              </p:cNvPr>
-              <p:cNvGraphicFramePr>
-                <a:graphicFrameLocks noChangeAspect="1"/>
-              </p:cNvGraphicFramePr>
-              <p:nvPr>
-                <p:extLst>
-                  <p:ext uri="{D42A27DB-BD31-4B8C-83A1-F6EECF244321}">
-                    <p14:modId xmlns:p14="http://schemas.microsoft.com/office/powerpoint/2010/main" val="783593175"/>
-                  </p:ext>
-                </p:extLst>
-              </p:nvPr>
-            </p:nvGraphicFramePr>
-            <p:xfrm>
-              <a:off x="9694165" y="2978497"/>
-              <a:ext cx="1639348" cy="922133"/>
-            </p:xfrm>
-            <a:graphic>
-              <a:graphicData uri="http://schemas.microsoft.com/office/powerpoint/2016/slidezoom">
-                <pslz:sldZm>
-                  <pslz:sldZmObj sldId="263" cId="22241259">
-                    <pslz:zmPr id="{257429DB-113C-433B-9AAD-8B763079493D}" returnToParent="0" transitionDur="1000">
-                      <p166:blipFill xmlns:p166="http://schemas.microsoft.com/office/powerpoint/2016/6/main">
-                        <a:blip r:embed="rId10"/>
-                        <a:stretch>
-                          <a:fillRect/>
-                        </a:stretch>
-                      </p166:blipFill>
-                      <p166:spPr xmlns:p166="http://schemas.microsoft.com/office/powerpoint/2016/6/main">
-                        <a:xfrm>
-                          <a:off x="0" y="0"/>
-                          <a:ext cx="1639348" cy="922133"/>
-                        </a:xfrm>
-                        <a:prstGeom prst="rect">
-                          <a:avLst/>
-                        </a:prstGeom>
-                        <a:ln w="3175">
-                          <a:solidFill>
-                            <a:prstClr val="ltGray"/>
-                          </a:solidFill>
-                        </a:ln>
-                      </p166:spPr>
-                    </pslz:zmPr>
-                  </pslz:sldZmObj>
-                </pslz:sldZm>
-              </a:graphicData>
-            </a:graphic>
-          </p:graphicFrame>
-        </mc:Choice>
-        <mc:Fallback>
-          <p:pic>
-            <p:nvPicPr>
-              <p:cNvPr id="45" name="Zoom de Slide 44">
-                <a:hlinkClick r:id="rId11" action="ppaction://hlinksldjump"/>
-                <a:extLst>
-                  <a:ext uri="{FF2B5EF4-FFF2-40B4-BE49-F238E27FC236}">
-                    <a16:creationId xmlns:a16="http://schemas.microsoft.com/office/drawing/2014/main" id="{D68AAE82-4939-9B0D-896D-DA4D8130A8D0}"/>
-                  </a:ext>
-                </a:extLst>
-              </p:cNvPr>
-              <p:cNvPicPr>
-                <a:picLocks noGrp="1" noRot="1" noChangeAspect="1" noMove="1" noResize="1" noEditPoints="1" noAdjustHandles="1" noChangeArrowheads="1" noChangeShapeType="1"/>
-              </p:cNvPicPr>
-              <p:nvPr/>
-            </p:nvPicPr>
-            <p:blipFill>
-              <a:blip r:embed="rId10"/>
-              <a:stretch>
-                <a:fillRect/>
-              </a:stretch>
-            </p:blipFill>
-            <p:spPr>
-              <a:xfrm>
-                <a:off x="9694165" y="2978497"/>
-                <a:ext cx="1639348" cy="922133"/>
-              </a:xfrm>
-              <a:prstGeom prst="rect">
-                <a:avLst/>
-              </a:prstGeom>
-              <a:ln w="3175">
-                <a:solidFill>
-                  <a:prstClr val="ltGray"/>
-                </a:solidFill>
-              </a:ln>
-            </p:spPr>
-          </p:pic>
-        </mc:Fallback>
-      </mc:AlternateContent>
-      <p:pic>
-        <p:nvPicPr>
-          <p:cNvPr id="3" name="Picture 2" descr="Understanding Desired Business Outcomes and KPIs Is A Must - Middlesex ...">
+      <p:sp>
+        <p:nvSpPr>
+          <p:cNvPr id="2" name="Título 1">
             <a:extLst>
               <a:ext uri="{FF2B5EF4-FFF2-40B4-BE49-F238E27FC236}">
-                <a16:creationId xmlns:a16="http://schemas.microsoft.com/office/drawing/2014/main" id="{5B87A6E0-DFC2-8843-FB3C-4BBB88D49569}"/>
+                <a16:creationId xmlns:a16="http://schemas.microsoft.com/office/drawing/2014/main" id="{9607353C-C075-7C4B-E676-445D5D3CDB69}"/>
               </a:ext>
             </a:extLst>
           </p:cNvPr>
-          <p:cNvPicPr>
-            <a:picLocks noChangeAspect="1" noChangeArrowheads="1"/>
-          </p:cNvPicPr>
-          <p:nvPr/>
-        </p:nvPicPr>
-        <p:blipFill rotWithShape="1">
-          <a:blip r:embed="rId12">
-            <a:extLst>
-              <a:ext uri="{28A0092B-C50C-407E-A947-70E740481C1C}">
-                <a14:useLocalDpi xmlns:a14="http://schemas.microsoft.com/office/drawing/2010/main" val="0"/>
-              </a:ext>
-            </a:extLst>
-          </a:blip>
-          <a:srcRect b="50000"/>
-          <a:stretch/>
-        </p:blipFill>
-        <p:spPr bwMode="auto">
-          <a:xfrm>
-            <a:off x="-130629" y="-1268870"/>
-            <a:ext cx="12453258" cy="3735976"/>
-          </a:xfrm>
-          <a:prstGeom prst="rect">
-            <a:avLst/>
-          </a:prstGeom>
-          <a:noFill/>
-          <a:extLst>
-            <a:ext uri="{909E8E84-426E-40DD-AFC4-6F175D3DCCD1}">
-              <a14:hiddenFill xmlns:a14="http://schemas.microsoft.com/office/drawing/2010/main">
-                <a:solidFill>
-                  <a:srgbClr val="FFFFFF"/>
-                </a:solidFill>
-              </a14:hiddenFill>
-            </a:ext>
-          </a:extLst>
-        </p:spPr>
-      </p:pic>
-      <p:pic>
-        <p:nvPicPr>
-          <p:cNvPr id="4" name="Picture 2" descr="Understanding Desired Business Outcomes and KPIs Is A Must - Middlesex ...">
+          <p:cNvSpPr>
+            <a:spLocks noGrp="1"/>
+          </p:cNvSpPr>
+          <p:nvPr>
+            <p:ph type="title"/>
+          </p:nvPr>
+        </p:nvSpPr>
+        <p:spPr/>
+        <p:txBody>
+          <a:bodyPr/>
+          <a:lstStyle/>
+          <a:p>
+            <a:r>
+              <a:rPr lang="en-US" dirty="0"/>
+              <a:t>PERT (Program Evaluation and Review Technique):</a:t>
+            </a:r>
+            <a:endParaRPr lang="pt-BR" dirty="0"/>
+          </a:p>
+        </p:txBody>
+      </p:sp>
+      <p:sp>
+        <p:nvSpPr>
+          <p:cNvPr id="3" name="Espaço Reservado para Conteúdo 2">
             <a:extLst>
               <a:ext uri="{FF2B5EF4-FFF2-40B4-BE49-F238E27FC236}">
-                <a16:creationId xmlns:a16="http://schemas.microsoft.com/office/drawing/2014/main" id="{5312281E-5B73-04D3-A19F-18641290DC23}"/>
+                <a16:creationId xmlns:a16="http://schemas.microsoft.com/office/drawing/2014/main" id="{A09C5080-19D3-AFCA-7497-9F20105D27B2}"/>
               </a:ext>
             </a:extLst>
           </p:cNvPr>
-          <p:cNvPicPr>
-            <a:picLocks noChangeAspect="1" noChangeArrowheads="1"/>
-          </p:cNvPicPr>
-          <p:nvPr/>
-        </p:nvPicPr>
-        <p:blipFill rotWithShape="1">
-          <a:blip r:embed="rId12">
-            <a:extLst>
-              <a:ext uri="{28A0092B-C50C-407E-A947-70E740481C1C}">
-                <a14:useLocalDpi xmlns:a14="http://schemas.microsoft.com/office/drawing/2010/main" val="0"/>
-              </a:ext>
-            </a:extLst>
-          </a:blip>
-          <a:srcRect t="50000"/>
-          <a:stretch/>
-        </p:blipFill>
-        <p:spPr bwMode="auto">
-          <a:xfrm>
-            <a:off x="-130629" y="4401457"/>
-            <a:ext cx="12453258" cy="3735977"/>
-          </a:xfrm>
-          <a:prstGeom prst="rect">
-            <a:avLst/>
-          </a:prstGeom>
-          <a:noFill/>
-          <a:extLst>
-            <a:ext uri="{909E8E84-426E-40DD-AFC4-6F175D3DCCD1}">
-              <a14:hiddenFill xmlns:a14="http://schemas.microsoft.com/office/drawing/2010/main">
-                <a:solidFill>
-                  <a:srgbClr val="FFFFFF"/>
-                </a:solidFill>
-              </a14:hiddenFill>
-            </a:ext>
-          </a:extLst>
-        </p:spPr>
-      </p:pic>
+          <p:cNvSpPr>
+            <a:spLocks noGrp="1"/>
+          </p:cNvSpPr>
+          <p:nvPr>
+            <p:ph idx="1"/>
+          </p:nvPr>
+        </p:nvSpPr>
+        <p:spPr/>
+        <p:txBody>
+          <a:bodyPr>
+            <a:normAutofit fontScale="77500" lnSpcReduction="20000"/>
+          </a:bodyPr>
+          <a:lstStyle/>
+          <a:p>
+            <a:r>
+              <a:rPr lang="pt-BR" sz="2800" dirty="0"/>
+              <a:t>Caminho Crítico Probabilístico:</a:t>
+            </a:r>
+          </a:p>
+          <a:p>
+            <a:pPr lvl="1"/>
+            <a:r>
+              <a:rPr lang="pt-BR" sz="2600" dirty="0"/>
+              <a:t>Considera a variabilidade nas estimativas para calcular probabilidades associadas a diferentes caminhos.</a:t>
+            </a:r>
+          </a:p>
+          <a:p>
+            <a:pPr lvl="1"/>
+            <a:r>
+              <a:rPr lang="pt-BR" sz="2600" dirty="0"/>
+              <a:t>Ajuda a entender a probabilidade de completar o projeto em um determinado prazo.</a:t>
+            </a:r>
+          </a:p>
+          <a:p>
+            <a:r>
+              <a:rPr lang="pt-BR" sz="2800" dirty="0"/>
+              <a:t>Folga Probabilística:</a:t>
+            </a:r>
+          </a:p>
+          <a:p>
+            <a:pPr lvl="1"/>
+            <a:r>
+              <a:rPr lang="pt-BR" sz="2600" dirty="0"/>
+              <a:t>Permite calcular a folga probabilística, que leva em conta a incerteza nas estimativas.</a:t>
+            </a:r>
+          </a:p>
+          <a:p>
+            <a:pPr lvl="1"/>
+            <a:r>
+              <a:rPr lang="pt-BR" sz="2600" dirty="0"/>
+              <a:t>Fornece uma visão mais realista das margens de tempo no projeto.</a:t>
+            </a:r>
+            <a:endParaRPr lang="pt-BR" sz="2000" dirty="0"/>
+          </a:p>
+        </p:txBody>
+      </p:sp>
     </p:spTree>
     <p:extLst>
       <p:ext uri="{BB962C8B-B14F-4D97-AF65-F5344CB8AC3E}">
-        <p14:creationId xmlns:p14="http://schemas.microsoft.com/office/powerpoint/2010/main" val="1289353385"/>
+        <p14:creationId xmlns:p14="http://schemas.microsoft.com/office/powerpoint/2010/main" val="3857802912"/>
       </p:ext>
     </p:extLst>
   </p:cSld>
   <p:clrMapOvr>
     <a:masterClrMapping/>
   </p:clrMapOvr>
-  <mc:AlternateContent xmlns:mc="http://schemas.openxmlformats.org/markup-compatibility/2006" xmlns:p159="http://schemas.microsoft.com/office/powerpoint/2015/09/main">
-    <mc:Choice Requires="p159">
-      <p:transition xmlns:p14="http://schemas.microsoft.com/office/powerpoint/2010/main" spd="slow" p14:dur="2000">
-        <p159:morph option="byObject"/>
-      </p:transition>
-    </mc:Choice>
-    <mc:Fallback xmlns="">
-      <p:transition spd="slow">
-        <p:fade/>
-      </p:transition>
-    </mc:Fallback>
-  </mc:AlternateContent>
 </p:sld>
 </file>
 
 <file path=ppt/slides/slide6.xml><?xml version="1.0" encoding="utf-8"?>
 <p:sld xmlns:a="http://schemas.openxmlformats.org/drawingml/2006/main" xmlns:r="http://schemas.openxmlformats.org/officeDocument/2006/relationships" xmlns:p="http://schemas.openxmlformats.org/presentationml/2006/main">
   <p:cSld>
+    <p:bg>
+      <p:bgPr>
+        <a:solidFill>
+          <a:schemeClr val="bg1"/>
+        </a:solidFill>
+        <a:effectLst/>
+      </p:bgPr>
+    </p:bg>
     <p:spTree>
       <p:nvGrpSpPr>
         <p:cNvPr id="1" name=""/>
@@ -6989,68 +4635,98 @@
       </p:grpSpPr>
       <p:sp>
         <p:nvSpPr>
-          <p:cNvPr id="3" name="CaixaDeTexto 2">
+          <p:cNvPr id="14" name="Freeform: Shape 13">
             <a:extLst>
               <a:ext uri="{FF2B5EF4-FFF2-40B4-BE49-F238E27FC236}">
-                <a16:creationId xmlns:a16="http://schemas.microsoft.com/office/drawing/2014/main" id="{C1328C8D-C507-1A52-B82C-CD0438DFF5E9}"/>
+                <a16:creationId xmlns:a16="http://schemas.microsoft.com/office/drawing/2014/main" id="{AE192E3E-68A9-4F36-936C-1C8D0B9EF132}"/>
+              </a:ext>
+              <a:ext uri="{C183D7F6-B498-43B3-948B-1728B52AA6E4}">
+                <adec:decorative xmlns:adec="http://schemas.microsoft.com/office/drawing/2017/decorative" val="1"/>
               </a:ext>
             </a:extLst>
           </p:cNvPr>
-          <p:cNvSpPr txBox="1"/>
-          <p:nvPr/>
+          <p:cNvSpPr>
+            <a:spLocks noGrp="1" noRot="1" noChangeAspect="1" noMove="1" noResize="1" noEditPoints="1" noAdjustHandles="1" noChangeArrowheads="1" noChangeShapeType="1" noTextEdit="1"/>
+          </p:cNvSpPr>
+          <p:nvPr>
+            <p:extLst>
+              <p:ext uri="{386F3935-93C4-4BCD-93E2-E3B085C9AB24}">
+                <p16:designElem xmlns:p16="http://schemas.microsoft.com/office/powerpoint/2015/main" val="1"/>
+              </p:ext>
+            </p:extLst>
+          </p:nvPr>
         </p:nvSpPr>
         <p:spPr>
           <a:xfrm>
-            <a:off x="8271433" y="-1348627"/>
-            <a:ext cx="5473595" cy="9248686"/>
+            <a:off x="8803792" y="3455896"/>
+            <a:ext cx="3388208" cy="3406341"/>
           </a:xfrm>
-          <a:prstGeom prst="rect">
+          <a:custGeom>
             <a:avLst/>
-          </a:prstGeom>
-          <a:noFill/>
-        </p:spPr>
-        <p:txBody>
-          <a:bodyPr wrap="square" rtlCol="0">
-            <a:spAutoFit/>
-          </a:bodyPr>
-          <a:lstStyle/>
-          <a:p>
-            <a:r>
-              <a:rPr lang="pt-BR" sz="59500" dirty="0">
-                <a:solidFill>
-                  <a:srgbClr val="F5BB1B">
-                    <a:alpha val="30000"/>
-                  </a:srgbClr>
-                </a:solidFill>
-                <a:latin typeface="Algerian" panose="04020705040A02060702" pitchFamily="82" charset="0"/>
-              </a:rPr>
-              <a:t>S</a:t>
-            </a:r>
-          </a:p>
-        </p:txBody>
-      </p:sp>
-      <p:sp>
-        <p:nvSpPr>
-          <p:cNvPr id="2" name="Retângulo: Cantos Arredondados 1">
-            <a:extLst>
-              <a:ext uri="{FF2B5EF4-FFF2-40B4-BE49-F238E27FC236}">
-                <a16:creationId xmlns:a16="http://schemas.microsoft.com/office/drawing/2014/main" id="{E8D2D15F-FF3B-6647-918D-EC21CAB929AD}"/>
-              </a:ext>
-            </a:extLst>
-          </p:cNvPr>
-          <p:cNvSpPr/>
-          <p:nvPr/>
-        </p:nvSpPr>
-        <p:spPr>
-          <a:xfrm>
-            <a:off x="941034" y="630315"/>
-            <a:ext cx="4625266" cy="852256"/>
-          </a:xfrm>
-          <a:prstGeom prst="roundRect">
-            <a:avLst/>
-          </a:prstGeom>
+            <a:gdLst>
+              <a:gd name="connsiteX0" fmla="*/ 3388058 w 3388208"/>
+              <a:gd name="connsiteY0" fmla="*/ 0 h 3406341"/>
+              <a:gd name="connsiteX1" fmla="*/ 3388208 w 3388208"/>
+              <a:gd name="connsiteY1" fmla="*/ 0 h 3406341"/>
+              <a:gd name="connsiteX2" fmla="*/ 3388208 w 3388208"/>
+              <a:gd name="connsiteY2" fmla="*/ 3406341 h 3406341"/>
+              <a:gd name="connsiteX3" fmla="*/ 0 w 3388208"/>
+              <a:gd name="connsiteY3" fmla="*/ 3406341 h 3406341"/>
+              <a:gd name="connsiteX4" fmla="*/ 79006 w 3388208"/>
+              <a:gd name="connsiteY4" fmla="*/ 3404386 h 3406341"/>
+              <a:gd name="connsiteX5" fmla="*/ 3383947 w 3388208"/>
+              <a:gd name="connsiteY5" fmla="*/ 164274 h 3406341"/>
+            </a:gdLst>
+            <a:ahLst/>
+            <a:cxnLst>
+              <a:cxn ang="0">
+                <a:pos x="connsiteX0" y="connsiteY0"/>
+              </a:cxn>
+              <a:cxn ang="0">
+                <a:pos x="connsiteX1" y="connsiteY1"/>
+              </a:cxn>
+              <a:cxn ang="0">
+                <a:pos x="connsiteX2" y="connsiteY2"/>
+              </a:cxn>
+              <a:cxn ang="0">
+                <a:pos x="connsiteX3" y="connsiteY3"/>
+              </a:cxn>
+              <a:cxn ang="0">
+                <a:pos x="connsiteX4" y="connsiteY4"/>
+              </a:cxn>
+              <a:cxn ang="0">
+                <a:pos x="connsiteX5" y="connsiteY5"/>
+              </a:cxn>
+            </a:cxnLst>
+            <a:rect l="l" t="t" r="r" b="b"/>
+            <a:pathLst>
+              <a:path w="3388208" h="3406341">
+                <a:moveTo>
+                  <a:pt x="3388058" y="0"/>
+                </a:moveTo>
+                <a:lnTo>
+                  <a:pt x="3388208" y="0"/>
+                </a:lnTo>
+                <a:lnTo>
+                  <a:pt x="3388208" y="3406341"/>
+                </a:lnTo>
+                <a:lnTo>
+                  <a:pt x="0" y="3406341"/>
+                </a:lnTo>
+                <a:lnTo>
+                  <a:pt x="79006" y="3404386"/>
+                </a:lnTo>
+                <a:cubicBezTo>
+                  <a:pt x="1864742" y="3315784"/>
+                  <a:pt x="3296223" y="1912901"/>
+                  <a:pt x="3383947" y="164274"/>
+                </a:cubicBezTo>
+                <a:close/>
+              </a:path>
+            </a:pathLst>
+          </a:custGeom>
           <a:solidFill>
-            <a:srgbClr val="F5BB1B"/>
+            <a:schemeClr val="accent5"/>
           </a:solidFill>
           <a:ln>
             <a:noFill/>
@@ -7059,7 +4735,85 @@
         <p:style>
           <a:lnRef idx="2">
             <a:schemeClr val="accent1">
-              <a:shade val="15000"/>
+              <a:shade val="50000"/>
+            </a:schemeClr>
+          </a:lnRef>
+          <a:fillRef idx="1">
+            <a:schemeClr val="accent1"/>
+          </a:fillRef>
+          <a:effectRef idx="0">
+            <a:schemeClr val="accent1"/>
+          </a:effectRef>
+          <a:fontRef idx="minor">
+            <a:schemeClr val="lt1"/>
+          </a:fontRef>
+        </p:style>
+        <p:txBody>
+          <a:bodyPr wrap="square" rtlCol="0" anchor="ctr">
+            <a:noAutofit/>
+          </a:bodyPr>
+          <a:lstStyle/>
+          <a:p>
+            <a:pPr algn="ctr"/>
+            <a:endParaRPr lang="en-US"/>
+          </a:p>
+        </p:txBody>
+      </p:sp>
+      <p:sp useBgFill="1">
+        <p:nvSpPr>
+          <p:cNvPr id="16" name="Rectangle 15">
+            <a:extLst>
+              <a:ext uri="{FF2B5EF4-FFF2-40B4-BE49-F238E27FC236}">
+                <a16:creationId xmlns:a16="http://schemas.microsoft.com/office/drawing/2014/main" id="{845648E2-B946-43A1-80DE-C50CBBDF92FA}"/>
+              </a:ext>
+              <a:ext uri="{C183D7F6-B498-43B3-948B-1728B52AA6E4}">
+                <adec:decorative xmlns:adec="http://schemas.microsoft.com/office/drawing/2017/decorative" val="1"/>
+              </a:ext>
+            </a:extLst>
+          </p:cNvPr>
+          <p:cNvSpPr>
+            <a:spLocks noGrp="1" noRot="1" noChangeAspect="1" noMove="1" noResize="1" noEditPoints="1" noAdjustHandles="1" noChangeArrowheads="1" noChangeShapeType="1" noTextEdit="1"/>
+          </p:cNvSpPr>
+          <p:nvPr>
+            <p:extLst>
+              <p:ext uri="{386F3935-93C4-4BCD-93E2-E3B085C9AB24}">
+                <p16:designElem xmlns:p16="http://schemas.microsoft.com/office/powerpoint/2015/main" val="1"/>
+              </p:ext>
+            </p:extLst>
+          </p:nvPr>
+        </p:nvSpPr>
+        <p:spPr>
+          <a:xfrm>
+            <a:off x="0" y="0"/>
+            <a:ext cx="12192000" cy="6858000"/>
+          </a:xfrm>
+          <a:prstGeom prst="rect">
+            <a:avLst/>
+          </a:prstGeom>
+          <a:ln w="12700" cap="flat" cmpd="sng" algn="ctr">
+            <a:noFill/>
+            <a:prstDash val="solid"/>
+            <a:miter lim="800000"/>
+          </a:ln>
+          <a:effectLst/>
+          <a:extLst>
+            <a:ext uri="{91240B29-F687-4F45-9708-019B960494DF}">
+              <a14:hiddenLine xmlns:a14="http://schemas.microsoft.com/office/drawing/2010/main" w="12700" cap="flat" cmpd="sng" algn="ctr">
+                <a:solidFill>
+                  <a:schemeClr val="accent1">
+                    <a:shade val="50000"/>
+                  </a:schemeClr>
+                </a:solidFill>
+                <a:prstDash val="solid"/>
+                <a:miter lim="800000"/>
+              </a14:hiddenLine>
+            </a:ext>
+          </a:extLst>
+        </p:spPr>
+        <p:style>
+          <a:lnRef idx="2">
+            <a:schemeClr val="accent1">
+              <a:shade val="50000"/>
             </a:schemeClr>
           </a:lnRef>
           <a:fillRef idx="1">
@@ -7077,107 +4831,1748 @@
           <a:lstStyle/>
           <a:p>
             <a:pPr algn="ctr"/>
-            <a:r>
-              <a:rPr lang="pt-BR" sz="3600" b="1" i="0" dirty="0">
-                <a:effectLst/>
-                <a:latin typeface="Söhne"/>
-              </a:rPr>
-              <a:t>Especificidade (S)</a:t>
-            </a:r>
+            <a:endParaRPr lang="en-US"/>
           </a:p>
         </p:txBody>
       </p:sp>
       <p:sp>
         <p:nvSpPr>
-          <p:cNvPr id="6" name="CaixaDeTexto 5">
+          <p:cNvPr id="18" name="Freeform: Shape 17">
             <a:extLst>
               <a:ext uri="{FF2B5EF4-FFF2-40B4-BE49-F238E27FC236}">
-                <a16:creationId xmlns:a16="http://schemas.microsoft.com/office/drawing/2014/main" id="{CB1EDFA3-A0AA-3539-A6E7-C3BF38E6D408}"/>
+                <a16:creationId xmlns:a16="http://schemas.microsoft.com/office/drawing/2014/main" id="{EA06546B-3E90-4E24-BD32-C6BFD1CD8D20}"/>
+              </a:ext>
+              <a:ext uri="{C183D7F6-B498-43B3-948B-1728B52AA6E4}">
+                <adec:decorative xmlns:adec="http://schemas.microsoft.com/office/drawing/2017/decorative" val="1"/>
               </a:ext>
             </a:extLst>
           </p:cNvPr>
-          <p:cNvSpPr txBox="1"/>
-          <p:nvPr/>
+          <p:cNvSpPr>
+            <a:spLocks noGrp="1" noRot="1" noChangeAspect="1" noMove="1" noResize="1" noEditPoints="1" noAdjustHandles="1" noChangeArrowheads="1" noChangeShapeType="1" noTextEdit="1"/>
+          </p:cNvSpPr>
+          <p:nvPr>
+            <p:extLst>
+              <p:ext uri="{386F3935-93C4-4BCD-93E2-E3B085C9AB24}">
+                <p16:designElem xmlns:p16="http://schemas.microsoft.com/office/powerpoint/2015/main" val="1"/>
+              </p:ext>
+            </p:extLst>
+          </p:nvPr>
+        </p:nvSpPr>
+        <p:spPr>
+          <a:xfrm rot="16200000">
+            <a:off x="8794726" y="-9066"/>
+            <a:ext cx="3388208" cy="3406341"/>
+          </a:xfrm>
+          <a:custGeom>
+            <a:avLst/>
+            <a:gdLst>
+              <a:gd name="connsiteX0" fmla="*/ 3388058 w 3388208"/>
+              <a:gd name="connsiteY0" fmla="*/ 0 h 3406341"/>
+              <a:gd name="connsiteX1" fmla="*/ 3388208 w 3388208"/>
+              <a:gd name="connsiteY1" fmla="*/ 0 h 3406341"/>
+              <a:gd name="connsiteX2" fmla="*/ 3388208 w 3388208"/>
+              <a:gd name="connsiteY2" fmla="*/ 3406341 h 3406341"/>
+              <a:gd name="connsiteX3" fmla="*/ 0 w 3388208"/>
+              <a:gd name="connsiteY3" fmla="*/ 3406341 h 3406341"/>
+              <a:gd name="connsiteX4" fmla="*/ 79006 w 3388208"/>
+              <a:gd name="connsiteY4" fmla="*/ 3404386 h 3406341"/>
+              <a:gd name="connsiteX5" fmla="*/ 3383947 w 3388208"/>
+              <a:gd name="connsiteY5" fmla="*/ 164274 h 3406341"/>
+            </a:gdLst>
+            <a:ahLst/>
+            <a:cxnLst>
+              <a:cxn ang="0">
+                <a:pos x="connsiteX0" y="connsiteY0"/>
+              </a:cxn>
+              <a:cxn ang="0">
+                <a:pos x="connsiteX1" y="connsiteY1"/>
+              </a:cxn>
+              <a:cxn ang="0">
+                <a:pos x="connsiteX2" y="connsiteY2"/>
+              </a:cxn>
+              <a:cxn ang="0">
+                <a:pos x="connsiteX3" y="connsiteY3"/>
+              </a:cxn>
+              <a:cxn ang="0">
+                <a:pos x="connsiteX4" y="connsiteY4"/>
+              </a:cxn>
+              <a:cxn ang="0">
+                <a:pos x="connsiteX5" y="connsiteY5"/>
+              </a:cxn>
+            </a:cxnLst>
+            <a:rect l="l" t="t" r="r" b="b"/>
+            <a:pathLst>
+              <a:path w="3388208" h="3406341">
+                <a:moveTo>
+                  <a:pt x="3388058" y="0"/>
+                </a:moveTo>
+                <a:lnTo>
+                  <a:pt x="3388208" y="0"/>
+                </a:lnTo>
+                <a:lnTo>
+                  <a:pt x="3388208" y="3406341"/>
+                </a:lnTo>
+                <a:lnTo>
+                  <a:pt x="0" y="3406341"/>
+                </a:lnTo>
+                <a:lnTo>
+                  <a:pt x="79006" y="3404386"/>
+                </a:lnTo>
+                <a:cubicBezTo>
+                  <a:pt x="1864742" y="3315784"/>
+                  <a:pt x="3296223" y="1912901"/>
+                  <a:pt x="3383947" y="164274"/>
+                </a:cubicBezTo>
+                <a:close/>
+              </a:path>
+            </a:pathLst>
+          </a:custGeom>
+          <a:solidFill>
+            <a:schemeClr val="accent5"/>
+          </a:solidFill>
+          <a:ln>
+            <a:noFill/>
+          </a:ln>
+        </p:spPr>
+        <p:style>
+          <a:lnRef idx="2">
+            <a:schemeClr val="accent1">
+              <a:shade val="50000"/>
+            </a:schemeClr>
+          </a:lnRef>
+          <a:fillRef idx="1">
+            <a:schemeClr val="accent1"/>
+          </a:fillRef>
+          <a:effectRef idx="0">
+            <a:schemeClr val="accent1"/>
+          </a:effectRef>
+          <a:fontRef idx="minor">
+            <a:schemeClr val="lt1"/>
+          </a:fontRef>
+        </p:style>
+        <p:txBody>
+          <a:bodyPr wrap="square" rtlCol="0" anchor="ctr">
+            <a:noAutofit/>
+          </a:bodyPr>
+          <a:lstStyle/>
+          <a:p>
+            <a:pPr algn="ctr"/>
+            <a:endParaRPr lang="en-US"/>
+          </a:p>
+        </p:txBody>
+      </p:sp>
+      <p:sp>
+        <p:nvSpPr>
+          <p:cNvPr id="20" name="Freeform: Shape 19">
+            <a:extLst>
+              <a:ext uri="{FF2B5EF4-FFF2-40B4-BE49-F238E27FC236}">
+                <a16:creationId xmlns:a16="http://schemas.microsoft.com/office/drawing/2014/main" id="{3FA95682-BEE6-4B33-BA34-7E7BE49782DA}"/>
+              </a:ext>
+              <a:ext uri="{C183D7F6-B498-43B3-948B-1728B52AA6E4}">
+                <adec:decorative xmlns:adec="http://schemas.microsoft.com/office/drawing/2017/decorative" val="1"/>
+              </a:ext>
+            </a:extLst>
+          </p:cNvPr>
+          <p:cNvSpPr>
+            <a:spLocks noGrp="1" noRot="1" noChangeAspect="1" noMove="1" noResize="1" noEditPoints="1" noAdjustHandles="1" noChangeArrowheads="1" noChangeShapeType="1" noTextEdit="1"/>
+          </p:cNvSpPr>
+          <p:nvPr>
+            <p:extLst>
+              <p:ext uri="{386F3935-93C4-4BCD-93E2-E3B085C9AB24}">
+                <p16:designElem xmlns:p16="http://schemas.microsoft.com/office/powerpoint/2015/main" val="1"/>
+              </p:ext>
+            </p:extLst>
+          </p:nvPr>
         </p:nvSpPr>
         <p:spPr>
           <a:xfrm>
-            <a:off x="941035" y="1857828"/>
-            <a:ext cx="11033252" cy="3970318"/>
+            <a:off x="8803793" y="3455896"/>
+            <a:ext cx="3388208" cy="3406341"/>
           </a:xfrm>
-          <a:prstGeom prst="rect">
+          <a:custGeom>
             <a:avLst/>
-          </a:prstGeom>
-          <a:noFill/>
+            <a:gdLst>
+              <a:gd name="connsiteX0" fmla="*/ 3388058 w 3388208"/>
+              <a:gd name="connsiteY0" fmla="*/ 0 h 3406341"/>
+              <a:gd name="connsiteX1" fmla="*/ 3388208 w 3388208"/>
+              <a:gd name="connsiteY1" fmla="*/ 0 h 3406341"/>
+              <a:gd name="connsiteX2" fmla="*/ 3388208 w 3388208"/>
+              <a:gd name="connsiteY2" fmla="*/ 3406341 h 3406341"/>
+              <a:gd name="connsiteX3" fmla="*/ 0 w 3388208"/>
+              <a:gd name="connsiteY3" fmla="*/ 3406341 h 3406341"/>
+              <a:gd name="connsiteX4" fmla="*/ 79006 w 3388208"/>
+              <a:gd name="connsiteY4" fmla="*/ 3404386 h 3406341"/>
+              <a:gd name="connsiteX5" fmla="*/ 3383947 w 3388208"/>
+              <a:gd name="connsiteY5" fmla="*/ 164274 h 3406341"/>
+            </a:gdLst>
+            <a:ahLst/>
+            <a:cxnLst>
+              <a:cxn ang="0">
+                <a:pos x="connsiteX0" y="connsiteY0"/>
+              </a:cxn>
+              <a:cxn ang="0">
+                <a:pos x="connsiteX1" y="connsiteY1"/>
+              </a:cxn>
+              <a:cxn ang="0">
+                <a:pos x="connsiteX2" y="connsiteY2"/>
+              </a:cxn>
+              <a:cxn ang="0">
+                <a:pos x="connsiteX3" y="connsiteY3"/>
+              </a:cxn>
+              <a:cxn ang="0">
+                <a:pos x="connsiteX4" y="connsiteY4"/>
+              </a:cxn>
+              <a:cxn ang="0">
+                <a:pos x="connsiteX5" y="connsiteY5"/>
+              </a:cxn>
+            </a:cxnLst>
+            <a:rect l="l" t="t" r="r" b="b"/>
+            <a:pathLst>
+              <a:path w="3388208" h="3406341">
+                <a:moveTo>
+                  <a:pt x="3388058" y="0"/>
+                </a:moveTo>
+                <a:lnTo>
+                  <a:pt x="3388208" y="0"/>
+                </a:lnTo>
+                <a:lnTo>
+                  <a:pt x="3388208" y="3406341"/>
+                </a:lnTo>
+                <a:lnTo>
+                  <a:pt x="0" y="3406341"/>
+                </a:lnTo>
+                <a:lnTo>
+                  <a:pt x="79006" y="3404386"/>
+                </a:lnTo>
+                <a:cubicBezTo>
+                  <a:pt x="1864742" y="3315784"/>
+                  <a:pt x="3296223" y="1912901"/>
+                  <a:pt x="3383947" y="164274"/>
+                </a:cubicBezTo>
+                <a:close/>
+              </a:path>
+            </a:pathLst>
+          </a:custGeom>
+          <a:solidFill>
+            <a:schemeClr val="tx2"/>
+          </a:solidFill>
+          <a:ln>
+            <a:noFill/>
+          </a:ln>
         </p:spPr>
+        <p:style>
+          <a:lnRef idx="2">
+            <a:schemeClr val="accent1">
+              <a:shade val="50000"/>
+            </a:schemeClr>
+          </a:lnRef>
+          <a:fillRef idx="1">
+            <a:schemeClr val="accent1"/>
+          </a:fillRef>
+          <a:effectRef idx="0">
+            <a:schemeClr val="accent1"/>
+          </a:effectRef>
+          <a:fontRef idx="minor">
+            <a:schemeClr val="lt1"/>
+          </a:fontRef>
+        </p:style>
         <p:txBody>
-          <a:bodyPr wrap="square" rtlCol="0">
-            <a:spAutoFit/>
+          <a:bodyPr wrap="square" rtlCol="0" anchor="ctr">
+            <a:noAutofit/>
           </a:bodyPr>
           <a:lstStyle/>
           <a:p>
-            <a:r>
-              <a:rPr lang="pt-BR" sz="2800" dirty="0"/>
-              <a:t>Objetivos específicos são claros, concisos e definidos o suficiente para serem compreendidos por todas as partes envolvidas.</a:t>
-            </a:r>
-          </a:p>
-          <a:p>
-            <a:endParaRPr lang="pt-BR" sz="2800" dirty="0"/>
-          </a:p>
-          <a:p>
-            <a:r>
-              <a:rPr lang="pt-BR" sz="2800" dirty="0"/>
-              <a:t>Especificar um objetivo envolve responder a perguntas-chave: </a:t>
-            </a:r>
-          </a:p>
-          <a:p>
-            <a:endParaRPr lang="pt-BR" sz="2800" dirty="0"/>
-          </a:p>
-          <a:p>
-            <a:pPr marL="457200" indent="-457200">
-              <a:buFont typeface="Arial" panose="020B0604020202020204" pitchFamily="34" charset="0"/>
-              <a:buChar char="•"/>
-            </a:pPr>
-            <a:r>
-              <a:rPr lang="pt-BR" sz="2800" dirty="0"/>
-              <a:t>Quem está envolvido? </a:t>
-            </a:r>
-          </a:p>
-          <a:p>
-            <a:pPr marL="457200" indent="-457200">
-              <a:buFont typeface="Arial" panose="020B0604020202020204" pitchFamily="34" charset="0"/>
-              <a:buChar char="•"/>
-            </a:pPr>
-            <a:r>
-              <a:rPr lang="pt-BR" sz="2800" dirty="0"/>
-              <a:t>O que precisa ser alcançado? </a:t>
-            </a:r>
-          </a:p>
-          <a:p>
-            <a:pPr marL="457200" indent="-457200">
-              <a:buFont typeface="Arial" panose="020B0604020202020204" pitchFamily="34" charset="0"/>
-              <a:buChar char="•"/>
-            </a:pPr>
-            <a:r>
-              <a:rPr lang="pt-BR" sz="2800" dirty="0"/>
-              <a:t>Onde ocorrerá? </a:t>
-            </a:r>
-          </a:p>
-          <a:p>
-            <a:pPr marL="457200" indent="-457200">
-              <a:buFont typeface="Arial" panose="020B0604020202020204" pitchFamily="34" charset="0"/>
-              <a:buChar char="•"/>
-            </a:pPr>
-            <a:r>
-              <a:rPr lang="pt-BR" sz="2800" dirty="0"/>
-              <a:t>Qual é a importância do objetivo? </a:t>
-            </a:r>
+            <a:pPr algn="ctr"/>
+            <a:endParaRPr lang="en-US"/>
           </a:p>
         </p:txBody>
       </p:sp>
+      <p:graphicFrame>
+        <p:nvGraphicFramePr>
+          <p:cNvPr id="8" name="Tabela 7">
+            <a:extLst>
+              <a:ext uri="{FF2B5EF4-FFF2-40B4-BE49-F238E27FC236}">
+                <a16:creationId xmlns:a16="http://schemas.microsoft.com/office/drawing/2014/main" id="{860F5683-B141-F8F6-4302-9D1B645B8B11}"/>
+              </a:ext>
+            </a:extLst>
+          </p:cNvPr>
+          <p:cNvGraphicFramePr>
+            <a:graphicFrameLocks noGrp="1"/>
+          </p:cNvGraphicFramePr>
+          <p:nvPr>
+            <p:extLst>
+              <p:ext uri="{D42A27DB-BD31-4B8C-83A1-F6EECF244321}">
+                <p14:modId xmlns:p14="http://schemas.microsoft.com/office/powerpoint/2010/main" val="2809734127"/>
+              </p:ext>
+            </p:extLst>
+          </p:nvPr>
+        </p:nvGraphicFramePr>
+        <p:xfrm>
+          <a:off x="1929882" y="848908"/>
+          <a:ext cx="8065018" cy="5241767"/>
+        </p:xfrm>
+        <a:graphic>
+          <a:graphicData uri="http://schemas.openxmlformats.org/drawingml/2006/table">
+            <a:tbl>
+              <a:tblPr firstRow="1" bandRow="1">
+                <a:solidFill>
+                  <a:srgbClr val="404040"/>
+                </a:solidFill>
+              </a:tblPr>
+              <a:tblGrid>
+                <a:gridCol w="1317453">
+                  <a:extLst>
+                    <a:ext uri="{9D8B030D-6E8A-4147-A177-3AD203B41FA5}">
+                      <a16:colId xmlns:a16="http://schemas.microsoft.com/office/drawing/2014/main" val="3049331791"/>
+                    </a:ext>
+                  </a:extLst>
+                </a:gridCol>
+                <a:gridCol w="2538886">
+                  <a:extLst>
+                    <a:ext uri="{9D8B030D-6E8A-4147-A177-3AD203B41FA5}">
+                      <a16:colId xmlns:a16="http://schemas.microsoft.com/office/drawing/2014/main" val="1168397133"/>
+                    </a:ext>
+                  </a:extLst>
+                </a:gridCol>
+                <a:gridCol w="2011687">
+                  <a:extLst>
+                    <a:ext uri="{9D8B030D-6E8A-4147-A177-3AD203B41FA5}">
+                      <a16:colId xmlns:a16="http://schemas.microsoft.com/office/drawing/2014/main" val="1576341974"/>
+                    </a:ext>
+                  </a:extLst>
+                </a:gridCol>
+                <a:gridCol w="2196992">
+                  <a:extLst>
+                    <a:ext uri="{9D8B030D-6E8A-4147-A177-3AD203B41FA5}">
+                      <a16:colId xmlns:a16="http://schemas.microsoft.com/office/drawing/2014/main" val="3690079064"/>
+                    </a:ext>
+                  </a:extLst>
+                </a:gridCol>
+              </a:tblGrid>
+              <a:tr h="894280">
+                <a:tc>
+                  <a:txBody>
+                    <a:bodyPr/>
+                    <a:lstStyle/>
+                    <a:p>
+                      <a:pPr algn="ctr" fontAlgn="ctr"/>
+                      <a:r>
+                        <a:rPr lang="pt-BR" sz="1700" b="0" cap="none" spc="0">
+                          <a:solidFill>
+                            <a:schemeClr val="bg1"/>
+                          </a:solidFill>
+                          <a:effectLst/>
+                          <a:latin typeface="OpenSans"/>
+                        </a:rPr>
+                        <a:t>Tarefa</a:t>
+                      </a:r>
+                    </a:p>
+                  </a:txBody>
+                  <a:tcPr marL="86411" marR="86411" marT="98961" marB="43206" anchor="ctr">
+                    <a:lnL w="12700" cmpd="sng">
+                      <a:noFill/>
+                    </a:lnL>
+                    <a:lnR w="12700" cmpd="sng">
+                      <a:noFill/>
+                    </a:lnR>
+                    <a:lnT w="19050" cap="flat" cmpd="sng" algn="ctr">
+                      <a:noFill/>
+                      <a:prstDash val="solid"/>
+                    </a:lnT>
+                    <a:lnB w="38100" cmpd="sng">
+                      <a:noFill/>
+                    </a:lnB>
+                    <a:solidFill>
+                      <a:schemeClr val="accent2"/>
+                    </a:solidFill>
+                  </a:tcPr>
+                </a:tc>
+                <a:tc>
+                  <a:txBody>
+                    <a:bodyPr/>
+                    <a:lstStyle/>
+                    <a:p>
+                      <a:pPr algn="ctr" fontAlgn="ctr"/>
+                      <a:r>
+                        <a:rPr lang="pt-BR" sz="1700" b="0" cap="none" spc="0">
+                          <a:solidFill>
+                            <a:schemeClr val="bg1"/>
+                          </a:solidFill>
+                          <a:effectLst/>
+                          <a:latin typeface="OpenSans"/>
+                        </a:rPr>
+                        <a:t>Descrição</a:t>
+                      </a:r>
+                    </a:p>
+                  </a:txBody>
+                  <a:tcPr marL="86411" marR="86411" marT="98961" marB="43206" anchor="ctr">
+                    <a:lnL w="12700" cmpd="sng">
+                      <a:noFill/>
+                    </a:lnL>
+                    <a:lnR w="12700" cmpd="sng">
+                      <a:noFill/>
+                    </a:lnR>
+                    <a:lnT w="19050" cap="flat" cmpd="sng" algn="ctr">
+                      <a:noFill/>
+                      <a:prstDash val="solid"/>
+                    </a:lnT>
+                    <a:lnB w="38100" cmpd="sng">
+                      <a:noFill/>
+                    </a:lnB>
+                    <a:solidFill>
+                      <a:schemeClr val="accent2"/>
+                    </a:solidFill>
+                  </a:tcPr>
+                </a:tc>
+                <a:tc>
+                  <a:txBody>
+                    <a:bodyPr/>
+                    <a:lstStyle/>
+                    <a:p>
+                      <a:pPr algn="ctr" fontAlgn="ctr"/>
+                      <a:r>
+                        <a:rPr lang="pt-BR" sz="1700" b="0" cap="none" spc="0">
+                          <a:solidFill>
+                            <a:schemeClr val="bg1"/>
+                          </a:solidFill>
+                          <a:effectLst/>
+                          <a:latin typeface="OpenSans"/>
+                        </a:rPr>
+                        <a:t>Precedente</a:t>
+                      </a:r>
+                    </a:p>
+                  </a:txBody>
+                  <a:tcPr marL="86411" marR="86411" marT="98961" marB="43206" anchor="ctr">
+                    <a:lnL w="12700" cmpd="sng">
+                      <a:noFill/>
+                    </a:lnL>
+                    <a:lnR w="12700" cmpd="sng">
+                      <a:noFill/>
+                    </a:lnR>
+                    <a:lnT w="19050" cap="flat" cmpd="sng" algn="ctr">
+                      <a:noFill/>
+                      <a:prstDash val="solid"/>
+                    </a:lnT>
+                    <a:lnB w="38100" cmpd="sng">
+                      <a:noFill/>
+                    </a:lnB>
+                    <a:solidFill>
+                      <a:schemeClr val="accent2"/>
+                    </a:solidFill>
+                  </a:tcPr>
+                </a:tc>
+                <a:tc>
+                  <a:txBody>
+                    <a:bodyPr/>
+                    <a:lstStyle/>
+                    <a:p>
+                      <a:pPr algn="ctr" fontAlgn="ctr"/>
+                      <a:r>
+                        <a:rPr lang="pt-BR" sz="1700" b="0" cap="none" spc="0">
+                          <a:solidFill>
+                            <a:schemeClr val="bg1"/>
+                          </a:solidFill>
+                          <a:effectLst/>
+                          <a:latin typeface="OpenSans"/>
+                        </a:rPr>
+                        <a:t>Duração (em dias)</a:t>
+                      </a:r>
+                    </a:p>
+                  </a:txBody>
+                  <a:tcPr marL="86411" marR="86411" marT="98961" marB="43206" anchor="ctr">
+                    <a:lnL w="12700" cmpd="sng">
+                      <a:noFill/>
+                    </a:lnL>
+                    <a:lnR w="12700" cmpd="sng">
+                      <a:noFill/>
+                    </a:lnR>
+                    <a:lnT w="19050" cap="flat" cmpd="sng" algn="ctr">
+                      <a:noFill/>
+                      <a:prstDash val="solid"/>
+                    </a:lnT>
+                    <a:lnB w="38100" cmpd="sng">
+                      <a:noFill/>
+                    </a:lnB>
+                    <a:solidFill>
+                      <a:schemeClr val="accent2"/>
+                    </a:solidFill>
+                  </a:tcPr>
+                </a:tc>
+                <a:extLst>
+                  <a:ext uri="{0D108BD9-81ED-4DB2-BD59-A6C34878D82A}">
+                    <a16:rowId xmlns:a16="http://schemas.microsoft.com/office/drawing/2014/main" val="4102329197"/>
+                  </a:ext>
+                </a:extLst>
+              </a:tr>
+              <a:tr h="727978">
+                <a:tc>
+                  <a:txBody>
+                    <a:bodyPr/>
+                    <a:lstStyle/>
+                    <a:p>
+                      <a:pPr algn="ctr" fontAlgn="ctr"/>
+                      <a:r>
+                        <a:rPr lang="pt-BR" sz="1300" cap="none" spc="0">
+                          <a:solidFill>
+                            <a:schemeClr val="bg1"/>
+                          </a:solidFill>
+                          <a:effectLst/>
+                          <a:latin typeface="OpenSans"/>
+                        </a:rPr>
+                        <a:t>A</a:t>
+                      </a:r>
+                    </a:p>
+                  </a:txBody>
+                  <a:tcPr marL="86411" marR="86411" marT="98961" marB="43206" anchor="ctr">
+                    <a:lnL w="12700" cmpd="sng">
+                      <a:noFill/>
+                      <a:prstDash val="solid"/>
+                    </a:lnL>
+                    <a:lnR w="12700" cmpd="sng">
+                      <a:noFill/>
+                      <a:prstDash val="solid"/>
+                    </a:lnR>
+                    <a:lnT w="38100" cmpd="sng">
+                      <a:noFill/>
+                    </a:lnT>
+                    <a:lnB w="12700" cap="flat" cmpd="sng" algn="ctr">
+                      <a:solidFill>
+                        <a:schemeClr val="bg1">
+                          <a:lumMod val="75000"/>
+                        </a:schemeClr>
+                      </a:solidFill>
+                      <a:prstDash val="solid"/>
+                    </a:lnB>
+                    <a:solidFill>
+                      <a:srgbClr val="404040"/>
+                    </a:solidFill>
+                  </a:tcPr>
+                </a:tc>
+                <a:tc>
+                  <a:txBody>
+                    <a:bodyPr/>
+                    <a:lstStyle/>
+                    <a:p>
+                      <a:pPr algn="ctr" fontAlgn="ctr"/>
+                      <a:r>
+                        <a:rPr lang="pt-BR" sz="1300" cap="none" spc="0">
+                          <a:solidFill>
+                            <a:schemeClr val="bg1"/>
+                          </a:solidFill>
+                          <a:effectLst/>
+                          <a:latin typeface="OpenSans"/>
+                        </a:rPr>
+                        <a:t>Levantamento de requisitos</a:t>
+                      </a:r>
+                    </a:p>
+                  </a:txBody>
+                  <a:tcPr marL="86411" marR="86411" marT="98961" marB="43206" anchor="ctr">
+                    <a:lnL w="12700" cmpd="sng">
+                      <a:noFill/>
+                      <a:prstDash val="solid"/>
+                    </a:lnL>
+                    <a:lnR w="12700" cmpd="sng">
+                      <a:noFill/>
+                      <a:prstDash val="solid"/>
+                    </a:lnR>
+                    <a:lnT w="38100" cmpd="sng">
+                      <a:noFill/>
+                    </a:lnT>
+                    <a:lnB w="12700" cap="flat" cmpd="sng" algn="ctr">
+                      <a:solidFill>
+                        <a:schemeClr val="bg1">
+                          <a:lumMod val="75000"/>
+                        </a:schemeClr>
+                      </a:solidFill>
+                      <a:prstDash val="solid"/>
+                    </a:lnB>
+                    <a:solidFill>
+                      <a:srgbClr val="404040"/>
+                    </a:solidFill>
+                  </a:tcPr>
+                </a:tc>
+                <a:tc>
+                  <a:txBody>
+                    <a:bodyPr/>
+                    <a:lstStyle/>
+                    <a:p>
+                      <a:pPr algn="ctr" fontAlgn="ctr"/>
+                      <a:r>
+                        <a:rPr lang="pt-BR" sz="1300" cap="none" spc="0">
+                          <a:solidFill>
+                            <a:schemeClr val="bg1"/>
+                          </a:solidFill>
+                          <a:effectLst/>
+                          <a:latin typeface="OpenSans"/>
+                        </a:rPr>
+                        <a:t>-</a:t>
+                      </a:r>
+                    </a:p>
+                  </a:txBody>
+                  <a:tcPr marL="86411" marR="86411" marT="98961" marB="43206" anchor="ctr">
+                    <a:lnL w="12700" cmpd="sng">
+                      <a:noFill/>
+                      <a:prstDash val="solid"/>
+                    </a:lnL>
+                    <a:lnR w="12700" cmpd="sng">
+                      <a:noFill/>
+                      <a:prstDash val="solid"/>
+                    </a:lnR>
+                    <a:lnT w="38100" cmpd="sng">
+                      <a:noFill/>
+                    </a:lnT>
+                    <a:lnB w="12700" cap="flat" cmpd="sng" algn="ctr">
+                      <a:solidFill>
+                        <a:schemeClr val="bg1">
+                          <a:lumMod val="75000"/>
+                        </a:schemeClr>
+                      </a:solidFill>
+                      <a:prstDash val="solid"/>
+                    </a:lnB>
+                    <a:solidFill>
+                      <a:srgbClr val="404040"/>
+                    </a:solidFill>
+                  </a:tcPr>
+                </a:tc>
+                <a:tc>
+                  <a:txBody>
+                    <a:bodyPr/>
+                    <a:lstStyle/>
+                    <a:p>
+                      <a:pPr algn="ctr" fontAlgn="ctr"/>
+                      <a:r>
+                        <a:rPr lang="pt-BR" sz="1300" cap="none" spc="0">
+                          <a:solidFill>
+                            <a:schemeClr val="bg1"/>
+                          </a:solidFill>
+                          <a:effectLst/>
+                          <a:latin typeface="OpenSans"/>
+                        </a:rPr>
+                        <a:t>10</a:t>
+                      </a:r>
+                    </a:p>
+                  </a:txBody>
+                  <a:tcPr marL="86411" marR="86411" marT="98961" marB="43206" anchor="ctr">
+                    <a:lnL w="12700" cmpd="sng">
+                      <a:noFill/>
+                      <a:prstDash val="solid"/>
+                    </a:lnL>
+                    <a:lnR w="12700" cmpd="sng">
+                      <a:noFill/>
+                      <a:prstDash val="solid"/>
+                    </a:lnR>
+                    <a:lnT w="38100" cmpd="sng">
+                      <a:noFill/>
+                    </a:lnT>
+                    <a:lnB w="12700" cap="flat" cmpd="sng" algn="ctr">
+                      <a:solidFill>
+                        <a:schemeClr val="bg1">
+                          <a:lumMod val="75000"/>
+                        </a:schemeClr>
+                      </a:solidFill>
+                      <a:prstDash val="solid"/>
+                    </a:lnB>
+                    <a:solidFill>
+                      <a:srgbClr val="404040"/>
+                    </a:solidFill>
+                  </a:tcPr>
+                </a:tc>
+                <a:extLst>
+                  <a:ext uri="{0D108BD9-81ED-4DB2-BD59-A6C34878D82A}">
+                    <a16:rowId xmlns:a16="http://schemas.microsoft.com/office/drawing/2014/main" val="751248779"/>
+                  </a:ext>
+                </a:extLst>
+              </a:tr>
+              <a:tr h="478525">
+                <a:tc>
+                  <a:txBody>
+                    <a:bodyPr/>
+                    <a:lstStyle/>
+                    <a:p>
+                      <a:pPr algn="ctr" fontAlgn="ctr"/>
+                      <a:r>
+                        <a:rPr lang="pt-BR" sz="1300" cap="none" spc="0">
+                          <a:solidFill>
+                            <a:schemeClr val="bg1"/>
+                          </a:solidFill>
+                          <a:effectLst/>
+                          <a:latin typeface="OpenSans"/>
+                        </a:rPr>
+                        <a:t>B</a:t>
+                      </a:r>
+                    </a:p>
+                  </a:txBody>
+                  <a:tcPr marL="86411" marR="86411" marT="98961" marB="43206" anchor="ctr">
+                    <a:lnL w="12700" cmpd="sng">
+                      <a:noFill/>
+                      <a:prstDash val="solid"/>
+                    </a:lnL>
+                    <a:lnR w="12700" cmpd="sng">
+                      <a:noFill/>
+                      <a:prstDash val="solid"/>
+                    </a:lnR>
+                    <a:lnT w="12700" cap="flat" cmpd="sng" algn="ctr">
+                      <a:solidFill>
+                        <a:schemeClr val="bg1">
+                          <a:lumMod val="75000"/>
+                        </a:schemeClr>
+                      </a:solidFill>
+                      <a:prstDash val="solid"/>
+                    </a:lnT>
+                    <a:lnB w="12700" cmpd="sng">
+                      <a:noFill/>
+                      <a:prstDash val="solid"/>
+                    </a:lnB>
+                    <a:solidFill>
+                      <a:srgbClr val="262626"/>
+                    </a:solidFill>
+                  </a:tcPr>
+                </a:tc>
+                <a:tc>
+                  <a:txBody>
+                    <a:bodyPr/>
+                    <a:lstStyle/>
+                    <a:p>
+                      <a:pPr algn="ctr" fontAlgn="ctr"/>
+                      <a:r>
+                        <a:rPr lang="pt-BR" sz="1300" cap="none" spc="0">
+                          <a:solidFill>
+                            <a:schemeClr val="bg1"/>
+                          </a:solidFill>
+                          <a:effectLst/>
+                          <a:latin typeface="OpenSans"/>
+                        </a:rPr>
+                        <a:t>Projeto de arquitetura</a:t>
+                      </a:r>
+                    </a:p>
+                  </a:txBody>
+                  <a:tcPr marL="86411" marR="86411" marT="98961" marB="43206" anchor="ctr">
+                    <a:lnL w="12700" cmpd="sng">
+                      <a:noFill/>
+                      <a:prstDash val="solid"/>
+                    </a:lnL>
+                    <a:lnR w="12700" cmpd="sng">
+                      <a:noFill/>
+                      <a:prstDash val="solid"/>
+                    </a:lnR>
+                    <a:lnT w="12700" cap="flat" cmpd="sng" algn="ctr">
+                      <a:solidFill>
+                        <a:schemeClr val="bg1">
+                          <a:lumMod val="75000"/>
+                        </a:schemeClr>
+                      </a:solidFill>
+                      <a:prstDash val="solid"/>
+                    </a:lnT>
+                    <a:lnB w="12700" cmpd="sng">
+                      <a:noFill/>
+                      <a:prstDash val="solid"/>
+                    </a:lnB>
+                    <a:solidFill>
+                      <a:srgbClr val="262626"/>
+                    </a:solidFill>
+                  </a:tcPr>
+                </a:tc>
+                <a:tc>
+                  <a:txBody>
+                    <a:bodyPr/>
+                    <a:lstStyle/>
+                    <a:p>
+                      <a:pPr algn="ctr" fontAlgn="ctr"/>
+                      <a:r>
+                        <a:rPr lang="pt-BR" sz="1300" cap="none" spc="0">
+                          <a:solidFill>
+                            <a:schemeClr val="bg1"/>
+                          </a:solidFill>
+                          <a:effectLst/>
+                          <a:latin typeface="OpenSans"/>
+                        </a:rPr>
+                        <a:t>A</a:t>
+                      </a:r>
+                    </a:p>
+                  </a:txBody>
+                  <a:tcPr marL="86411" marR="86411" marT="98961" marB="43206" anchor="ctr">
+                    <a:lnL w="12700" cmpd="sng">
+                      <a:noFill/>
+                      <a:prstDash val="solid"/>
+                    </a:lnL>
+                    <a:lnR w="12700" cmpd="sng">
+                      <a:noFill/>
+                      <a:prstDash val="solid"/>
+                    </a:lnR>
+                    <a:lnT w="12700" cap="flat" cmpd="sng" algn="ctr">
+                      <a:solidFill>
+                        <a:schemeClr val="bg1">
+                          <a:lumMod val="75000"/>
+                        </a:schemeClr>
+                      </a:solidFill>
+                      <a:prstDash val="solid"/>
+                    </a:lnT>
+                    <a:lnB w="12700" cmpd="sng">
+                      <a:noFill/>
+                      <a:prstDash val="solid"/>
+                    </a:lnB>
+                    <a:solidFill>
+                      <a:srgbClr val="262626"/>
+                    </a:solidFill>
+                  </a:tcPr>
+                </a:tc>
+                <a:tc>
+                  <a:txBody>
+                    <a:bodyPr/>
+                    <a:lstStyle/>
+                    <a:p>
+                      <a:pPr algn="ctr" fontAlgn="ctr"/>
+                      <a:r>
+                        <a:rPr lang="pt-BR" sz="1300" cap="none" spc="0">
+                          <a:solidFill>
+                            <a:schemeClr val="bg1"/>
+                          </a:solidFill>
+                          <a:effectLst/>
+                          <a:latin typeface="OpenSans"/>
+                        </a:rPr>
+                        <a:t>15</a:t>
+                      </a:r>
+                    </a:p>
+                  </a:txBody>
+                  <a:tcPr marL="86411" marR="86411" marT="98961" marB="43206" anchor="ctr">
+                    <a:lnL w="12700" cmpd="sng">
+                      <a:noFill/>
+                      <a:prstDash val="solid"/>
+                    </a:lnL>
+                    <a:lnR w="12700" cmpd="sng">
+                      <a:noFill/>
+                      <a:prstDash val="solid"/>
+                    </a:lnR>
+                    <a:lnT w="12700" cap="flat" cmpd="sng" algn="ctr">
+                      <a:solidFill>
+                        <a:schemeClr val="bg1">
+                          <a:lumMod val="75000"/>
+                        </a:schemeClr>
+                      </a:solidFill>
+                      <a:prstDash val="solid"/>
+                    </a:lnT>
+                    <a:lnB w="12700" cmpd="sng">
+                      <a:noFill/>
+                      <a:prstDash val="solid"/>
+                    </a:lnB>
+                    <a:solidFill>
+                      <a:srgbClr val="262626"/>
+                    </a:solidFill>
+                  </a:tcPr>
+                </a:tc>
+                <a:extLst>
+                  <a:ext uri="{0D108BD9-81ED-4DB2-BD59-A6C34878D82A}">
+                    <a16:rowId xmlns:a16="http://schemas.microsoft.com/office/drawing/2014/main" val="3485942685"/>
+                  </a:ext>
+                </a:extLst>
+              </a:tr>
+              <a:tr h="727978">
+                <a:tc>
+                  <a:txBody>
+                    <a:bodyPr/>
+                    <a:lstStyle/>
+                    <a:p>
+                      <a:pPr algn="ctr" fontAlgn="ctr"/>
+                      <a:r>
+                        <a:rPr lang="pt-BR" sz="1300" cap="none" spc="0">
+                          <a:solidFill>
+                            <a:schemeClr val="bg1"/>
+                          </a:solidFill>
+                          <a:effectLst/>
+                          <a:latin typeface="OpenSans"/>
+                        </a:rPr>
+                        <a:t>C</a:t>
+                      </a:r>
+                    </a:p>
+                  </a:txBody>
+                  <a:tcPr marL="86411" marR="86411" marT="98961" marB="43206" anchor="ctr">
+                    <a:lnL w="12700" cmpd="sng">
+                      <a:noFill/>
+                      <a:prstDash val="solid"/>
+                    </a:lnL>
+                    <a:lnR w="12700" cmpd="sng">
+                      <a:noFill/>
+                      <a:prstDash val="solid"/>
+                    </a:lnR>
+                    <a:lnT w="12700" cmpd="sng">
+                      <a:noFill/>
+                      <a:prstDash val="solid"/>
+                    </a:lnT>
+                    <a:lnB w="12700" cap="flat" cmpd="sng" algn="ctr">
+                      <a:solidFill>
+                        <a:schemeClr val="bg1">
+                          <a:lumMod val="75000"/>
+                        </a:schemeClr>
+                      </a:solidFill>
+                      <a:prstDash val="solid"/>
+                    </a:lnB>
+                    <a:solidFill>
+                      <a:srgbClr val="404040"/>
+                    </a:solidFill>
+                  </a:tcPr>
+                </a:tc>
+                <a:tc>
+                  <a:txBody>
+                    <a:bodyPr/>
+                    <a:lstStyle/>
+                    <a:p>
+                      <a:pPr algn="ctr" fontAlgn="ctr"/>
+                      <a:r>
+                        <a:rPr lang="pt-BR" sz="1300" cap="none" spc="0">
+                          <a:solidFill>
+                            <a:schemeClr val="bg1"/>
+                          </a:solidFill>
+                          <a:effectLst/>
+                          <a:latin typeface="OpenSans"/>
+                        </a:rPr>
+                        <a:t>Implementação do software</a:t>
+                      </a:r>
+                    </a:p>
+                  </a:txBody>
+                  <a:tcPr marL="86411" marR="86411" marT="98961" marB="43206" anchor="ctr">
+                    <a:lnL w="12700" cmpd="sng">
+                      <a:noFill/>
+                      <a:prstDash val="solid"/>
+                    </a:lnL>
+                    <a:lnR w="12700" cmpd="sng">
+                      <a:noFill/>
+                      <a:prstDash val="solid"/>
+                    </a:lnR>
+                    <a:lnT w="12700" cmpd="sng">
+                      <a:noFill/>
+                      <a:prstDash val="solid"/>
+                    </a:lnT>
+                    <a:lnB w="12700" cap="flat" cmpd="sng" algn="ctr">
+                      <a:solidFill>
+                        <a:schemeClr val="bg1">
+                          <a:lumMod val="75000"/>
+                        </a:schemeClr>
+                      </a:solidFill>
+                      <a:prstDash val="solid"/>
+                    </a:lnB>
+                    <a:solidFill>
+                      <a:srgbClr val="404040"/>
+                    </a:solidFill>
+                  </a:tcPr>
+                </a:tc>
+                <a:tc>
+                  <a:txBody>
+                    <a:bodyPr/>
+                    <a:lstStyle/>
+                    <a:p>
+                      <a:pPr algn="ctr" fontAlgn="ctr"/>
+                      <a:r>
+                        <a:rPr lang="pt-BR" sz="1300" cap="none" spc="0">
+                          <a:solidFill>
+                            <a:schemeClr val="bg1"/>
+                          </a:solidFill>
+                          <a:effectLst/>
+                          <a:latin typeface="OpenSans"/>
+                        </a:rPr>
+                        <a:t>B</a:t>
+                      </a:r>
+                    </a:p>
+                  </a:txBody>
+                  <a:tcPr marL="86411" marR="86411" marT="98961" marB="43206" anchor="ctr">
+                    <a:lnL w="12700" cmpd="sng">
+                      <a:noFill/>
+                      <a:prstDash val="solid"/>
+                    </a:lnL>
+                    <a:lnR w="12700" cmpd="sng">
+                      <a:noFill/>
+                      <a:prstDash val="solid"/>
+                    </a:lnR>
+                    <a:lnT w="12700" cmpd="sng">
+                      <a:noFill/>
+                      <a:prstDash val="solid"/>
+                    </a:lnT>
+                    <a:lnB w="12700" cap="flat" cmpd="sng" algn="ctr">
+                      <a:solidFill>
+                        <a:schemeClr val="bg1">
+                          <a:lumMod val="75000"/>
+                        </a:schemeClr>
+                      </a:solidFill>
+                      <a:prstDash val="solid"/>
+                    </a:lnB>
+                    <a:solidFill>
+                      <a:srgbClr val="404040"/>
+                    </a:solidFill>
+                  </a:tcPr>
+                </a:tc>
+                <a:tc>
+                  <a:txBody>
+                    <a:bodyPr/>
+                    <a:lstStyle/>
+                    <a:p>
+                      <a:pPr algn="ctr" fontAlgn="ctr"/>
+                      <a:r>
+                        <a:rPr lang="pt-BR" sz="1300" cap="none" spc="0">
+                          <a:solidFill>
+                            <a:schemeClr val="bg1"/>
+                          </a:solidFill>
+                          <a:effectLst/>
+                          <a:latin typeface="OpenSans"/>
+                        </a:rPr>
+                        <a:t>20</a:t>
+                      </a:r>
+                    </a:p>
+                  </a:txBody>
+                  <a:tcPr marL="86411" marR="86411" marT="98961" marB="43206" anchor="ctr">
+                    <a:lnL w="12700" cmpd="sng">
+                      <a:noFill/>
+                      <a:prstDash val="solid"/>
+                    </a:lnL>
+                    <a:lnR w="12700" cmpd="sng">
+                      <a:noFill/>
+                      <a:prstDash val="solid"/>
+                    </a:lnR>
+                    <a:lnT w="12700" cmpd="sng">
+                      <a:noFill/>
+                      <a:prstDash val="solid"/>
+                    </a:lnT>
+                    <a:lnB w="12700" cap="flat" cmpd="sng" algn="ctr">
+                      <a:solidFill>
+                        <a:schemeClr val="bg1">
+                          <a:lumMod val="75000"/>
+                        </a:schemeClr>
+                      </a:solidFill>
+                      <a:prstDash val="solid"/>
+                    </a:lnB>
+                    <a:solidFill>
+                      <a:srgbClr val="404040"/>
+                    </a:solidFill>
+                  </a:tcPr>
+                </a:tc>
+                <a:extLst>
+                  <a:ext uri="{0D108BD9-81ED-4DB2-BD59-A6C34878D82A}">
+                    <a16:rowId xmlns:a16="http://schemas.microsoft.com/office/drawing/2014/main" val="1205580469"/>
+                  </a:ext>
+                </a:extLst>
+              </a:tr>
+              <a:tr h="478525">
+                <a:tc>
+                  <a:txBody>
+                    <a:bodyPr/>
+                    <a:lstStyle/>
+                    <a:p>
+                      <a:pPr algn="ctr" fontAlgn="ctr"/>
+                      <a:r>
+                        <a:rPr lang="pt-BR" sz="1300" cap="none" spc="0">
+                          <a:solidFill>
+                            <a:schemeClr val="bg1"/>
+                          </a:solidFill>
+                          <a:effectLst/>
+                          <a:latin typeface="OpenSans"/>
+                        </a:rPr>
+                        <a:t>D</a:t>
+                      </a:r>
+                    </a:p>
+                  </a:txBody>
+                  <a:tcPr marL="86411" marR="86411" marT="98961" marB="43206" anchor="ctr">
+                    <a:lnL w="12700" cmpd="sng">
+                      <a:noFill/>
+                      <a:prstDash val="solid"/>
+                    </a:lnL>
+                    <a:lnR w="12700" cmpd="sng">
+                      <a:noFill/>
+                      <a:prstDash val="solid"/>
+                    </a:lnR>
+                    <a:lnT w="12700" cap="flat" cmpd="sng" algn="ctr">
+                      <a:solidFill>
+                        <a:schemeClr val="bg1">
+                          <a:lumMod val="75000"/>
+                        </a:schemeClr>
+                      </a:solidFill>
+                      <a:prstDash val="solid"/>
+                    </a:lnT>
+                    <a:lnB w="12700" cmpd="sng">
+                      <a:noFill/>
+                      <a:prstDash val="solid"/>
+                    </a:lnB>
+                    <a:solidFill>
+                      <a:srgbClr val="262626"/>
+                    </a:solidFill>
+                  </a:tcPr>
+                </a:tc>
+                <a:tc>
+                  <a:txBody>
+                    <a:bodyPr/>
+                    <a:lstStyle/>
+                    <a:p>
+                      <a:pPr algn="ctr" fontAlgn="ctr"/>
+                      <a:r>
+                        <a:rPr lang="pt-BR" sz="1300" cap="none" spc="0">
+                          <a:solidFill>
+                            <a:schemeClr val="bg1"/>
+                          </a:solidFill>
+                          <a:effectLst/>
+                          <a:latin typeface="OpenSans"/>
+                        </a:rPr>
+                        <a:t>Testes unitários</a:t>
+                      </a:r>
+                    </a:p>
+                  </a:txBody>
+                  <a:tcPr marL="86411" marR="86411" marT="98961" marB="43206" anchor="ctr">
+                    <a:lnL w="12700" cmpd="sng">
+                      <a:noFill/>
+                      <a:prstDash val="solid"/>
+                    </a:lnL>
+                    <a:lnR w="12700" cmpd="sng">
+                      <a:noFill/>
+                      <a:prstDash val="solid"/>
+                    </a:lnR>
+                    <a:lnT w="12700" cap="flat" cmpd="sng" algn="ctr">
+                      <a:solidFill>
+                        <a:schemeClr val="bg1">
+                          <a:lumMod val="75000"/>
+                        </a:schemeClr>
+                      </a:solidFill>
+                      <a:prstDash val="solid"/>
+                    </a:lnT>
+                    <a:lnB w="12700" cmpd="sng">
+                      <a:noFill/>
+                      <a:prstDash val="solid"/>
+                    </a:lnB>
+                    <a:solidFill>
+                      <a:srgbClr val="262626"/>
+                    </a:solidFill>
+                  </a:tcPr>
+                </a:tc>
+                <a:tc>
+                  <a:txBody>
+                    <a:bodyPr/>
+                    <a:lstStyle/>
+                    <a:p>
+                      <a:pPr algn="ctr" fontAlgn="ctr"/>
+                      <a:r>
+                        <a:rPr lang="pt-BR" sz="1300" cap="none" spc="0">
+                          <a:solidFill>
+                            <a:schemeClr val="bg1"/>
+                          </a:solidFill>
+                          <a:effectLst/>
+                          <a:latin typeface="OpenSans"/>
+                        </a:rPr>
+                        <a:t>C</a:t>
+                      </a:r>
+                    </a:p>
+                  </a:txBody>
+                  <a:tcPr marL="86411" marR="86411" marT="98961" marB="43206" anchor="ctr">
+                    <a:lnL w="12700" cmpd="sng">
+                      <a:noFill/>
+                      <a:prstDash val="solid"/>
+                    </a:lnL>
+                    <a:lnR w="12700" cmpd="sng">
+                      <a:noFill/>
+                      <a:prstDash val="solid"/>
+                    </a:lnR>
+                    <a:lnT w="12700" cap="flat" cmpd="sng" algn="ctr">
+                      <a:solidFill>
+                        <a:schemeClr val="bg1">
+                          <a:lumMod val="75000"/>
+                        </a:schemeClr>
+                      </a:solidFill>
+                      <a:prstDash val="solid"/>
+                    </a:lnT>
+                    <a:lnB w="12700" cmpd="sng">
+                      <a:noFill/>
+                      <a:prstDash val="solid"/>
+                    </a:lnB>
+                    <a:solidFill>
+                      <a:srgbClr val="262626"/>
+                    </a:solidFill>
+                  </a:tcPr>
+                </a:tc>
+                <a:tc>
+                  <a:txBody>
+                    <a:bodyPr/>
+                    <a:lstStyle/>
+                    <a:p>
+                      <a:pPr algn="ctr" fontAlgn="ctr"/>
+                      <a:r>
+                        <a:rPr lang="pt-BR" sz="1300" cap="none" spc="0">
+                          <a:solidFill>
+                            <a:schemeClr val="bg1"/>
+                          </a:solidFill>
+                          <a:effectLst/>
+                          <a:latin typeface="OpenSans"/>
+                        </a:rPr>
+                        <a:t>10</a:t>
+                      </a:r>
+                    </a:p>
+                  </a:txBody>
+                  <a:tcPr marL="86411" marR="86411" marT="98961" marB="43206" anchor="ctr">
+                    <a:lnL w="12700" cmpd="sng">
+                      <a:noFill/>
+                      <a:prstDash val="solid"/>
+                    </a:lnL>
+                    <a:lnR w="12700" cmpd="sng">
+                      <a:noFill/>
+                      <a:prstDash val="solid"/>
+                    </a:lnR>
+                    <a:lnT w="12700" cap="flat" cmpd="sng" algn="ctr">
+                      <a:solidFill>
+                        <a:schemeClr val="bg1">
+                          <a:lumMod val="75000"/>
+                        </a:schemeClr>
+                      </a:solidFill>
+                      <a:prstDash val="solid"/>
+                    </a:lnT>
+                    <a:lnB w="12700" cmpd="sng">
+                      <a:noFill/>
+                      <a:prstDash val="solid"/>
+                    </a:lnB>
+                    <a:solidFill>
+                      <a:srgbClr val="262626"/>
+                    </a:solidFill>
+                  </a:tcPr>
+                </a:tc>
+                <a:extLst>
+                  <a:ext uri="{0D108BD9-81ED-4DB2-BD59-A6C34878D82A}">
+                    <a16:rowId xmlns:a16="http://schemas.microsoft.com/office/drawing/2014/main" val="2170585458"/>
+                  </a:ext>
+                </a:extLst>
+              </a:tr>
+              <a:tr h="478525">
+                <a:tc>
+                  <a:txBody>
+                    <a:bodyPr/>
+                    <a:lstStyle/>
+                    <a:p>
+                      <a:pPr algn="ctr" fontAlgn="ctr"/>
+                      <a:r>
+                        <a:rPr lang="pt-BR" sz="1300" cap="none" spc="0">
+                          <a:solidFill>
+                            <a:schemeClr val="bg1"/>
+                          </a:solidFill>
+                          <a:effectLst/>
+                          <a:latin typeface="OpenSans"/>
+                        </a:rPr>
+                        <a:t>E</a:t>
+                      </a:r>
+                    </a:p>
+                  </a:txBody>
+                  <a:tcPr marL="86411" marR="86411" marT="98961" marB="43206" anchor="ctr">
+                    <a:lnL w="12700" cmpd="sng">
+                      <a:noFill/>
+                      <a:prstDash val="solid"/>
+                    </a:lnL>
+                    <a:lnR w="12700" cmpd="sng">
+                      <a:noFill/>
+                      <a:prstDash val="solid"/>
+                    </a:lnR>
+                    <a:lnT w="12700" cmpd="sng">
+                      <a:noFill/>
+                      <a:prstDash val="solid"/>
+                    </a:lnT>
+                    <a:lnB w="12700" cap="flat" cmpd="sng" algn="ctr">
+                      <a:solidFill>
+                        <a:schemeClr val="bg1">
+                          <a:lumMod val="75000"/>
+                        </a:schemeClr>
+                      </a:solidFill>
+                      <a:prstDash val="solid"/>
+                    </a:lnB>
+                    <a:solidFill>
+                      <a:srgbClr val="404040"/>
+                    </a:solidFill>
+                  </a:tcPr>
+                </a:tc>
+                <a:tc>
+                  <a:txBody>
+                    <a:bodyPr/>
+                    <a:lstStyle/>
+                    <a:p>
+                      <a:pPr algn="ctr" fontAlgn="ctr"/>
+                      <a:r>
+                        <a:rPr lang="pt-BR" sz="1300" cap="none" spc="0">
+                          <a:solidFill>
+                            <a:schemeClr val="bg1"/>
+                          </a:solidFill>
+                          <a:effectLst/>
+                          <a:latin typeface="OpenSans"/>
+                        </a:rPr>
+                        <a:t>Testes de integração</a:t>
+                      </a:r>
+                    </a:p>
+                  </a:txBody>
+                  <a:tcPr marL="86411" marR="86411" marT="98961" marB="43206" anchor="ctr">
+                    <a:lnL w="12700" cmpd="sng">
+                      <a:noFill/>
+                      <a:prstDash val="solid"/>
+                    </a:lnL>
+                    <a:lnR w="12700" cmpd="sng">
+                      <a:noFill/>
+                      <a:prstDash val="solid"/>
+                    </a:lnR>
+                    <a:lnT w="12700" cmpd="sng">
+                      <a:noFill/>
+                      <a:prstDash val="solid"/>
+                    </a:lnT>
+                    <a:lnB w="12700" cap="flat" cmpd="sng" algn="ctr">
+                      <a:solidFill>
+                        <a:schemeClr val="bg1">
+                          <a:lumMod val="75000"/>
+                        </a:schemeClr>
+                      </a:solidFill>
+                      <a:prstDash val="solid"/>
+                    </a:lnB>
+                    <a:solidFill>
+                      <a:srgbClr val="404040"/>
+                    </a:solidFill>
+                  </a:tcPr>
+                </a:tc>
+                <a:tc>
+                  <a:txBody>
+                    <a:bodyPr/>
+                    <a:lstStyle/>
+                    <a:p>
+                      <a:pPr algn="ctr" fontAlgn="ctr"/>
+                      <a:r>
+                        <a:rPr lang="pt-BR" sz="1300" cap="none" spc="0">
+                          <a:solidFill>
+                            <a:schemeClr val="bg1"/>
+                          </a:solidFill>
+                          <a:effectLst/>
+                          <a:latin typeface="OpenSans"/>
+                        </a:rPr>
+                        <a:t>C</a:t>
+                      </a:r>
+                    </a:p>
+                  </a:txBody>
+                  <a:tcPr marL="86411" marR="86411" marT="98961" marB="43206" anchor="ctr">
+                    <a:lnL w="12700" cmpd="sng">
+                      <a:noFill/>
+                      <a:prstDash val="solid"/>
+                    </a:lnL>
+                    <a:lnR w="12700" cmpd="sng">
+                      <a:noFill/>
+                      <a:prstDash val="solid"/>
+                    </a:lnR>
+                    <a:lnT w="12700" cmpd="sng">
+                      <a:noFill/>
+                      <a:prstDash val="solid"/>
+                    </a:lnT>
+                    <a:lnB w="12700" cap="flat" cmpd="sng" algn="ctr">
+                      <a:solidFill>
+                        <a:schemeClr val="bg1">
+                          <a:lumMod val="75000"/>
+                        </a:schemeClr>
+                      </a:solidFill>
+                      <a:prstDash val="solid"/>
+                    </a:lnB>
+                    <a:solidFill>
+                      <a:srgbClr val="404040"/>
+                    </a:solidFill>
+                  </a:tcPr>
+                </a:tc>
+                <a:tc>
+                  <a:txBody>
+                    <a:bodyPr/>
+                    <a:lstStyle/>
+                    <a:p>
+                      <a:pPr algn="ctr" fontAlgn="ctr"/>
+                      <a:r>
+                        <a:rPr lang="pt-BR" sz="1300" cap="none" spc="0">
+                          <a:solidFill>
+                            <a:schemeClr val="bg1"/>
+                          </a:solidFill>
+                          <a:effectLst/>
+                          <a:latin typeface="OpenSans"/>
+                        </a:rPr>
+                        <a:t>15</a:t>
+                      </a:r>
+                    </a:p>
+                  </a:txBody>
+                  <a:tcPr marL="86411" marR="86411" marT="98961" marB="43206" anchor="ctr">
+                    <a:lnL w="12700" cmpd="sng">
+                      <a:noFill/>
+                      <a:prstDash val="solid"/>
+                    </a:lnL>
+                    <a:lnR w="12700" cmpd="sng">
+                      <a:noFill/>
+                      <a:prstDash val="solid"/>
+                    </a:lnR>
+                    <a:lnT w="12700" cmpd="sng">
+                      <a:noFill/>
+                      <a:prstDash val="solid"/>
+                    </a:lnT>
+                    <a:lnB w="12700" cap="flat" cmpd="sng" algn="ctr">
+                      <a:solidFill>
+                        <a:schemeClr val="bg1">
+                          <a:lumMod val="75000"/>
+                        </a:schemeClr>
+                      </a:solidFill>
+                      <a:prstDash val="solid"/>
+                    </a:lnB>
+                    <a:solidFill>
+                      <a:srgbClr val="404040"/>
+                    </a:solidFill>
+                  </a:tcPr>
+                </a:tc>
+                <a:extLst>
+                  <a:ext uri="{0D108BD9-81ED-4DB2-BD59-A6C34878D82A}">
+                    <a16:rowId xmlns:a16="http://schemas.microsoft.com/office/drawing/2014/main" val="1788520547"/>
+                  </a:ext>
+                </a:extLst>
+              </a:tr>
+              <a:tr h="727978">
+                <a:tc>
+                  <a:txBody>
+                    <a:bodyPr/>
+                    <a:lstStyle/>
+                    <a:p>
+                      <a:pPr algn="ctr" fontAlgn="ctr"/>
+                      <a:r>
+                        <a:rPr lang="pt-BR" sz="1300" cap="none" spc="0">
+                          <a:solidFill>
+                            <a:schemeClr val="bg1"/>
+                          </a:solidFill>
+                          <a:effectLst/>
+                          <a:latin typeface="OpenSans"/>
+                        </a:rPr>
+                        <a:t>F</a:t>
+                      </a:r>
+                    </a:p>
+                  </a:txBody>
+                  <a:tcPr marL="86411" marR="86411" marT="98961" marB="43206" anchor="ctr">
+                    <a:lnL w="12700" cmpd="sng">
+                      <a:noFill/>
+                      <a:prstDash val="solid"/>
+                    </a:lnL>
+                    <a:lnR w="12700" cmpd="sng">
+                      <a:noFill/>
+                      <a:prstDash val="solid"/>
+                    </a:lnR>
+                    <a:lnT w="12700" cap="flat" cmpd="sng" algn="ctr">
+                      <a:solidFill>
+                        <a:schemeClr val="bg1">
+                          <a:lumMod val="75000"/>
+                        </a:schemeClr>
+                      </a:solidFill>
+                      <a:prstDash val="solid"/>
+                    </a:lnT>
+                    <a:lnB w="12700" cmpd="sng">
+                      <a:noFill/>
+                      <a:prstDash val="solid"/>
+                    </a:lnB>
+                    <a:solidFill>
+                      <a:srgbClr val="262626"/>
+                    </a:solidFill>
+                  </a:tcPr>
+                </a:tc>
+                <a:tc>
+                  <a:txBody>
+                    <a:bodyPr/>
+                    <a:lstStyle/>
+                    <a:p>
+                      <a:pPr algn="ctr" fontAlgn="ctr"/>
+                      <a:r>
+                        <a:rPr lang="pt-BR" sz="1300" cap="none" spc="0">
+                          <a:solidFill>
+                            <a:schemeClr val="bg1"/>
+                          </a:solidFill>
+                          <a:effectLst/>
+                          <a:latin typeface="OpenSans"/>
+                        </a:rPr>
+                        <a:t>Preparação para implantação</a:t>
+                      </a:r>
+                    </a:p>
+                  </a:txBody>
+                  <a:tcPr marL="86411" marR="86411" marT="98961" marB="43206" anchor="ctr">
+                    <a:lnL w="12700" cmpd="sng">
+                      <a:noFill/>
+                      <a:prstDash val="solid"/>
+                    </a:lnL>
+                    <a:lnR w="12700" cmpd="sng">
+                      <a:noFill/>
+                      <a:prstDash val="solid"/>
+                    </a:lnR>
+                    <a:lnT w="12700" cap="flat" cmpd="sng" algn="ctr">
+                      <a:solidFill>
+                        <a:schemeClr val="bg1">
+                          <a:lumMod val="75000"/>
+                        </a:schemeClr>
+                      </a:solidFill>
+                      <a:prstDash val="solid"/>
+                    </a:lnT>
+                    <a:lnB w="12700" cmpd="sng">
+                      <a:noFill/>
+                      <a:prstDash val="solid"/>
+                    </a:lnB>
+                    <a:solidFill>
+                      <a:srgbClr val="262626"/>
+                    </a:solidFill>
+                  </a:tcPr>
+                </a:tc>
+                <a:tc>
+                  <a:txBody>
+                    <a:bodyPr/>
+                    <a:lstStyle/>
+                    <a:p>
+                      <a:pPr algn="ctr" fontAlgn="ctr"/>
+                      <a:r>
+                        <a:rPr lang="pt-BR" sz="1300" cap="none" spc="0">
+                          <a:solidFill>
+                            <a:schemeClr val="bg1"/>
+                          </a:solidFill>
+                          <a:effectLst/>
+                          <a:latin typeface="OpenSans"/>
+                        </a:rPr>
+                        <a:t>D, E</a:t>
+                      </a:r>
+                    </a:p>
+                  </a:txBody>
+                  <a:tcPr marL="86411" marR="86411" marT="98961" marB="43206" anchor="ctr">
+                    <a:lnL w="12700" cmpd="sng">
+                      <a:noFill/>
+                      <a:prstDash val="solid"/>
+                    </a:lnL>
+                    <a:lnR w="12700" cmpd="sng">
+                      <a:noFill/>
+                      <a:prstDash val="solid"/>
+                    </a:lnR>
+                    <a:lnT w="12700" cap="flat" cmpd="sng" algn="ctr">
+                      <a:solidFill>
+                        <a:schemeClr val="bg1">
+                          <a:lumMod val="75000"/>
+                        </a:schemeClr>
+                      </a:solidFill>
+                      <a:prstDash val="solid"/>
+                    </a:lnT>
+                    <a:lnB w="12700" cmpd="sng">
+                      <a:noFill/>
+                      <a:prstDash val="solid"/>
+                    </a:lnB>
+                    <a:solidFill>
+                      <a:srgbClr val="262626"/>
+                    </a:solidFill>
+                  </a:tcPr>
+                </a:tc>
+                <a:tc>
+                  <a:txBody>
+                    <a:bodyPr/>
+                    <a:lstStyle/>
+                    <a:p>
+                      <a:pPr algn="ctr" fontAlgn="ctr"/>
+                      <a:r>
+                        <a:rPr lang="pt-BR" sz="1300" cap="none" spc="0">
+                          <a:solidFill>
+                            <a:schemeClr val="bg1"/>
+                          </a:solidFill>
+                          <a:effectLst/>
+                          <a:latin typeface="OpenSans"/>
+                        </a:rPr>
+                        <a:t>10</a:t>
+                      </a:r>
+                    </a:p>
+                  </a:txBody>
+                  <a:tcPr marL="86411" marR="86411" marT="98961" marB="43206" anchor="ctr">
+                    <a:lnL w="12700" cmpd="sng">
+                      <a:noFill/>
+                      <a:prstDash val="solid"/>
+                    </a:lnL>
+                    <a:lnR w="12700" cmpd="sng">
+                      <a:noFill/>
+                      <a:prstDash val="solid"/>
+                    </a:lnR>
+                    <a:lnT w="12700" cap="flat" cmpd="sng" algn="ctr">
+                      <a:solidFill>
+                        <a:schemeClr val="bg1">
+                          <a:lumMod val="75000"/>
+                        </a:schemeClr>
+                      </a:solidFill>
+                      <a:prstDash val="solid"/>
+                    </a:lnT>
+                    <a:lnB w="12700" cmpd="sng">
+                      <a:noFill/>
+                      <a:prstDash val="solid"/>
+                    </a:lnB>
+                    <a:solidFill>
+                      <a:srgbClr val="262626"/>
+                    </a:solidFill>
+                  </a:tcPr>
+                </a:tc>
+                <a:extLst>
+                  <a:ext uri="{0D108BD9-81ED-4DB2-BD59-A6C34878D82A}">
+                    <a16:rowId xmlns:a16="http://schemas.microsoft.com/office/drawing/2014/main" val="489703325"/>
+                  </a:ext>
+                </a:extLst>
+              </a:tr>
+              <a:tr h="727978">
+                <a:tc>
+                  <a:txBody>
+                    <a:bodyPr/>
+                    <a:lstStyle/>
+                    <a:p>
+                      <a:pPr algn="ctr" fontAlgn="ctr"/>
+                      <a:r>
+                        <a:rPr lang="pt-BR" sz="1300" cap="none" spc="0">
+                          <a:solidFill>
+                            <a:schemeClr val="bg1"/>
+                          </a:solidFill>
+                          <a:effectLst/>
+                          <a:latin typeface="OpenSans"/>
+                        </a:rPr>
+                        <a:t>G</a:t>
+                      </a:r>
+                    </a:p>
+                  </a:txBody>
+                  <a:tcPr marL="86411" marR="86411" marT="98961" marB="43206" anchor="ctr">
+                    <a:lnL w="12700" cmpd="sng">
+                      <a:noFill/>
+                      <a:prstDash val="solid"/>
+                    </a:lnL>
+                    <a:lnR w="12700" cmpd="sng">
+                      <a:noFill/>
+                      <a:prstDash val="solid"/>
+                    </a:lnR>
+                    <a:lnT w="12700" cmpd="sng">
+                      <a:noFill/>
+                      <a:prstDash val="solid"/>
+                    </a:lnT>
+                    <a:lnB w="12700" cmpd="sng">
+                      <a:noFill/>
+                      <a:prstDash val="solid"/>
+                    </a:lnB>
+                    <a:solidFill>
+                      <a:srgbClr val="404040"/>
+                    </a:solidFill>
+                  </a:tcPr>
+                </a:tc>
+                <a:tc>
+                  <a:txBody>
+                    <a:bodyPr/>
+                    <a:lstStyle/>
+                    <a:p>
+                      <a:pPr algn="ctr" fontAlgn="ctr"/>
+                      <a:r>
+                        <a:rPr lang="pt-BR" sz="1300" cap="none" spc="0">
+                          <a:solidFill>
+                            <a:schemeClr val="bg1"/>
+                          </a:solidFill>
+                          <a:effectLst/>
+                          <a:latin typeface="OpenSans"/>
+                        </a:rPr>
+                        <a:t>Implantação do software no cliente</a:t>
+                      </a:r>
+                    </a:p>
+                  </a:txBody>
+                  <a:tcPr marL="86411" marR="86411" marT="98961" marB="43206" anchor="ctr">
+                    <a:lnL w="12700" cmpd="sng">
+                      <a:noFill/>
+                      <a:prstDash val="solid"/>
+                    </a:lnL>
+                    <a:lnR w="12700" cmpd="sng">
+                      <a:noFill/>
+                      <a:prstDash val="solid"/>
+                    </a:lnR>
+                    <a:lnT w="12700" cmpd="sng">
+                      <a:noFill/>
+                      <a:prstDash val="solid"/>
+                    </a:lnT>
+                    <a:lnB w="12700" cmpd="sng">
+                      <a:noFill/>
+                      <a:prstDash val="solid"/>
+                    </a:lnB>
+                    <a:solidFill>
+                      <a:srgbClr val="404040"/>
+                    </a:solidFill>
+                  </a:tcPr>
+                </a:tc>
+                <a:tc>
+                  <a:txBody>
+                    <a:bodyPr/>
+                    <a:lstStyle/>
+                    <a:p>
+                      <a:pPr algn="ctr" fontAlgn="ctr"/>
+                      <a:r>
+                        <a:rPr lang="pt-BR" sz="1300" cap="none" spc="0">
+                          <a:solidFill>
+                            <a:schemeClr val="bg1"/>
+                          </a:solidFill>
+                          <a:effectLst/>
+                          <a:latin typeface="OpenSans"/>
+                        </a:rPr>
+                        <a:t>F</a:t>
+                      </a:r>
+                    </a:p>
+                  </a:txBody>
+                  <a:tcPr marL="86411" marR="86411" marT="98961" marB="43206" anchor="ctr">
+                    <a:lnL w="12700" cmpd="sng">
+                      <a:noFill/>
+                      <a:prstDash val="solid"/>
+                    </a:lnL>
+                    <a:lnR w="12700" cmpd="sng">
+                      <a:noFill/>
+                      <a:prstDash val="solid"/>
+                    </a:lnR>
+                    <a:lnT w="12700" cmpd="sng">
+                      <a:noFill/>
+                      <a:prstDash val="solid"/>
+                    </a:lnT>
+                    <a:lnB w="12700" cmpd="sng">
+                      <a:noFill/>
+                      <a:prstDash val="solid"/>
+                    </a:lnB>
+                    <a:solidFill>
+                      <a:srgbClr val="404040"/>
+                    </a:solidFill>
+                  </a:tcPr>
+                </a:tc>
+                <a:tc>
+                  <a:txBody>
+                    <a:bodyPr/>
+                    <a:lstStyle/>
+                    <a:p>
+                      <a:pPr algn="ctr" fontAlgn="ctr"/>
+                      <a:r>
+                        <a:rPr lang="pt-BR" sz="1300" cap="none" spc="0" dirty="0">
+                          <a:solidFill>
+                            <a:schemeClr val="bg1"/>
+                          </a:solidFill>
+                          <a:effectLst/>
+                          <a:latin typeface="OpenSans"/>
+                        </a:rPr>
+                        <a:t>15</a:t>
+                      </a:r>
+                    </a:p>
+                  </a:txBody>
+                  <a:tcPr marL="86411" marR="86411" marT="98961" marB="43206" anchor="ctr">
+                    <a:lnL w="12700" cmpd="sng">
+                      <a:noFill/>
+                      <a:prstDash val="solid"/>
+                    </a:lnL>
+                    <a:lnR w="12700" cmpd="sng">
+                      <a:noFill/>
+                      <a:prstDash val="solid"/>
+                    </a:lnR>
+                    <a:lnT w="12700" cmpd="sng">
+                      <a:noFill/>
+                      <a:prstDash val="solid"/>
+                    </a:lnT>
+                    <a:lnB w="12700" cmpd="sng">
+                      <a:noFill/>
+                      <a:prstDash val="solid"/>
+                    </a:lnB>
+                    <a:solidFill>
+                      <a:srgbClr val="404040"/>
+                    </a:solidFill>
+                  </a:tcPr>
+                </a:tc>
+                <a:extLst>
+                  <a:ext uri="{0D108BD9-81ED-4DB2-BD59-A6C34878D82A}">
+                    <a16:rowId xmlns:a16="http://schemas.microsoft.com/office/drawing/2014/main" val="3900345697"/>
+                  </a:ext>
+                </a:extLst>
+              </a:tr>
+            </a:tbl>
+          </a:graphicData>
+        </a:graphic>
+      </p:graphicFrame>
     </p:spTree>
     <p:extLst>
       <p:ext uri="{BB962C8B-B14F-4D97-AF65-F5344CB8AC3E}">
-        <p14:creationId xmlns:p14="http://schemas.microsoft.com/office/powerpoint/2010/main" val="3356647982"/>
+        <p14:creationId xmlns:p14="http://schemas.microsoft.com/office/powerpoint/2010/main" val="224637368"/>
       </p:ext>
     </p:extLst>
   </p:cSld>
@@ -7190,6 +6585,14 @@
 <file path=ppt/slides/slide7.xml><?xml version="1.0" encoding="utf-8"?>
 <p:sld xmlns:a="http://schemas.openxmlformats.org/drawingml/2006/main" xmlns:r="http://schemas.openxmlformats.org/officeDocument/2006/relationships" xmlns:p="http://schemas.openxmlformats.org/presentationml/2006/main">
   <p:cSld>
+    <p:bg>
+      <p:bgPr>
+        <a:solidFill>
+          <a:schemeClr val="bg1"/>
+        </a:solidFill>
+        <a:effectLst/>
+      </p:bgPr>
+    </p:bg>
     <p:spTree>
       <p:nvGrpSpPr>
         <p:cNvPr id="1" name=""/>
@@ -7206,68 +6609,98 @@
       </p:grpSpPr>
       <p:sp>
         <p:nvSpPr>
-          <p:cNvPr id="3" name="CaixaDeTexto 2">
+          <p:cNvPr id="14" name="Freeform: Shape 13">
             <a:extLst>
               <a:ext uri="{FF2B5EF4-FFF2-40B4-BE49-F238E27FC236}">
-                <a16:creationId xmlns:a16="http://schemas.microsoft.com/office/drawing/2014/main" id="{C1328C8D-C507-1A52-B82C-CD0438DFF5E9}"/>
+                <a16:creationId xmlns:a16="http://schemas.microsoft.com/office/drawing/2014/main" id="{AE192E3E-68A9-4F36-936C-1C8D0B9EF132}"/>
+              </a:ext>
+              <a:ext uri="{C183D7F6-B498-43B3-948B-1728B52AA6E4}">
+                <adec:decorative xmlns:adec="http://schemas.microsoft.com/office/drawing/2017/decorative" val="1"/>
               </a:ext>
             </a:extLst>
           </p:cNvPr>
-          <p:cNvSpPr txBox="1"/>
-          <p:nvPr/>
+          <p:cNvSpPr>
+            <a:spLocks noGrp="1" noRot="1" noChangeAspect="1" noMove="1" noResize="1" noEditPoints="1" noAdjustHandles="1" noChangeArrowheads="1" noChangeShapeType="1" noTextEdit="1"/>
+          </p:cNvSpPr>
+          <p:nvPr>
+            <p:extLst>
+              <p:ext uri="{386F3935-93C4-4BCD-93E2-E3B085C9AB24}">
+                <p16:designElem xmlns:p16="http://schemas.microsoft.com/office/powerpoint/2015/main" val="1"/>
+              </p:ext>
+            </p:extLst>
+          </p:nvPr>
         </p:nvSpPr>
         <p:spPr>
           <a:xfrm>
-            <a:off x="-388473" y="-1348627"/>
-            <a:ext cx="5473595" cy="9248686"/>
+            <a:off x="8803792" y="3455896"/>
+            <a:ext cx="3388208" cy="3406341"/>
           </a:xfrm>
-          <a:prstGeom prst="rect">
+          <a:custGeom>
             <a:avLst/>
-          </a:prstGeom>
-          <a:noFill/>
-        </p:spPr>
-        <p:txBody>
-          <a:bodyPr wrap="square" rtlCol="0">
-            <a:spAutoFit/>
-          </a:bodyPr>
-          <a:lstStyle/>
-          <a:p>
-            <a:r>
-              <a:rPr lang="pt-BR" sz="59500" dirty="0">
-                <a:solidFill>
-                  <a:srgbClr val="F18B39">
-                    <a:alpha val="30000"/>
-                  </a:srgbClr>
-                </a:solidFill>
-                <a:latin typeface="Algerian" panose="04020705040A02060702" pitchFamily="82" charset="0"/>
-              </a:rPr>
-              <a:t>M</a:t>
-            </a:r>
-          </a:p>
-        </p:txBody>
-      </p:sp>
-      <p:sp>
-        <p:nvSpPr>
-          <p:cNvPr id="2" name="Retângulo: Cantos Arredondados 1">
-            <a:extLst>
-              <a:ext uri="{FF2B5EF4-FFF2-40B4-BE49-F238E27FC236}">
-                <a16:creationId xmlns:a16="http://schemas.microsoft.com/office/drawing/2014/main" id="{E8D2D15F-FF3B-6647-918D-EC21CAB929AD}"/>
-              </a:ext>
-            </a:extLst>
-          </p:cNvPr>
-          <p:cNvSpPr/>
-          <p:nvPr/>
-        </p:nvSpPr>
-        <p:spPr>
-          <a:xfrm>
-            <a:off x="941034" y="630315"/>
-            <a:ext cx="4625266" cy="852256"/>
-          </a:xfrm>
-          <a:prstGeom prst="roundRect">
-            <a:avLst/>
-          </a:prstGeom>
+            <a:gdLst>
+              <a:gd name="connsiteX0" fmla="*/ 3388058 w 3388208"/>
+              <a:gd name="connsiteY0" fmla="*/ 0 h 3406341"/>
+              <a:gd name="connsiteX1" fmla="*/ 3388208 w 3388208"/>
+              <a:gd name="connsiteY1" fmla="*/ 0 h 3406341"/>
+              <a:gd name="connsiteX2" fmla="*/ 3388208 w 3388208"/>
+              <a:gd name="connsiteY2" fmla="*/ 3406341 h 3406341"/>
+              <a:gd name="connsiteX3" fmla="*/ 0 w 3388208"/>
+              <a:gd name="connsiteY3" fmla="*/ 3406341 h 3406341"/>
+              <a:gd name="connsiteX4" fmla="*/ 79006 w 3388208"/>
+              <a:gd name="connsiteY4" fmla="*/ 3404386 h 3406341"/>
+              <a:gd name="connsiteX5" fmla="*/ 3383947 w 3388208"/>
+              <a:gd name="connsiteY5" fmla="*/ 164274 h 3406341"/>
+            </a:gdLst>
+            <a:ahLst/>
+            <a:cxnLst>
+              <a:cxn ang="0">
+                <a:pos x="connsiteX0" y="connsiteY0"/>
+              </a:cxn>
+              <a:cxn ang="0">
+                <a:pos x="connsiteX1" y="connsiteY1"/>
+              </a:cxn>
+              <a:cxn ang="0">
+                <a:pos x="connsiteX2" y="connsiteY2"/>
+              </a:cxn>
+              <a:cxn ang="0">
+                <a:pos x="connsiteX3" y="connsiteY3"/>
+              </a:cxn>
+              <a:cxn ang="0">
+                <a:pos x="connsiteX4" y="connsiteY4"/>
+              </a:cxn>
+              <a:cxn ang="0">
+                <a:pos x="connsiteX5" y="connsiteY5"/>
+              </a:cxn>
+            </a:cxnLst>
+            <a:rect l="l" t="t" r="r" b="b"/>
+            <a:pathLst>
+              <a:path w="3388208" h="3406341">
+                <a:moveTo>
+                  <a:pt x="3388058" y="0"/>
+                </a:moveTo>
+                <a:lnTo>
+                  <a:pt x="3388208" y="0"/>
+                </a:lnTo>
+                <a:lnTo>
+                  <a:pt x="3388208" y="3406341"/>
+                </a:lnTo>
+                <a:lnTo>
+                  <a:pt x="0" y="3406341"/>
+                </a:lnTo>
+                <a:lnTo>
+                  <a:pt x="79006" y="3404386"/>
+                </a:lnTo>
+                <a:cubicBezTo>
+                  <a:pt x="1864742" y="3315784"/>
+                  <a:pt x="3296223" y="1912901"/>
+                  <a:pt x="3383947" y="164274"/>
+                </a:cubicBezTo>
+                <a:close/>
+              </a:path>
+            </a:pathLst>
+          </a:custGeom>
           <a:solidFill>
-            <a:srgbClr val="F18B39"/>
+            <a:schemeClr val="accent5"/>
           </a:solidFill>
           <a:ln>
             <a:noFill/>
@@ -7276,7 +6709,85 @@
         <p:style>
           <a:lnRef idx="2">
             <a:schemeClr val="accent1">
-              <a:shade val="15000"/>
+              <a:shade val="50000"/>
+            </a:schemeClr>
+          </a:lnRef>
+          <a:fillRef idx="1">
+            <a:schemeClr val="accent1"/>
+          </a:fillRef>
+          <a:effectRef idx="0">
+            <a:schemeClr val="accent1"/>
+          </a:effectRef>
+          <a:fontRef idx="minor">
+            <a:schemeClr val="lt1"/>
+          </a:fontRef>
+        </p:style>
+        <p:txBody>
+          <a:bodyPr wrap="square" rtlCol="0" anchor="ctr">
+            <a:noAutofit/>
+          </a:bodyPr>
+          <a:lstStyle/>
+          <a:p>
+            <a:pPr algn="ctr"/>
+            <a:endParaRPr lang="en-US"/>
+          </a:p>
+        </p:txBody>
+      </p:sp>
+      <p:sp useBgFill="1">
+        <p:nvSpPr>
+          <p:cNvPr id="16" name="Rectangle 15">
+            <a:extLst>
+              <a:ext uri="{FF2B5EF4-FFF2-40B4-BE49-F238E27FC236}">
+                <a16:creationId xmlns:a16="http://schemas.microsoft.com/office/drawing/2014/main" id="{845648E2-B946-43A1-80DE-C50CBBDF92FA}"/>
+              </a:ext>
+              <a:ext uri="{C183D7F6-B498-43B3-948B-1728B52AA6E4}">
+                <adec:decorative xmlns:adec="http://schemas.microsoft.com/office/drawing/2017/decorative" val="1"/>
+              </a:ext>
+            </a:extLst>
+          </p:cNvPr>
+          <p:cNvSpPr>
+            <a:spLocks noGrp="1" noRot="1" noChangeAspect="1" noMove="1" noResize="1" noEditPoints="1" noAdjustHandles="1" noChangeArrowheads="1" noChangeShapeType="1" noTextEdit="1"/>
+          </p:cNvSpPr>
+          <p:nvPr>
+            <p:extLst>
+              <p:ext uri="{386F3935-93C4-4BCD-93E2-E3B085C9AB24}">
+                <p16:designElem xmlns:p16="http://schemas.microsoft.com/office/powerpoint/2015/main" val="1"/>
+              </p:ext>
+            </p:extLst>
+          </p:nvPr>
+        </p:nvSpPr>
+        <p:spPr>
+          <a:xfrm>
+            <a:off x="0" y="0"/>
+            <a:ext cx="12192000" cy="6858000"/>
+          </a:xfrm>
+          <a:prstGeom prst="rect">
+            <a:avLst/>
+          </a:prstGeom>
+          <a:ln w="12700" cap="flat" cmpd="sng" algn="ctr">
+            <a:noFill/>
+            <a:prstDash val="solid"/>
+            <a:miter lim="800000"/>
+          </a:ln>
+          <a:effectLst/>
+          <a:extLst>
+            <a:ext uri="{91240B29-F687-4F45-9708-019B960494DF}">
+              <a14:hiddenLine xmlns:a14="http://schemas.microsoft.com/office/drawing/2010/main" w="12700" cap="flat" cmpd="sng" algn="ctr">
+                <a:solidFill>
+                  <a:schemeClr val="accent1">
+                    <a:shade val="50000"/>
+                  </a:schemeClr>
+                </a:solidFill>
+                <a:prstDash val="solid"/>
+                <a:miter lim="800000"/>
+              </a14:hiddenLine>
+            </a:ext>
+          </a:extLst>
+        </p:spPr>
+        <p:style>
+          <a:lnRef idx="2">
+            <a:schemeClr val="accent1">
+              <a:shade val="50000"/>
             </a:schemeClr>
           </a:lnRef>
           <a:fillRef idx="1">
@@ -7294,73 +6805,332 @@
           <a:lstStyle/>
           <a:p>
             <a:pPr algn="ctr"/>
-            <a:r>
-              <a:rPr lang="pt-BR" sz="2800" b="1" i="0" dirty="0">
-                <a:effectLst/>
-                <a:latin typeface="Söhne"/>
-              </a:rPr>
-              <a:t>Mensurabilidade (M)</a:t>
-            </a:r>
+            <a:endParaRPr lang="en-US"/>
           </a:p>
         </p:txBody>
       </p:sp>
       <p:sp>
         <p:nvSpPr>
-          <p:cNvPr id="6" name="CaixaDeTexto 5">
+          <p:cNvPr id="18" name="Freeform: Shape 17">
             <a:extLst>
               <a:ext uri="{FF2B5EF4-FFF2-40B4-BE49-F238E27FC236}">
-                <a16:creationId xmlns:a16="http://schemas.microsoft.com/office/drawing/2014/main" id="{CB1EDFA3-A0AA-3539-A6E7-C3BF38E6D408}"/>
+                <a16:creationId xmlns:a16="http://schemas.microsoft.com/office/drawing/2014/main" id="{EA06546B-3E90-4E24-BD32-C6BFD1CD8D20}"/>
+              </a:ext>
+              <a:ext uri="{C183D7F6-B498-43B3-948B-1728B52AA6E4}">
+                <adec:decorative xmlns:adec="http://schemas.microsoft.com/office/drawing/2017/decorative" val="1"/>
               </a:ext>
             </a:extLst>
           </p:cNvPr>
-          <p:cNvSpPr txBox="1"/>
-          <p:nvPr/>
+          <p:cNvSpPr>
+            <a:spLocks noGrp="1" noRot="1" noChangeAspect="1" noMove="1" noResize="1" noEditPoints="1" noAdjustHandles="1" noChangeArrowheads="1" noChangeShapeType="1" noTextEdit="1"/>
+          </p:cNvSpPr>
+          <p:nvPr>
+            <p:extLst>
+              <p:ext uri="{386F3935-93C4-4BCD-93E2-E3B085C9AB24}">
+                <p16:designElem xmlns:p16="http://schemas.microsoft.com/office/powerpoint/2015/main" val="1"/>
+              </p:ext>
+            </p:extLst>
+          </p:nvPr>
+        </p:nvSpPr>
+        <p:spPr>
+          <a:xfrm rot="16200000">
+            <a:off x="8794726" y="-9066"/>
+            <a:ext cx="3388208" cy="3406341"/>
+          </a:xfrm>
+          <a:custGeom>
+            <a:avLst/>
+            <a:gdLst>
+              <a:gd name="connsiteX0" fmla="*/ 3388058 w 3388208"/>
+              <a:gd name="connsiteY0" fmla="*/ 0 h 3406341"/>
+              <a:gd name="connsiteX1" fmla="*/ 3388208 w 3388208"/>
+              <a:gd name="connsiteY1" fmla="*/ 0 h 3406341"/>
+              <a:gd name="connsiteX2" fmla="*/ 3388208 w 3388208"/>
+              <a:gd name="connsiteY2" fmla="*/ 3406341 h 3406341"/>
+              <a:gd name="connsiteX3" fmla="*/ 0 w 3388208"/>
+              <a:gd name="connsiteY3" fmla="*/ 3406341 h 3406341"/>
+              <a:gd name="connsiteX4" fmla="*/ 79006 w 3388208"/>
+              <a:gd name="connsiteY4" fmla="*/ 3404386 h 3406341"/>
+              <a:gd name="connsiteX5" fmla="*/ 3383947 w 3388208"/>
+              <a:gd name="connsiteY5" fmla="*/ 164274 h 3406341"/>
+            </a:gdLst>
+            <a:ahLst/>
+            <a:cxnLst>
+              <a:cxn ang="0">
+                <a:pos x="connsiteX0" y="connsiteY0"/>
+              </a:cxn>
+              <a:cxn ang="0">
+                <a:pos x="connsiteX1" y="connsiteY1"/>
+              </a:cxn>
+              <a:cxn ang="0">
+                <a:pos x="connsiteX2" y="connsiteY2"/>
+              </a:cxn>
+              <a:cxn ang="0">
+                <a:pos x="connsiteX3" y="connsiteY3"/>
+              </a:cxn>
+              <a:cxn ang="0">
+                <a:pos x="connsiteX4" y="connsiteY4"/>
+              </a:cxn>
+              <a:cxn ang="0">
+                <a:pos x="connsiteX5" y="connsiteY5"/>
+              </a:cxn>
+            </a:cxnLst>
+            <a:rect l="l" t="t" r="r" b="b"/>
+            <a:pathLst>
+              <a:path w="3388208" h="3406341">
+                <a:moveTo>
+                  <a:pt x="3388058" y="0"/>
+                </a:moveTo>
+                <a:lnTo>
+                  <a:pt x="3388208" y="0"/>
+                </a:lnTo>
+                <a:lnTo>
+                  <a:pt x="3388208" y="3406341"/>
+                </a:lnTo>
+                <a:lnTo>
+                  <a:pt x="0" y="3406341"/>
+                </a:lnTo>
+                <a:lnTo>
+                  <a:pt x="79006" y="3404386"/>
+                </a:lnTo>
+                <a:cubicBezTo>
+                  <a:pt x="1864742" y="3315784"/>
+                  <a:pt x="3296223" y="1912901"/>
+                  <a:pt x="3383947" y="164274"/>
+                </a:cubicBezTo>
+                <a:close/>
+              </a:path>
+            </a:pathLst>
+          </a:custGeom>
+          <a:solidFill>
+            <a:schemeClr val="accent5"/>
+          </a:solidFill>
+          <a:ln>
+            <a:noFill/>
+          </a:ln>
+        </p:spPr>
+        <p:style>
+          <a:lnRef idx="2">
+            <a:schemeClr val="accent1">
+              <a:shade val="50000"/>
+            </a:schemeClr>
+          </a:lnRef>
+          <a:fillRef idx="1">
+            <a:schemeClr val="accent1"/>
+          </a:fillRef>
+          <a:effectRef idx="0">
+            <a:schemeClr val="accent1"/>
+          </a:effectRef>
+          <a:fontRef idx="minor">
+            <a:schemeClr val="lt1"/>
+          </a:fontRef>
+        </p:style>
+        <p:txBody>
+          <a:bodyPr wrap="square" rtlCol="0" anchor="ctr">
+            <a:noAutofit/>
+          </a:bodyPr>
+          <a:lstStyle/>
+          <a:p>
+            <a:pPr algn="ctr"/>
+            <a:endParaRPr lang="en-US"/>
+          </a:p>
+        </p:txBody>
+      </p:sp>
+      <p:sp>
+        <p:nvSpPr>
+          <p:cNvPr id="20" name="Freeform: Shape 19">
+            <a:extLst>
+              <a:ext uri="{FF2B5EF4-FFF2-40B4-BE49-F238E27FC236}">
+                <a16:creationId xmlns:a16="http://schemas.microsoft.com/office/drawing/2014/main" id="{3FA95682-BEE6-4B33-BA34-7E7BE49782DA}"/>
+              </a:ext>
+              <a:ext uri="{C183D7F6-B498-43B3-948B-1728B52AA6E4}">
+                <adec:decorative xmlns:adec="http://schemas.microsoft.com/office/drawing/2017/decorative" val="1"/>
+              </a:ext>
+            </a:extLst>
+          </p:cNvPr>
+          <p:cNvSpPr>
+            <a:spLocks noGrp="1" noRot="1" noChangeAspect="1" noMove="1" noResize="1" noEditPoints="1" noAdjustHandles="1" noChangeArrowheads="1" noChangeShapeType="1" noTextEdit="1"/>
+          </p:cNvSpPr>
+          <p:nvPr>
+            <p:extLst>
+              <p:ext uri="{386F3935-93C4-4BCD-93E2-E3B085C9AB24}">
+                <p16:designElem xmlns:p16="http://schemas.microsoft.com/office/powerpoint/2015/main" val="1"/>
+              </p:ext>
+            </p:extLst>
+          </p:nvPr>
         </p:nvSpPr>
         <p:spPr>
           <a:xfrm>
-            <a:off x="941034" y="1857828"/>
-            <a:ext cx="10830052" cy="3970318"/>
+            <a:off x="8803793" y="3455896"/>
+            <a:ext cx="3388208" cy="3406341"/>
+          </a:xfrm>
+          <a:custGeom>
+            <a:avLst/>
+            <a:gdLst>
+              <a:gd name="connsiteX0" fmla="*/ 3388058 w 3388208"/>
+              <a:gd name="connsiteY0" fmla="*/ 0 h 3406341"/>
+              <a:gd name="connsiteX1" fmla="*/ 3388208 w 3388208"/>
+              <a:gd name="connsiteY1" fmla="*/ 0 h 3406341"/>
+              <a:gd name="connsiteX2" fmla="*/ 3388208 w 3388208"/>
+              <a:gd name="connsiteY2" fmla="*/ 3406341 h 3406341"/>
+              <a:gd name="connsiteX3" fmla="*/ 0 w 3388208"/>
+              <a:gd name="connsiteY3" fmla="*/ 3406341 h 3406341"/>
+              <a:gd name="connsiteX4" fmla="*/ 79006 w 3388208"/>
+              <a:gd name="connsiteY4" fmla="*/ 3404386 h 3406341"/>
+              <a:gd name="connsiteX5" fmla="*/ 3383947 w 3388208"/>
+              <a:gd name="connsiteY5" fmla="*/ 164274 h 3406341"/>
+            </a:gdLst>
+            <a:ahLst/>
+            <a:cxnLst>
+              <a:cxn ang="0">
+                <a:pos x="connsiteX0" y="connsiteY0"/>
+              </a:cxn>
+              <a:cxn ang="0">
+                <a:pos x="connsiteX1" y="connsiteY1"/>
+              </a:cxn>
+              <a:cxn ang="0">
+                <a:pos x="connsiteX2" y="connsiteY2"/>
+              </a:cxn>
+              <a:cxn ang="0">
+                <a:pos x="connsiteX3" y="connsiteY3"/>
+              </a:cxn>
+              <a:cxn ang="0">
+                <a:pos x="connsiteX4" y="connsiteY4"/>
+              </a:cxn>
+              <a:cxn ang="0">
+                <a:pos x="connsiteX5" y="connsiteY5"/>
+              </a:cxn>
+            </a:cxnLst>
+            <a:rect l="l" t="t" r="r" b="b"/>
+            <a:pathLst>
+              <a:path w="3388208" h="3406341">
+                <a:moveTo>
+                  <a:pt x="3388058" y="0"/>
+                </a:moveTo>
+                <a:lnTo>
+                  <a:pt x="3388208" y="0"/>
+                </a:lnTo>
+                <a:lnTo>
+                  <a:pt x="3388208" y="3406341"/>
+                </a:lnTo>
+                <a:lnTo>
+                  <a:pt x="0" y="3406341"/>
+                </a:lnTo>
+                <a:lnTo>
+                  <a:pt x="79006" y="3404386"/>
+                </a:lnTo>
+                <a:cubicBezTo>
+                  <a:pt x="1864742" y="3315784"/>
+                  <a:pt x="3296223" y="1912901"/>
+                  <a:pt x="3383947" y="164274"/>
+                </a:cubicBezTo>
+                <a:close/>
+              </a:path>
+            </a:pathLst>
+          </a:custGeom>
+          <a:solidFill>
+            <a:schemeClr val="tx2"/>
+          </a:solidFill>
+          <a:ln>
+            <a:noFill/>
+          </a:ln>
+        </p:spPr>
+        <p:style>
+          <a:lnRef idx="2">
+            <a:schemeClr val="accent1">
+              <a:shade val="50000"/>
+            </a:schemeClr>
+          </a:lnRef>
+          <a:fillRef idx="1">
+            <a:schemeClr val="accent1"/>
+          </a:fillRef>
+          <a:effectRef idx="0">
+            <a:schemeClr val="accent1"/>
+          </a:effectRef>
+          <a:fontRef idx="minor">
+            <a:schemeClr val="lt1"/>
+          </a:fontRef>
+        </p:style>
+        <p:txBody>
+          <a:bodyPr wrap="square" rtlCol="0" anchor="ctr">
+            <a:noAutofit/>
+          </a:bodyPr>
+          <a:lstStyle/>
+          <a:p>
+            <a:pPr algn="ctr"/>
+            <a:endParaRPr lang="en-US"/>
+          </a:p>
+        </p:txBody>
+      </p:sp>
+      <p:pic>
+        <p:nvPicPr>
+          <p:cNvPr id="5" name="Imagem 4">
+            <a:extLst>
+              <a:ext uri="{FF2B5EF4-FFF2-40B4-BE49-F238E27FC236}">
+                <a16:creationId xmlns:a16="http://schemas.microsoft.com/office/drawing/2014/main" id="{10CDDFE8-632B-09E9-FC4A-E6654E5BD7A9}"/>
+              </a:ext>
+            </a:extLst>
+          </p:cNvPr>
+          <p:cNvPicPr>
+            <a:picLocks noChangeAspect="1"/>
+          </p:cNvPicPr>
+          <p:nvPr/>
+        </p:nvPicPr>
+        <p:blipFill>
+          <a:blip r:embed="rId2"/>
+          <a:stretch>
+            <a:fillRect/>
+          </a:stretch>
+        </p:blipFill>
+        <p:spPr>
+          <a:xfrm>
+            <a:off x="1035050" y="604036"/>
+            <a:ext cx="10121900" cy="5568346"/>
           </a:xfrm>
           <a:prstGeom prst="rect">
             <a:avLst/>
           </a:prstGeom>
-          <a:noFill/>
         </p:spPr>
-        <p:txBody>
-          <a:bodyPr wrap="square" rtlCol="0">
-            <a:spAutoFit/>
-          </a:bodyPr>
-          <a:lstStyle/>
-          <a:p>
-            <a:r>
-              <a:rPr lang="pt-BR" sz="2800" dirty="0"/>
-              <a:t>Objetivos mensuráveis são quantificáveis e permitem a avaliação objetiva do progresso.</a:t>
-            </a:r>
-          </a:p>
-          <a:p>
-            <a:endParaRPr lang="pt-BR" sz="2800" dirty="0"/>
-          </a:p>
-          <a:p>
-            <a:r>
-              <a:rPr lang="pt-BR" sz="2800" dirty="0"/>
-              <a:t>Ao definir um objetivo, é fundamental estabelecer critérios mensuráveis. </a:t>
-            </a:r>
-          </a:p>
-          <a:p>
-            <a:endParaRPr lang="pt-BR" sz="2800" dirty="0"/>
-          </a:p>
-          <a:p>
-            <a:r>
-              <a:rPr lang="pt-BR" sz="2800" dirty="0"/>
-              <a:t>Por exemplo, substituir "Melhorar a satisfação do cliente" por "Aumentar a pontuação de satisfação do cliente de 80 para 90 até o final do próximo ano" torna o objetivo mensurável.</a:t>
-            </a:r>
-          </a:p>
-        </p:txBody>
-      </p:sp>
+      </p:pic>
+      <p:pic>
+        <p:nvPicPr>
+          <p:cNvPr id="2" name="Imagem 1" descr="Imagem em preto e branco">
+            <a:extLst>
+              <a:ext uri="{FF2B5EF4-FFF2-40B4-BE49-F238E27FC236}">
+                <a16:creationId xmlns:a16="http://schemas.microsoft.com/office/drawing/2014/main" id="{DB6F5825-9F08-1A64-0055-A0DF170E8DA2}"/>
+              </a:ext>
+            </a:extLst>
+          </p:cNvPr>
+          <p:cNvPicPr>
+            <a:picLocks noChangeAspect="1"/>
+          </p:cNvPicPr>
+          <p:nvPr/>
+        </p:nvPicPr>
+        <p:blipFill>
+          <a:blip r:embed="rId3">
+            <a:extLst>
+              <a:ext uri="{28A0092B-C50C-407E-A947-70E740481C1C}">
+                <a14:useLocalDpi xmlns:a14="http://schemas.microsoft.com/office/drawing/2010/main" val="0"/>
+              </a:ext>
+            </a:extLst>
+          </a:blip>
+          <a:stretch>
+            <a:fillRect/>
+          </a:stretch>
+        </p:blipFill>
+        <p:spPr>
+          <a:xfrm>
+            <a:off x="-7440152" y="516974"/>
+            <a:ext cx="7129695" cy="7129695"/>
+          </a:xfrm>
+          <a:prstGeom prst="rect">
+            <a:avLst/>
+          </a:prstGeom>
+        </p:spPr>
+      </p:pic>
     </p:spTree>
     <p:extLst>
       <p:ext uri="{BB962C8B-B14F-4D97-AF65-F5344CB8AC3E}">
-        <p14:creationId xmlns:p14="http://schemas.microsoft.com/office/powerpoint/2010/main" val="3929302904"/>
+        <p14:creationId xmlns:p14="http://schemas.microsoft.com/office/powerpoint/2010/main" val="3066921730"/>
       </p:ext>
     </p:extLst>
   </p:cSld>
@@ -7373,6 +7143,14 @@
 <file path=ppt/slides/slide8.xml><?xml version="1.0" encoding="utf-8"?>
 <p:sld xmlns:a="http://schemas.openxmlformats.org/drawingml/2006/main" xmlns:r="http://schemas.openxmlformats.org/officeDocument/2006/relationships" xmlns:p="http://schemas.openxmlformats.org/presentationml/2006/main">
   <p:cSld>
+    <p:bg>
+      <p:bgPr>
+        <a:solidFill>
+          <a:schemeClr val="bg1"/>
+        </a:solidFill>
+        <a:effectLst/>
+      </p:bgPr>
+    </p:bg>
     <p:spTree>
       <p:nvGrpSpPr>
         <p:cNvPr id="1" name=""/>
@@ -7389,68 +7167,98 @@
       </p:grpSpPr>
       <p:sp>
         <p:nvSpPr>
-          <p:cNvPr id="3" name="CaixaDeTexto 2">
+          <p:cNvPr id="14" name="Freeform: Shape 13">
             <a:extLst>
               <a:ext uri="{FF2B5EF4-FFF2-40B4-BE49-F238E27FC236}">
-                <a16:creationId xmlns:a16="http://schemas.microsoft.com/office/drawing/2014/main" id="{C1328C8D-C507-1A52-B82C-CD0438DFF5E9}"/>
+                <a16:creationId xmlns:a16="http://schemas.microsoft.com/office/drawing/2014/main" id="{AE192E3E-68A9-4F36-936C-1C8D0B9EF132}"/>
+              </a:ext>
+              <a:ext uri="{C183D7F6-B498-43B3-948B-1728B52AA6E4}">
+                <adec:decorative xmlns:adec="http://schemas.microsoft.com/office/drawing/2017/decorative" val="1"/>
               </a:ext>
             </a:extLst>
           </p:cNvPr>
-          <p:cNvSpPr txBox="1"/>
-          <p:nvPr/>
+          <p:cNvSpPr>
+            <a:spLocks noGrp="1" noRot="1" noChangeAspect="1" noMove="1" noResize="1" noEditPoints="1" noAdjustHandles="1" noChangeArrowheads="1" noChangeShapeType="1" noTextEdit="1"/>
+          </p:cNvSpPr>
+          <p:nvPr>
+            <p:extLst>
+              <p:ext uri="{386F3935-93C4-4BCD-93E2-E3B085C9AB24}">
+                <p16:designElem xmlns:p16="http://schemas.microsoft.com/office/powerpoint/2015/main" val="1"/>
+              </p:ext>
+            </p:extLst>
+          </p:nvPr>
         </p:nvSpPr>
         <p:spPr>
           <a:xfrm>
-            <a:off x="7711929" y="-1348627"/>
-            <a:ext cx="5473595" cy="9248686"/>
+            <a:off x="8803792" y="3455896"/>
+            <a:ext cx="3388208" cy="3406341"/>
           </a:xfrm>
-          <a:prstGeom prst="rect">
+          <a:custGeom>
             <a:avLst/>
-          </a:prstGeom>
-          <a:noFill/>
-        </p:spPr>
-        <p:txBody>
-          <a:bodyPr wrap="square" rtlCol="0">
-            <a:spAutoFit/>
-          </a:bodyPr>
-          <a:lstStyle/>
-          <a:p>
-            <a:r>
-              <a:rPr lang="pt-BR" sz="59500" dirty="0">
-                <a:solidFill>
-                  <a:srgbClr val="30AE77">
-                    <a:alpha val="30000"/>
-                  </a:srgbClr>
-                </a:solidFill>
-                <a:latin typeface="Algerian" panose="04020705040A02060702" pitchFamily="82" charset="0"/>
-              </a:rPr>
-              <a:t>A</a:t>
-            </a:r>
-          </a:p>
-        </p:txBody>
-      </p:sp>
-      <p:sp>
-        <p:nvSpPr>
-          <p:cNvPr id="2" name="Retângulo: Cantos Arredondados 1">
-            <a:extLst>
-              <a:ext uri="{FF2B5EF4-FFF2-40B4-BE49-F238E27FC236}">
-                <a16:creationId xmlns:a16="http://schemas.microsoft.com/office/drawing/2014/main" id="{E8D2D15F-FF3B-6647-918D-EC21CAB929AD}"/>
-              </a:ext>
-            </a:extLst>
-          </p:cNvPr>
-          <p:cNvSpPr/>
-          <p:nvPr/>
-        </p:nvSpPr>
-        <p:spPr>
-          <a:xfrm>
-            <a:off x="941034" y="630315"/>
-            <a:ext cx="4625266" cy="852256"/>
-          </a:xfrm>
-          <a:prstGeom prst="roundRect">
-            <a:avLst/>
-          </a:prstGeom>
+            <a:gdLst>
+              <a:gd name="connsiteX0" fmla="*/ 3388058 w 3388208"/>
+              <a:gd name="connsiteY0" fmla="*/ 0 h 3406341"/>
+              <a:gd name="connsiteX1" fmla="*/ 3388208 w 3388208"/>
+              <a:gd name="connsiteY1" fmla="*/ 0 h 3406341"/>
+              <a:gd name="connsiteX2" fmla="*/ 3388208 w 3388208"/>
+              <a:gd name="connsiteY2" fmla="*/ 3406341 h 3406341"/>
+              <a:gd name="connsiteX3" fmla="*/ 0 w 3388208"/>
+              <a:gd name="connsiteY3" fmla="*/ 3406341 h 3406341"/>
+              <a:gd name="connsiteX4" fmla="*/ 79006 w 3388208"/>
+              <a:gd name="connsiteY4" fmla="*/ 3404386 h 3406341"/>
+              <a:gd name="connsiteX5" fmla="*/ 3383947 w 3388208"/>
+              <a:gd name="connsiteY5" fmla="*/ 164274 h 3406341"/>
+            </a:gdLst>
+            <a:ahLst/>
+            <a:cxnLst>
+              <a:cxn ang="0">
+                <a:pos x="connsiteX0" y="connsiteY0"/>
+              </a:cxn>
+              <a:cxn ang="0">
+                <a:pos x="connsiteX1" y="connsiteY1"/>
+              </a:cxn>
+              <a:cxn ang="0">
+                <a:pos x="connsiteX2" y="connsiteY2"/>
+              </a:cxn>
+              <a:cxn ang="0">
+                <a:pos x="connsiteX3" y="connsiteY3"/>
+              </a:cxn>
+              <a:cxn ang="0">
+                <a:pos x="connsiteX4" y="connsiteY4"/>
+              </a:cxn>
+              <a:cxn ang="0">
+                <a:pos x="connsiteX5" y="connsiteY5"/>
+              </a:cxn>
+            </a:cxnLst>
+            <a:rect l="l" t="t" r="r" b="b"/>
+            <a:pathLst>
+              <a:path w="3388208" h="3406341">
+                <a:moveTo>
+                  <a:pt x="3388058" y="0"/>
+                </a:moveTo>
+                <a:lnTo>
+                  <a:pt x="3388208" y="0"/>
+                </a:lnTo>
+                <a:lnTo>
+                  <a:pt x="3388208" y="3406341"/>
+                </a:lnTo>
+                <a:lnTo>
+                  <a:pt x="0" y="3406341"/>
+                </a:lnTo>
+                <a:lnTo>
+                  <a:pt x="79006" y="3404386"/>
+                </a:lnTo>
+                <a:cubicBezTo>
+                  <a:pt x="1864742" y="3315784"/>
+                  <a:pt x="3296223" y="1912901"/>
+                  <a:pt x="3383947" y="164274"/>
+                </a:cubicBezTo>
+                <a:close/>
+              </a:path>
+            </a:pathLst>
+          </a:custGeom>
           <a:solidFill>
-            <a:srgbClr val="30AE77"/>
+            <a:schemeClr val="accent5"/>
           </a:solidFill>
           <a:ln>
             <a:noFill/>
@@ -7459,7 +7267,85 @@
         <p:style>
           <a:lnRef idx="2">
             <a:schemeClr val="accent1">
-              <a:shade val="15000"/>
+              <a:shade val="50000"/>
+            </a:schemeClr>
+          </a:lnRef>
+          <a:fillRef idx="1">
+            <a:schemeClr val="accent1"/>
+          </a:fillRef>
+          <a:effectRef idx="0">
+            <a:schemeClr val="accent1"/>
+          </a:effectRef>
+          <a:fontRef idx="minor">
+            <a:schemeClr val="lt1"/>
+          </a:fontRef>
+        </p:style>
+        <p:txBody>
+          <a:bodyPr wrap="square" rtlCol="0" anchor="ctr">
+            <a:noAutofit/>
+          </a:bodyPr>
+          <a:lstStyle/>
+          <a:p>
+            <a:pPr algn="ctr"/>
+            <a:endParaRPr lang="en-US"/>
+          </a:p>
+        </p:txBody>
+      </p:sp>
+      <p:sp useBgFill="1">
+        <p:nvSpPr>
+          <p:cNvPr id="16" name="Rectangle 15">
+            <a:extLst>
+              <a:ext uri="{FF2B5EF4-FFF2-40B4-BE49-F238E27FC236}">
+                <a16:creationId xmlns:a16="http://schemas.microsoft.com/office/drawing/2014/main" id="{845648E2-B946-43A1-80DE-C50CBBDF92FA}"/>
+              </a:ext>
+              <a:ext uri="{C183D7F6-B498-43B3-948B-1728B52AA6E4}">
+                <adec:decorative xmlns:adec="http://schemas.microsoft.com/office/drawing/2017/decorative" val="1"/>
+              </a:ext>
+            </a:extLst>
+          </p:cNvPr>
+          <p:cNvSpPr>
+            <a:spLocks noGrp="1" noRot="1" noChangeAspect="1" noMove="1" noResize="1" noEditPoints="1" noAdjustHandles="1" noChangeArrowheads="1" noChangeShapeType="1" noTextEdit="1"/>
+          </p:cNvSpPr>
+          <p:nvPr>
+            <p:extLst>
+              <p:ext uri="{386F3935-93C4-4BCD-93E2-E3B085C9AB24}">
+                <p16:designElem xmlns:p16="http://schemas.microsoft.com/office/powerpoint/2015/main" val="1"/>
+              </p:ext>
+            </p:extLst>
+          </p:nvPr>
+        </p:nvSpPr>
+        <p:spPr>
+          <a:xfrm>
+            <a:off x="0" y="0"/>
+            <a:ext cx="12192000" cy="6858000"/>
+          </a:xfrm>
+          <a:prstGeom prst="rect">
+            <a:avLst/>
+          </a:prstGeom>
+          <a:ln w="12700" cap="flat" cmpd="sng" algn="ctr">
+            <a:noFill/>
+            <a:prstDash val="solid"/>
+            <a:miter lim="800000"/>
+          </a:ln>
+          <a:effectLst/>
+          <a:extLst>
+            <a:ext uri="{91240B29-F687-4F45-9708-019B960494DF}">
+              <a14:hiddenLine xmlns:a14="http://schemas.microsoft.com/office/drawing/2010/main" w="12700" cap="flat" cmpd="sng" algn="ctr">
+                <a:solidFill>
+                  <a:schemeClr val="accent1">
+                    <a:shade val="50000"/>
+                  </a:schemeClr>
+                </a:solidFill>
+                <a:prstDash val="solid"/>
+                <a:miter lim="800000"/>
+              </a14:hiddenLine>
+            </a:ext>
+          </a:extLst>
+        </p:spPr>
+        <p:style>
+          <a:lnRef idx="2">
+            <a:schemeClr val="accent1">
+              <a:shade val="50000"/>
             </a:schemeClr>
           </a:lnRef>
           <a:fillRef idx="1">
@@ -7477,22 +7363,268 @@
           <a:lstStyle/>
           <a:p>
             <a:pPr algn="ctr"/>
-            <a:r>
-              <a:rPr lang="pt-BR" sz="2800" b="1" i="0" dirty="0">
-                <a:effectLst/>
-                <a:latin typeface="Söhne"/>
-              </a:rPr>
-              <a:t>Alcançabilidade (A)</a:t>
-            </a:r>
+            <a:endParaRPr lang="en-US"/>
           </a:p>
         </p:txBody>
       </p:sp>
       <p:sp>
         <p:nvSpPr>
-          <p:cNvPr id="6" name="CaixaDeTexto 5">
+          <p:cNvPr id="18" name="Freeform: Shape 17">
             <a:extLst>
               <a:ext uri="{FF2B5EF4-FFF2-40B4-BE49-F238E27FC236}">
-                <a16:creationId xmlns:a16="http://schemas.microsoft.com/office/drawing/2014/main" id="{CB1EDFA3-A0AA-3539-A6E7-C3BF38E6D408}"/>
+                <a16:creationId xmlns:a16="http://schemas.microsoft.com/office/drawing/2014/main" id="{EA06546B-3E90-4E24-BD32-C6BFD1CD8D20}"/>
+              </a:ext>
+              <a:ext uri="{C183D7F6-B498-43B3-948B-1728B52AA6E4}">
+                <adec:decorative xmlns:adec="http://schemas.microsoft.com/office/drawing/2017/decorative" val="1"/>
+              </a:ext>
+            </a:extLst>
+          </p:cNvPr>
+          <p:cNvSpPr>
+            <a:spLocks noGrp="1" noRot="1" noChangeAspect="1" noMove="1" noResize="1" noEditPoints="1" noAdjustHandles="1" noChangeArrowheads="1" noChangeShapeType="1" noTextEdit="1"/>
+          </p:cNvSpPr>
+          <p:nvPr>
+            <p:extLst>
+              <p:ext uri="{386F3935-93C4-4BCD-93E2-E3B085C9AB24}">
+                <p16:designElem xmlns:p16="http://schemas.microsoft.com/office/powerpoint/2015/main" val="1"/>
+              </p:ext>
+            </p:extLst>
+          </p:nvPr>
+        </p:nvSpPr>
+        <p:spPr>
+          <a:xfrm rot="16200000">
+            <a:off x="8794726" y="-9066"/>
+            <a:ext cx="3388208" cy="3406341"/>
+          </a:xfrm>
+          <a:custGeom>
+            <a:avLst/>
+            <a:gdLst>
+              <a:gd name="connsiteX0" fmla="*/ 3388058 w 3388208"/>
+              <a:gd name="connsiteY0" fmla="*/ 0 h 3406341"/>
+              <a:gd name="connsiteX1" fmla="*/ 3388208 w 3388208"/>
+              <a:gd name="connsiteY1" fmla="*/ 0 h 3406341"/>
+              <a:gd name="connsiteX2" fmla="*/ 3388208 w 3388208"/>
+              <a:gd name="connsiteY2" fmla="*/ 3406341 h 3406341"/>
+              <a:gd name="connsiteX3" fmla="*/ 0 w 3388208"/>
+              <a:gd name="connsiteY3" fmla="*/ 3406341 h 3406341"/>
+              <a:gd name="connsiteX4" fmla="*/ 79006 w 3388208"/>
+              <a:gd name="connsiteY4" fmla="*/ 3404386 h 3406341"/>
+              <a:gd name="connsiteX5" fmla="*/ 3383947 w 3388208"/>
+              <a:gd name="connsiteY5" fmla="*/ 164274 h 3406341"/>
+            </a:gdLst>
+            <a:ahLst/>
+            <a:cxnLst>
+              <a:cxn ang="0">
+                <a:pos x="connsiteX0" y="connsiteY0"/>
+              </a:cxn>
+              <a:cxn ang="0">
+                <a:pos x="connsiteX1" y="connsiteY1"/>
+              </a:cxn>
+              <a:cxn ang="0">
+                <a:pos x="connsiteX2" y="connsiteY2"/>
+              </a:cxn>
+              <a:cxn ang="0">
+                <a:pos x="connsiteX3" y="connsiteY3"/>
+              </a:cxn>
+              <a:cxn ang="0">
+                <a:pos x="connsiteX4" y="connsiteY4"/>
+              </a:cxn>
+              <a:cxn ang="0">
+                <a:pos x="connsiteX5" y="connsiteY5"/>
+              </a:cxn>
+            </a:cxnLst>
+            <a:rect l="l" t="t" r="r" b="b"/>
+            <a:pathLst>
+              <a:path w="3388208" h="3406341">
+                <a:moveTo>
+                  <a:pt x="3388058" y="0"/>
+                </a:moveTo>
+                <a:lnTo>
+                  <a:pt x="3388208" y="0"/>
+                </a:lnTo>
+                <a:lnTo>
+                  <a:pt x="3388208" y="3406341"/>
+                </a:lnTo>
+                <a:lnTo>
+                  <a:pt x="0" y="3406341"/>
+                </a:lnTo>
+                <a:lnTo>
+                  <a:pt x="79006" y="3404386"/>
+                </a:lnTo>
+                <a:cubicBezTo>
+                  <a:pt x="1864742" y="3315784"/>
+                  <a:pt x="3296223" y="1912901"/>
+                  <a:pt x="3383947" y="164274"/>
+                </a:cubicBezTo>
+                <a:close/>
+              </a:path>
+            </a:pathLst>
+          </a:custGeom>
+          <a:solidFill>
+            <a:schemeClr val="accent5"/>
+          </a:solidFill>
+          <a:ln>
+            <a:noFill/>
+          </a:ln>
+        </p:spPr>
+        <p:style>
+          <a:lnRef idx="2">
+            <a:schemeClr val="accent1">
+              <a:shade val="50000"/>
+            </a:schemeClr>
+          </a:lnRef>
+          <a:fillRef idx="1">
+            <a:schemeClr val="accent1"/>
+          </a:fillRef>
+          <a:effectRef idx="0">
+            <a:schemeClr val="accent1"/>
+          </a:effectRef>
+          <a:fontRef idx="minor">
+            <a:schemeClr val="lt1"/>
+          </a:fontRef>
+        </p:style>
+        <p:txBody>
+          <a:bodyPr wrap="square" rtlCol="0" anchor="ctr">
+            <a:noAutofit/>
+          </a:bodyPr>
+          <a:lstStyle/>
+          <a:p>
+            <a:pPr algn="ctr"/>
+            <a:endParaRPr lang="en-US"/>
+          </a:p>
+        </p:txBody>
+      </p:sp>
+      <p:sp>
+        <p:nvSpPr>
+          <p:cNvPr id="20" name="Freeform: Shape 19">
+            <a:extLst>
+              <a:ext uri="{FF2B5EF4-FFF2-40B4-BE49-F238E27FC236}">
+                <a16:creationId xmlns:a16="http://schemas.microsoft.com/office/drawing/2014/main" id="{3FA95682-BEE6-4B33-BA34-7E7BE49782DA}"/>
+              </a:ext>
+              <a:ext uri="{C183D7F6-B498-43B3-948B-1728B52AA6E4}">
+                <adec:decorative xmlns:adec="http://schemas.microsoft.com/office/drawing/2017/decorative" val="1"/>
+              </a:ext>
+            </a:extLst>
+          </p:cNvPr>
+          <p:cNvSpPr>
+            <a:spLocks noGrp="1" noRot="1" noChangeAspect="1" noMove="1" noResize="1" noEditPoints="1" noAdjustHandles="1" noChangeArrowheads="1" noChangeShapeType="1" noTextEdit="1"/>
+          </p:cNvSpPr>
+          <p:nvPr>
+            <p:extLst>
+              <p:ext uri="{386F3935-93C4-4BCD-93E2-E3B085C9AB24}">
+                <p16:designElem xmlns:p16="http://schemas.microsoft.com/office/powerpoint/2015/main" val="1"/>
+              </p:ext>
+            </p:extLst>
+          </p:nvPr>
+        </p:nvSpPr>
+        <p:spPr>
+          <a:xfrm>
+            <a:off x="8803793" y="3455896"/>
+            <a:ext cx="3388208" cy="3406341"/>
+          </a:xfrm>
+          <a:custGeom>
+            <a:avLst/>
+            <a:gdLst>
+              <a:gd name="connsiteX0" fmla="*/ 3388058 w 3388208"/>
+              <a:gd name="connsiteY0" fmla="*/ 0 h 3406341"/>
+              <a:gd name="connsiteX1" fmla="*/ 3388208 w 3388208"/>
+              <a:gd name="connsiteY1" fmla="*/ 0 h 3406341"/>
+              <a:gd name="connsiteX2" fmla="*/ 3388208 w 3388208"/>
+              <a:gd name="connsiteY2" fmla="*/ 3406341 h 3406341"/>
+              <a:gd name="connsiteX3" fmla="*/ 0 w 3388208"/>
+              <a:gd name="connsiteY3" fmla="*/ 3406341 h 3406341"/>
+              <a:gd name="connsiteX4" fmla="*/ 79006 w 3388208"/>
+              <a:gd name="connsiteY4" fmla="*/ 3404386 h 3406341"/>
+              <a:gd name="connsiteX5" fmla="*/ 3383947 w 3388208"/>
+              <a:gd name="connsiteY5" fmla="*/ 164274 h 3406341"/>
+            </a:gdLst>
+            <a:ahLst/>
+            <a:cxnLst>
+              <a:cxn ang="0">
+                <a:pos x="connsiteX0" y="connsiteY0"/>
+              </a:cxn>
+              <a:cxn ang="0">
+                <a:pos x="connsiteX1" y="connsiteY1"/>
+              </a:cxn>
+              <a:cxn ang="0">
+                <a:pos x="connsiteX2" y="connsiteY2"/>
+              </a:cxn>
+              <a:cxn ang="0">
+                <a:pos x="connsiteX3" y="connsiteY3"/>
+              </a:cxn>
+              <a:cxn ang="0">
+                <a:pos x="connsiteX4" y="connsiteY4"/>
+              </a:cxn>
+              <a:cxn ang="0">
+                <a:pos x="connsiteX5" y="connsiteY5"/>
+              </a:cxn>
+            </a:cxnLst>
+            <a:rect l="l" t="t" r="r" b="b"/>
+            <a:pathLst>
+              <a:path w="3388208" h="3406341">
+                <a:moveTo>
+                  <a:pt x="3388058" y="0"/>
+                </a:moveTo>
+                <a:lnTo>
+                  <a:pt x="3388208" y="0"/>
+                </a:lnTo>
+                <a:lnTo>
+                  <a:pt x="3388208" y="3406341"/>
+                </a:lnTo>
+                <a:lnTo>
+                  <a:pt x="0" y="3406341"/>
+                </a:lnTo>
+                <a:lnTo>
+                  <a:pt x="79006" y="3404386"/>
+                </a:lnTo>
+                <a:cubicBezTo>
+                  <a:pt x="1864742" y="3315784"/>
+                  <a:pt x="3296223" y="1912901"/>
+                  <a:pt x="3383947" y="164274"/>
+                </a:cubicBezTo>
+                <a:close/>
+              </a:path>
+            </a:pathLst>
+          </a:custGeom>
+          <a:solidFill>
+            <a:schemeClr val="tx2"/>
+          </a:solidFill>
+          <a:ln>
+            <a:noFill/>
+          </a:ln>
+        </p:spPr>
+        <p:style>
+          <a:lnRef idx="2">
+            <a:schemeClr val="accent1">
+              <a:shade val="50000"/>
+            </a:schemeClr>
+          </a:lnRef>
+          <a:fillRef idx="1">
+            <a:schemeClr val="accent1"/>
+          </a:fillRef>
+          <a:effectRef idx="0">
+            <a:schemeClr val="accent1"/>
+          </a:effectRef>
+          <a:fontRef idx="minor">
+            <a:schemeClr val="lt1"/>
+          </a:fontRef>
+        </p:style>
+        <p:txBody>
+          <a:bodyPr wrap="square" rtlCol="0" anchor="ctr">
+            <a:noAutofit/>
+          </a:bodyPr>
+          <a:lstStyle/>
+          <a:p>
+            <a:pPr algn="ctr"/>
+            <a:endParaRPr lang="en-US"/>
+          </a:p>
+        </p:txBody>
+      </p:sp>
+      <p:sp>
+        <p:nvSpPr>
+          <p:cNvPr id="2" name="CaixaDeTexto 1">
+            <a:extLst>
+              <a:ext uri="{FF2B5EF4-FFF2-40B4-BE49-F238E27FC236}">
+                <a16:creationId xmlns:a16="http://schemas.microsoft.com/office/drawing/2014/main" id="{BC05DC08-BE45-3FE2-18FE-C7C146B26680}"/>
               </a:ext>
             </a:extLst>
           </p:cNvPr>
@@ -7500,9 +7632,9 @@
           <p:nvPr/>
         </p:nvSpPr>
         <p:spPr>
-          <a:xfrm>
-            <a:off x="941034" y="1857827"/>
-            <a:ext cx="11539097" cy="3539430"/>
+          <a:xfrm rot="905548">
+            <a:off x="6367178" y="1417256"/>
+            <a:ext cx="5814832" cy="1569660"/>
           </a:xfrm>
           <a:prstGeom prst="rect">
             <a:avLst/>
@@ -7516,49 +7648,94 @@
           <a:lstStyle/>
           <a:p>
             <a:r>
-              <a:rPr lang="pt-BR" sz="2800" dirty="0"/>
-              <a:t>Objetivos alcançáveis são realistas e factíveis, levando em consideração recursos disponíveis e circunstâncias.</a:t>
+              <a:rPr lang="pt-BR" sz="4800" dirty="0">
+                <a:latin typeface="Gill Sans Ultra Bold" panose="020B0A02020104020203" pitchFamily="34" charset="0"/>
+              </a:rPr>
+              <a:t>Bora </a:t>
             </a:r>
           </a:p>
           <a:p>
-            <a:endParaRPr lang="pt-BR" sz="2800" dirty="0"/>
-          </a:p>
-          <a:p>
             <a:r>
-              <a:rPr lang="pt-BR" sz="2800" dirty="0"/>
-              <a:t>Definir objetivos que são desafiadores, mas ainda alcançáveis, é crucial. </a:t>
+              <a:rPr lang="pt-BR" sz="4800" dirty="0">
+                <a:latin typeface="Gill Sans Ultra Bold" panose="020B0A02020104020203" pitchFamily="34" charset="0"/>
+              </a:rPr>
+              <a:t>Praticar?</a:t>
             </a:r>
-          </a:p>
-          <a:p>
-            <a:endParaRPr lang="pt-BR" sz="2800" dirty="0"/>
-          </a:p>
-          <a:p>
-            <a:r>
-              <a:rPr lang="pt-BR" sz="2800" dirty="0"/>
-              <a:t>Estabelecer metas irrealistas pode levar a desmotivação. </a:t>
-            </a:r>
-          </a:p>
-          <a:p>
-            <a:endParaRPr lang="pt-BR" sz="2800" dirty="0"/>
           </a:p>
         </p:txBody>
       </p:sp>
+      <p:pic>
+        <p:nvPicPr>
+          <p:cNvPr id="4" name="Imagem 3" descr="Imagem em preto e branco">
+            <a:extLst>
+              <a:ext uri="{FF2B5EF4-FFF2-40B4-BE49-F238E27FC236}">
+                <a16:creationId xmlns:a16="http://schemas.microsoft.com/office/drawing/2014/main" id="{84C2F0E3-68C3-C9DA-01BC-00D5E8D7A9AF}"/>
+              </a:ext>
+            </a:extLst>
+          </p:cNvPr>
+          <p:cNvPicPr>
+            <a:picLocks noChangeAspect="1"/>
+          </p:cNvPicPr>
+          <p:nvPr/>
+        </p:nvPicPr>
+        <p:blipFill>
+          <a:blip r:embed="rId2">
+            <a:extLst>
+              <a:ext uri="{28A0092B-C50C-407E-A947-70E740481C1C}">
+                <a14:useLocalDpi xmlns:a14="http://schemas.microsoft.com/office/drawing/2010/main" val="0"/>
+              </a:ext>
+            </a:extLst>
+          </a:blip>
+          <a:stretch>
+            <a:fillRect/>
+          </a:stretch>
+        </p:blipFill>
+        <p:spPr>
+          <a:xfrm>
+            <a:off x="-326803" y="516974"/>
+            <a:ext cx="7129695" cy="7129695"/>
+          </a:xfrm>
+          <a:prstGeom prst="rect">
+            <a:avLst/>
+          </a:prstGeom>
+        </p:spPr>
+      </p:pic>
     </p:spTree>
     <p:extLst>
       <p:ext uri="{BB962C8B-B14F-4D97-AF65-F5344CB8AC3E}">
-        <p14:creationId xmlns:p14="http://schemas.microsoft.com/office/powerpoint/2010/main" val="3183252946"/>
+        <p14:creationId xmlns:p14="http://schemas.microsoft.com/office/powerpoint/2010/main" val="59412403"/>
       </p:ext>
     </p:extLst>
   </p:cSld>
   <p:clrMapOvr>
     <a:masterClrMapping/>
   </p:clrMapOvr>
+  <mc:AlternateContent xmlns:mc="http://schemas.openxmlformats.org/markup-compatibility/2006">
+    <mc:Choice xmlns:p159="http://schemas.microsoft.com/office/powerpoint/2015/09/main" Requires="p159">
+      <p:transition xmlns:p14="http://schemas.microsoft.com/office/powerpoint/2010/main" spd="slow" p14:dur="2000">
+        <p159:morph option="byObject"/>
+      </p:transition>
+    </mc:Choice>
+    <mc:Fallback>
+      <p:transition spd="slow">
+        <p:fade/>
+      </p:transition>
+    </mc:Fallback>
+  </mc:AlternateContent>
 </p:sld>
 </file>
 
 <file path=ppt/slides/slide9.xml><?xml version="1.0" encoding="utf-8"?>
 <p:sld xmlns:a="http://schemas.openxmlformats.org/drawingml/2006/main" xmlns:r="http://schemas.openxmlformats.org/officeDocument/2006/relationships" xmlns:p="http://schemas.openxmlformats.org/presentationml/2006/main">
   <p:cSld>
+    <p:bg>
+      <p:bgPr>
+        <a:solidFill>
+          <a:schemeClr val="bg1"/>
+        </a:solidFill>
+        <a:effectLst/>
+      </p:bgPr>
+    </p:bg>
     <p:spTree>
       <p:nvGrpSpPr>
         <p:cNvPr id="1" name=""/>
@@ -7575,68 +7752,98 @@
       </p:grpSpPr>
       <p:sp>
         <p:nvSpPr>
-          <p:cNvPr id="3" name="CaixaDeTexto 2">
+          <p:cNvPr id="25" name="Freeform: Shape 24">
             <a:extLst>
               <a:ext uri="{FF2B5EF4-FFF2-40B4-BE49-F238E27FC236}">
-                <a16:creationId xmlns:a16="http://schemas.microsoft.com/office/drawing/2014/main" id="{C1328C8D-C507-1A52-B82C-CD0438DFF5E9}"/>
+                <a16:creationId xmlns:a16="http://schemas.microsoft.com/office/drawing/2014/main" id="{AE192E3E-68A9-4F36-936C-1C8D0B9EF132}"/>
+              </a:ext>
+              <a:ext uri="{C183D7F6-B498-43B3-948B-1728B52AA6E4}">
+                <adec:decorative xmlns:adec="http://schemas.microsoft.com/office/drawing/2017/decorative" val="1"/>
               </a:ext>
             </a:extLst>
           </p:cNvPr>
-          <p:cNvSpPr txBox="1"/>
-          <p:nvPr/>
+          <p:cNvSpPr>
+            <a:spLocks noGrp="1" noRot="1" noChangeAspect="1" noMove="1" noResize="1" noEditPoints="1" noAdjustHandles="1" noChangeArrowheads="1" noChangeShapeType="1" noTextEdit="1"/>
+          </p:cNvSpPr>
+          <p:nvPr>
+            <p:extLst>
+              <p:ext uri="{386F3935-93C4-4BCD-93E2-E3B085C9AB24}">
+                <p16:designElem xmlns:p16="http://schemas.microsoft.com/office/powerpoint/2015/main" val="1"/>
+              </p:ext>
+            </p:extLst>
+          </p:nvPr>
         </p:nvSpPr>
         <p:spPr>
           <a:xfrm>
-            <a:off x="-441063" y="-1348627"/>
-            <a:ext cx="5473595" cy="9248686"/>
+            <a:off x="8803792" y="3455896"/>
+            <a:ext cx="3388208" cy="3406341"/>
           </a:xfrm>
-          <a:prstGeom prst="rect">
+          <a:custGeom>
             <a:avLst/>
-          </a:prstGeom>
-          <a:noFill/>
-        </p:spPr>
-        <p:txBody>
-          <a:bodyPr wrap="square" rtlCol="0">
-            <a:spAutoFit/>
-          </a:bodyPr>
-          <a:lstStyle/>
-          <a:p>
-            <a:r>
-              <a:rPr lang="pt-BR" sz="59500" dirty="0">
-                <a:solidFill>
-                  <a:srgbClr val="EC6B55">
-                    <a:alpha val="30000"/>
-                  </a:srgbClr>
-                </a:solidFill>
-                <a:latin typeface="Algerian" panose="04020705040A02060702" pitchFamily="82" charset="0"/>
-              </a:rPr>
-              <a:t>R</a:t>
-            </a:r>
-          </a:p>
-        </p:txBody>
-      </p:sp>
-      <p:sp>
-        <p:nvSpPr>
-          <p:cNvPr id="2" name="Retângulo: Cantos Arredondados 1">
-            <a:extLst>
-              <a:ext uri="{FF2B5EF4-FFF2-40B4-BE49-F238E27FC236}">
-                <a16:creationId xmlns:a16="http://schemas.microsoft.com/office/drawing/2014/main" id="{E8D2D15F-FF3B-6647-918D-EC21CAB929AD}"/>
-              </a:ext>
-            </a:extLst>
-          </p:cNvPr>
-          <p:cNvSpPr/>
-          <p:nvPr/>
-        </p:nvSpPr>
-        <p:spPr>
-          <a:xfrm>
-            <a:off x="941034" y="630315"/>
-            <a:ext cx="4625266" cy="852256"/>
-          </a:xfrm>
-          <a:prstGeom prst="roundRect">
-            <a:avLst/>
-          </a:prstGeom>
+            <a:gdLst>
+              <a:gd name="connsiteX0" fmla="*/ 3388058 w 3388208"/>
+              <a:gd name="connsiteY0" fmla="*/ 0 h 3406341"/>
+              <a:gd name="connsiteX1" fmla="*/ 3388208 w 3388208"/>
+              <a:gd name="connsiteY1" fmla="*/ 0 h 3406341"/>
+              <a:gd name="connsiteX2" fmla="*/ 3388208 w 3388208"/>
+              <a:gd name="connsiteY2" fmla="*/ 3406341 h 3406341"/>
+              <a:gd name="connsiteX3" fmla="*/ 0 w 3388208"/>
+              <a:gd name="connsiteY3" fmla="*/ 3406341 h 3406341"/>
+              <a:gd name="connsiteX4" fmla="*/ 79006 w 3388208"/>
+              <a:gd name="connsiteY4" fmla="*/ 3404386 h 3406341"/>
+              <a:gd name="connsiteX5" fmla="*/ 3383947 w 3388208"/>
+              <a:gd name="connsiteY5" fmla="*/ 164274 h 3406341"/>
+            </a:gdLst>
+            <a:ahLst/>
+            <a:cxnLst>
+              <a:cxn ang="0">
+                <a:pos x="connsiteX0" y="connsiteY0"/>
+              </a:cxn>
+              <a:cxn ang="0">
+                <a:pos x="connsiteX1" y="connsiteY1"/>
+              </a:cxn>
+              <a:cxn ang="0">
+                <a:pos x="connsiteX2" y="connsiteY2"/>
+              </a:cxn>
+              <a:cxn ang="0">
+                <a:pos x="connsiteX3" y="connsiteY3"/>
+              </a:cxn>
+              <a:cxn ang="0">
+                <a:pos x="connsiteX4" y="connsiteY4"/>
+              </a:cxn>
+              <a:cxn ang="0">
+                <a:pos x="connsiteX5" y="connsiteY5"/>
+              </a:cxn>
+            </a:cxnLst>
+            <a:rect l="l" t="t" r="r" b="b"/>
+            <a:pathLst>
+              <a:path w="3388208" h="3406341">
+                <a:moveTo>
+                  <a:pt x="3388058" y="0"/>
+                </a:moveTo>
+                <a:lnTo>
+                  <a:pt x="3388208" y="0"/>
+                </a:lnTo>
+                <a:lnTo>
+                  <a:pt x="3388208" y="3406341"/>
+                </a:lnTo>
+                <a:lnTo>
+                  <a:pt x="0" y="3406341"/>
+                </a:lnTo>
+                <a:lnTo>
+                  <a:pt x="79006" y="3404386"/>
+                </a:lnTo>
+                <a:cubicBezTo>
+                  <a:pt x="1864742" y="3315784"/>
+                  <a:pt x="3296223" y="1912901"/>
+                  <a:pt x="3383947" y="164274"/>
+                </a:cubicBezTo>
+                <a:close/>
+              </a:path>
+            </a:pathLst>
+          </a:custGeom>
           <a:solidFill>
-            <a:srgbClr val="EC6B55"/>
+            <a:schemeClr val="accent5"/>
           </a:solidFill>
           <a:ln>
             <a:noFill/>
@@ -7645,7 +7852,85 @@
         <p:style>
           <a:lnRef idx="2">
             <a:schemeClr val="accent1">
-              <a:shade val="15000"/>
+              <a:shade val="50000"/>
+            </a:schemeClr>
+          </a:lnRef>
+          <a:fillRef idx="1">
+            <a:schemeClr val="accent1"/>
+          </a:fillRef>
+          <a:effectRef idx="0">
+            <a:schemeClr val="accent1"/>
+          </a:effectRef>
+          <a:fontRef idx="minor">
+            <a:schemeClr val="lt1"/>
+          </a:fontRef>
+        </p:style>
+        <p:txBody>
+          <a:bodyPr wrap="square" rtlCol="0" anchor="ctr">
+            <a:noAutofit/>
+          </a:bodyPr>
+          <a:lstStyle/>
+          <a:p>
+            <a:pPr algn="ctr"/>
+            <a:endParaRPr lang="en-US"/>
+          </a:p>
+        </p:txBody>
+      </p:sp>
+      <p:sp useBgFill="1">
+        <p:nvSpPr>
+          <p:cNvPr id="27" name="Rectangle 26">
+            <a:extLst>
+              <a:ext uri="{FF2B5EF4-FFF2-40B4-BE49-F238E27FC236}">
+                <a16:creationId xmlns:a16="http://schemas.microsoft.com/office/drawing/2014/main" id="{998D6E90-577B-4973-B60A-2700290E68B3}"/>
+              </a:ext>
+              <a:ext uri="{C183D7F6-B498-43B3-948B-1728B52AA6E4}">
+                <adec:decorative xmlns:adec="http://schemas.microsoft.com/office/drawing/2017/decorative" val="1"/>
+              </a:ext>
+            </a:extLst>
+          </p:cNvPr>
+          <p:cNvSpPr>
+            <a:spLocks noGrp="1" noRot="1" noChangeAspect="1" noMove="1" noResize="1" noEditPoints="1" noAdjustHandles="1" noChangeArrowheads="1" noChangeShapeType="1" noTextEdit="1"/>
+          </p:cNvSpPr>
+          <p:nvPr>
+            <p:extLst>
+              <p:ext uri="{386F3935-93C4-4BCD-93E2-E3B085C9AB24}">
+                <p16:designElem xmlns:p16="http://schemas.microsoft.com/office/powerpoint/2015/main" val="1"/>
+              </p:ext>
+            </p:extLst>
+          </p:nvPr>
+        </p:nvSpPr>
+        <p:spPr>
+          <a:xfrm>
+            <a:off x="0" y="0"/>
+            <a:ext cx="12192000" cy="6858000"/>
+          </a:xfrm>
+          <a:prstGeom prst="rect">
+            <a:avLst/>
+          </a:prstGeom>
+          <a:ln w="12700" cap="flat" cmpd="sng" algn="ctr">
+            <a:noFill/>
+            <a:prstDash val="solid"/>
+            <a:miter lim="800000"/>
+          </a:ln>
+          <a:effectLst/>
+          <a:extLst>
+            <a:ext uri="{91240B29-F687-4F45-9708-019B960494DF}">
+              <a14:hiddenLine xmlns:a14="http://schemas.microsoft.com/office/drawing/2010/main" w="12700" cap="flat" cmpd="sng" algn="ctr">
+                <a:solidFill>
+                  <a:schemeClr val="accent1">
+                    <a:shade val="50000"/>
+                  </a:schemeClr>
+                </a:solidFill>
+                <a:prstDash val="solid"/>
+                <a:miter lim="800000"/>
+              </a14:hiddenLine>
+            </a:ext>
+          </a:extLst>
+        </p:spPr>
+        <p:style>
+          <a:lnRef idx="2">
+            <a:schemeClr val="accent1">
+              <a:shade val="50000"/>
             </a:schemeClr>
           </a:lnRef>
           <a:fillRef idx="1">
@@ -7663,73 +7948,2611 @@
           <a:lstStyle/>
           <a:p>
             <a:pPr algn="ctr"/>
-            <a:r>
-              <a:rPr lang="pt-BR" sz="3600" b="1" i="0" dirty="0">
-                <a:effectLst/>
-                <a:latin typeface="Söhne"/>
-              </a:rPr>
-              <a:t>Relevância (R)</a:t>
-            </a:r>
+            <a:endParaRPr lang="en-US"/>
           </a:p>
         </p:txBody>
       </p:sp>
       <p:sp>
         <p:nvSpPr>
-          <p:cNvPr id="6" name="CaixaDeTexto 5">
+          <p:cNvPr id="29" name="Freeform: Shape 28">
             <a:extLst>
               <a:ext uri="{FF2B5EF4-FFF2-40B4-BE49-F238E27FC236}">
-                <a16:creationId xmlns:a16="http://schemas.microsoft.com/office/drawing/2014/main" id="{CB1EDFA3-A0AA-3539-A6E7-C3BF38E6D408}"/>
+                <a16:creationId xmlns:a16="http://schemas.microsoft.com/office/drawing/2014/main" id="{3FA95682-BEE6-4B33-BA34-7E7BE49782DA}"/>
+              </a:ext>
+              <a:ext uri="{C183D7F6-B498-43B3-948B-1728B52AA6E4}">
+                <adec:decorative xmlns:adec="http://schemas.microsoft.com/office/drawing/2017/decorative" val="1"/>
               </a:ext>
             </a:extLst>
           </p:cNvPr>
-          <p:cNvSpPr txBox="1"/>
-          <p:nvPr/>
+          <p:cNvSpPr>
+            <a:spLocks noGrp="1" noRot="1" noChangeAspect="1" noMove="1" noResize="1" noEditPoints="1" noAdjustHandles="1" noChangeArrowheads="1" noChangeShapeType="1" noTextEdit="1"/>
+          </p:cNvSpPr>
+          <p:nvPr>
+            <p:extLst>
+              <p:ext uri="{386F3935-93C4-4BCD-93E2-E3B085C9AB24}">
+                <p16:designElem xmlns:p16="http://schemas.microsoft.com/office/powerpoint/2015/main" val="1"/>
+              </p:ext>
+            </p:extLst>
+          </p:nvPr>
         </p:nvSpPr>
         <p:spPr>
           <a:xfrm>
-            <a:off x="692309" y="1857827"/>
-            <a:ext cx="10991691" cy="3970318"/>
+            <a:off x="8803792" y="3455896"/>
+            <a:ext cx="3388208" cy="3406341"/>
           </a:xfrm>
-          <a:prstGeom prst="rect">
+          <a:custGeom>
             <a:avLst/>
-          </a:prstGeom>
-          <a:noFill/>
+            <a:gdLst>
+              <a:gd name="connsiteX0" fmla="*/ 3388058 w 3388208"/>
+              <a:gd name="connsiteY0" fmla="*/ 0 h 3406341"/>
+              <a:gd name="connsiteX1" fmla="*/ 3388208 w 3388208"/>
+              <a:gd name="connsiteY1" fmla="*/ 0 h 3406341"/>
+              <a:gd name="connsiteX2" fmla="*/ 3388208 w 3388208"/>
+              <a:gd name="connsiteY2" fmla="*/ 3406341 h 3406341"/>
+              <a:gd name="connsiteX3" fmla="*/ 0 w 3388208"/>
+              <a:gd name="connsiteY3" fmla="*/ 3406341 h 3406341"/>
+              <a:gd name="connsiteX4" fmla="*/ 79006 w 3388208"/>
+              <a:gd name="connsiteY4" fmla="*/ 3404386 h 3406341"/>
+              <a:gd name="connsiteX5" fmla="*/ 3383947 w 3388208"/>
+              <a:gd name="connsiteY5" fmla="*/ 164274 h 3406341"/>
+            </a:gdLst>
+            <a:ahLst/>
+            <a:cxnLst>
+              <a:cxn ang="0">
+                <a:pos x="connsiteX0" y="connsiteY0"/>
+              </a:cxn>
+              <a:cxn ang="0">
+                <a:pos x="connsiteX1" y="connsiteY1"/>
+              </a:cxn>
+              <a:cxn ang="0">
+                <a:pos x="connsiteX2" y="connsiteY2"/>
+              </a:cxn>
+              <a:cxn ang="0">
+                <a:pos x="connsiteX3" y="connsiteY3"/>
+              </a:cxn>
+              <a:cxn ang="0">
+                <a:pos x="connsiteX4" y="connsiteY4"/>
+              </a:cxn>
+              <a:cxn ang="0">
+                <a:pos x="connsiteX5" y="connsiteY5"/>
+              </a:cxn>
+            </a:cxnLst>
+            <a:rect l="l" t="t" r="r" b="b"/>
+            <a:pathLst>
+              <a:path w="3388208" h="3406341">
+                <a:moveTo>
+                  <a:pt x="3388058" y="0"/>
+                </a:moveTo>
+                <a:lnTo>
+                  <a:pt x="3388208" y="0"/>
+                </a:lnTo>
+                <a:lnTo>
+                  <a:pt x="3388208" y="3406341"/>
+                </a:lnTo>
+                <a:lnTo>
+                  <a:pt x="0" y="3406341"/>
+                </a:lnTo>
+                <a:lnTo>
+                  <a:pt x="79006" y="3404386"/>
+                </a:lnTo>
+                <a:cubicBezTo>
+                  <a:pt x="1864742" y="3315784"/>
+                  <a:pt x="3296223" y="1912901"/>
+                  <a:pt x="3383947" y="164274"/>
+                </a:cubicBezTo>
+                <a:close/>
+              </a:path>
+            </a:pathLst>
+          </a:custGeom>
+          <a:solidFill>
+            <a:schemeClr val="accent5"/>
+          </a:solidFill>
+          <a:ln>
+            <a:noFill/>
+          </a:ln>
         </p:spPr>
+        <p:style>
+          <a:lnRef idx="2">
+            <a:schemeClr val="accent1">
+              <a:shade val="50000"/>
+            </a:schemeClr>
+          </a:lnRef>
+          <a:fillRef idx="1">
+            <a:schemeClr val="accent1"/>
+          </a:fillRef>
+          <a:effectRef idx="0">
+            <a:schemeClr val="accent1"/>
+          </a:effectRef>
+          <a:fontRef idx="minor">
+            <a:schemeClr val="lt1"/>
+          </a:fontRef>
+        </p:style>
         <p:txBody>
-          <a:bodyPr wrap="square" rtlCol="0">
-            <a:spAutoFit/>
+          <a:bodyPr wrap="square" rtlCol="0" anchor="ctr">
+            <a:noAutofit/>
           </a:bodyPr>
           <a:lstStyle/>
           <a:p>
-            <a:r>
-              <a:rPr lang="pt-BR" sz="2800" dirty="0"/>
-              <a:t>Objetivos relevantes estão alinhados aos objetivos gerais da organização e são significativos para as partes interessadas.</a:t>
-            </a:r>
-          </a:p>
-          <a:p>
-            <a:endParaRPr lang="pt-BR" sz="2800" dirty="0"/>
-          </a:p>
-          <a:p>
-            <a:r>
-              <a:rPr lang="pt-BR" sz="2800" dirty="0"/>
-              <a:t>Cada objetivo deve contribuir para os objetivos globais da organização. </a:t>
-            </a:r>
-          </a:p>
-          <a:p>
-            <a:endParaRPr lang="pt-BR" sz="2800" dirty="0"/>
-          </a:p>
-          <a:p>
-            <a:r>
-              <a:rPr lang="pt-BR" sz="2800" dirty="0"/>
-              <a:t>Por exemplo, se o objetivo geral é melhorar a eficiência operacional, um objetivo relevante pode ser "Reduzir o tempo de ciclo do processo em 20%".</a:t>
-            </a:r>
+            <a:pPr algn="ctr"/>
+            <a:endParaRPr lang="en-US"/>
           </a:p>
         </p:txBody>
       </p:sp>
+      <p:graphicFrame>
+        <p:nvGraphicFramePr>
+          <p:cNvPr id="3" name="Tabela 2">
+            <a:extLst>
+              <a:ext uri="{FF2B5EF4-FFF2-40B4-BE49-F238E27FC236}">
+                <a16:creationId xmlns:a16="http://schemas.microsoft.com/office/drawing/2014/main" id="{7BFD0761-9110-43C8-C5B8-5D2143E2BA90}"/>
+              </a:ext>
+            </a:extLst>
+          </p:cNvPr>
+          <p:cNvGraphicFramePr>
+            <a:graphicFrameLocks noGrp="1"/>
+          </p:cNvGraphicFramePr>
+          <p:nvPr>
+            <p:extLst>
+              <p:ext uri="{D42A27DB-BD31-4B8C-83A1-F6EECF244321}">
+                <p14:modId xmlns:p14="http://schemas.microsoft.com/office/powerpoint/2010/main" val="3465111149"/>
+              </p:ext>
+            </p:extLst>
+          </p:nvPr>
+        </p:nvGraphicFramePr>
+        <p:xfrm>
+          <a:off x="1049310" y="400058"/>
+          <a:ext cx="10093379" cy="6111676"/>
+        </p:xfrm>
+        <a:graphic>
+          <a:graphicData uri="http://schemas.openxmlformats.org/drawingml/2006/table">
+            <a:tbl>
+              <a:tblPr firstRow="1" bandRow="1">
+                <a:solidFill>
+                  <a:schemeClr val="tx1">
+                    <a:lumMod val="65000"/>
+                    <a:lumOff val="35000"/>
+                  </a:schemeClr>
+                </a:solidFill>
+              </a:tblPr>
+              <a:tblGrid>
+                <a:gridCol w="1464958">
+                  <a:extLst>
+                    <a:ext uri="{9D8B030D-6E8A-4147-A177-3AD203B41FA5}">
+                      <a16:colId xmlns:a16="http://schemas.microsoft.com/office/drawing/2014/main" val="1788510173"/>
+                    </a:ext>
+                  </a:extLst>
+                </a:gridCol>
+                <a:gridCol w="4550507">
+                  <a:extLst>
+                    <a:ext uri="{9D8B030D-6E8A-4147-A177-3AD203B41FA5}">
+                      <a16:colId xmlns:a16="http://schemas.microsoft.com/office/drawing/2014/main" val="1612712398"/>
+                    </a:ext>
+                  </a:extLst>
+                </a:gridCol>
+                <a:gridCol w="2200620">
+                  <a:extLst>
+                    <a:ext uri="{9D8B030D-6E8A-4147-A177-3AD203B41FA5}">
+                      <a16:colId xmlns:a16="http://schemas.microsoft.com/office/drawing/2014/main" val="994731106"/>
+                    </a:ext>
+                  </a:extLst>
+                </a:gridCol>
+                <a:gridCol w="1877294">
+                  <a:extLst>
+                    <a:ext uri="{9D8B030D-6E8A-4147-A177-3AD203B41FA5}">
+                      <a16:colId xmlns:a16="http://schemas.microsoft.com/office/drawing/2014/main" val="2975678098"/>
+                    </a:ext>
+                  </a:extLst>
+                </a:gridCol>
+              </a:tblGrid>
+              <a:tr h="539525">
+                <a:tc>
+                  <a:txBody>
+                    <a:bodyPr/>
+                    <a:lstStyle/>
+                    <a:p>
+                      <a:pPr algn="ctr" fontAlgn="b"/>
+                      <a:r>
+                        <a:rPr lang="pt-BR" sz="1600" b="1" cap="all" spc="60" dirty="0">
+                          <a:solidFill>
+                            <a:schemeClr val="bg1"/>
+                          </a:solidFill>
+                          <a:effectLst/>
+                          <a:latin typeface="OpenSans"/>
+                        </a:rPr>
+                        <a:t>Atividade</a:t>
+                      </a:r>
+                    </a:p>
+                  </a:txBody>
+                  <a:tcPr marL="117640" marR="117640" marT="117640" marB="117640" anchor="ctr">
+                    <a:lnL w="12700" cmpd="sng">
+                      <a:noFill/>
+                    </a:lnL>
+                    <a:lnR w="12700" cmpd="sng">
+                      <a:noFill/>
+                    </a:lnR>
+                    <a:lnT w="12700" cmpd="sng">
+                      <a:noFill/>
+                    </a:lnT>
+                    <a:lnB w="38100" cmpd="sng">
+                      <a:noFill/>
+                    </a:lnB>
+                    <a:solidFill>
+                      <a:schemeClr val="accent2"/>
+                    </a:solidFill>
+                  </a:tcPr>
+                </a:tc>
+                <a:tc>
+                  <a:txBody>
+                    <a:bodyPr/>
+                    <a:lstStyle/>
+                    <a:p>
+                      <a:pPr algn="ctr" fontAlgn="b"/>
+                      <a:r>
+                        <a:rPr lang="pt-BR" sz="1600" b="1" cap="all" spc="60" dirty="0">
+                          <a:solidFill>
+                            <a:schemeClr val="bg1"/>
+                          </a:solidFill>
+                          <a:effectLst/>
+                          <a:latin typeface="OpenSans"/>
+                        </a:rPr>
+                        <a:t>Descrição</a:t>
+                      </a:r>
+                    </a:p>
+                  </a:txBody>
+                  <a:tcPr marL="117640" marR="117640" marT="117640" marB="117640" anchor="ctr">
+                    <a:lnL w="12700" cmpd="sng">
+                      <a:noFill/>
+                    </a:lnL>
+                    <a:lnR w="12700" cmpd="sng">
+                      <a:noFill/>
+                    </a:lnR>
+                    <a:lnT w="12700" cmpd="sng">
+                      <a:noFill/>
+                    </a:lnT>
+                    <a:lnB w="38100" cmpd="sng">
+                      <a:noFill/>
+                    </a:lnB>
+                    <a:solidFill>
+                      <a:schemeClr val="accent2"/>
+                    </a:solidFill>
+                  </a:tcPr>
+                </a:tc>
+                <a:tc>
+                  <a:txBody>
+                    <a:bodyPr/>
+                    <a:lstStyle/>
+                    <a:p>
+                      <a:pPr algn="ctr" fontAlgn="b"/>
+                      <a:r>
+                        <a:rPr lang="pt-BR" sz="1600" b="1" cap="all" spc="60">
+                          <a:solidFill>
+                            <a:schemeClr val="bg1"/>
+                          </a:solidFill>
+                          <a:effectLst/>
+                          <a:latin typeface="OpenSans"/>
+                        </a:rPr>
+                        <a:t>Estimativa (dias)</a:t>
+                      </a:r>
+                    </a:p>
+                  </a:txBody>
+                  <a:tcPr marL="117640" marR="117640" marT="117640" marB="117640" anchor="ctr">
+                    <a:lnL w="12700" cmpd="sng">
+                      <a:noFill/>
+                    </a:lnL>
+                    <a:lnR w="12700" cmpd="sng">
+                      <a:noFill/>
+                    </a:lnR>
+                    <a:lnT w="12700" cmpd="sng">
+                      <a:noFill/>
+                    </a:lnT>
+                    <a:lnB w="38100" cmpd="sng">
+                      <a:noFill/>
+                    </a:lnB>
+                    <a:solidFill>
+                      <a:schemeClr val="accent2"/>
+                    </a:solidFill>
+                  </a:tcPr>
+                </a:tc>
+                <a:tc>
+                  <a:txBody>
+                    <a:bodyPr/>
+                    <a:lstStyle/>
+                    <a:p>
+                      <a:pPr algn="ctr" fontAlgn="b"/>
+                      <a:r>
+                        <a:rPr lang="pt-BR" sz="1600" b="1" cap="all" spc="60" dirty="0">
+                          <a:solidFill>
+                            <a:schemeClr val="bg1"/>
+                          </a:solidFill>
+                          <a:effectLst/>
+                          <a:latin typeface="OpenSans"/>
+                        </a:rPr>
+                        <a:t>Dependências</a:t>
+                      </a:r>
+                    </a:p>
+                  </a:txBody>
+                  <a:tcPr marL="117640" marR="117640" marT="117640" marB="117640" anchor="ctr">
+                    <a:lnL w="12700" cmpd="sng">
+                      <a:noFill/>
+                    </a:lnL>
+                    <a:lnR w="12700" cmpd="sng">
+                      <a:noFill/>
+                    </a:lnR>
+                    <a:lnT w="12700" cmpd="sng">
+                      <a:noFill/>
+                    </a:lnT>
+                    <a:lnB w="38100" cmpd="sng">
+                      <a:noFill/>
+                    </a:lnB>
+                    <a:solidFill>
+                      <a:schemeClr val="accent2"/>
+                    </a:solidFill>
+                  </a:tcPr>
+                </a:tc>
+                <a:extLst>
+                  <a:ext uri="{0D108BD9-81ED-4DB2-BD59-A6C34878D82A}">
+                    <a16:rowId xmlns:a16="http://schemas.microsoft.com/office/drawing/2014/main" val="1093321074"/>
+                  </a:ext>
+                </a:extLst>
+              </a:tr>
+              <a:tr h="428627">
+                <a:tc>
+                  <a:txBody>
+                    <a:bodyPr/>
+                    <a:lstStyle/>
+                    <a:p>
+                      <a:pPr algn="ctr" fontAlgn="t"/>
+                      <a:r>
+                        <a:rPr lang="pt-BR" sz="1400" cap="none" spc="0">
+                          <a:solidFill>
+                            <a:schemeClr val="bg1"/>
+                          </a:solidFill>
+                          <a:effectLst/>
+                          <a:latin typeface="OpenSans"/>
+                        </a:rPr>
+                        <a:t>A</a:t>
+                      </a:r>
+                    </a:p>
+                  </a:txBody>
+                  <a:tcPr marL="35036" marR="35036" marT="17518" marB="78427" anchor="ctr">
+                    <a:lnL w="12700" cmpd="sng">
+                      <a:noFill/>
+                      <a:prstDash val="solid"/>
+                    </a:lnL>
+                    <a:lnR w="12700" cmpd="sng">
+                      <a:noFill/>
+                      <a:prstDash val="solid"/>
+                    </a:lnR>
+                    <a:lnT w="38100" cmpd="sng">
+                      <a:noFill/>
+                    </a:lnT>
+                    <a:lnB w="12700" cmpd="sng">
+                      <a:noFill/>
+                      <a:prstDash val="solid"/>
+                    </a:lnB>
+                    <a:solidFill>
+                      <a:schemeClr val="tx1">
+                        <a:lumMod val="65000"/>
+                        <a:lumOff val="35000"/>
+                      </a:schemeClr>
+                    </a:solidFill>
+                  </a:tcPr>
+                </a:tc>
+                <a:tc>
+                  <a:txBody>
+                    <a:bodyPr/>
+                    <a:lstStyle/>
+                    <a:p>
+                      <a:pPr algn="ctr" fontAlgn="t"/>
+                      <a:r>
+                        <a:rPr lang="pt-BR" sz="1400" cap="none" spc="0">
+                          <a:solidFill>
+                            <a:schemeClr val="bg1"/>
+                          </a:solidFill>
+                          <a:effectLst/>
+                          <a:latin typeface="OpenSans"/>
+                        </a:rPr>
+                        <a:t>Levantamento de Requisitos</a:t>
+                      </a:r>
+                    </a:p>
+                  </a:txBody>
+                  <a:tcPr marL="35036" marR="35036" marT="17518" marB="78427" anchor="ctr">
+                    <a:lnL w="12700" cmpd="sng">
+                      <a:noFill/>
+                      <a:prstDash val="solid"/>
+                    </a:lnL>
+                    <a:lnR w="12700" cmpd="sng">
+                      <a:noFill/>
+                      <a:prstDash val="solid"/>
+                    </a:lnR>
+                    <a:lnT w="38100" cmpd="sng">
+                      <a:noFill/>
+                    </a:lnT>
+                    <a:lnB w="12700" cmpd="sng">
+                      <a:noFill/>
+                      <a:prstDash val="solid"/>
+                    </a:lnB>
+                    <a:solidFill>
+                      <a:schemeClr val="tx1">
+                        <a:lumMod val="65000"/>
+                        <a:lumOff val="35000"/>
+                      </a:schemeClr>
+                    </a:solidFill>
+                  </a:tcPr>
+                </a:tc>
+                <a:tc>
+                  <a:txBody>
+                    <a:bodyPr/>
+                    <a:lstStyle/>
+                    <a:p>
+                      <a:pPr algn="ctr" fontAlgn="t"/>
+                      <a:r>
+                        <a:rPr lang="pt-BR" sz="1400" cap="none" spc="0">
+                          <a:solidFill>
+                            <a:schemeClr val="bg1"/>
+                          </a:solidFill>
+                          <a:effectLst/>
+                          <a:latin typeface="OpenSans"/>
+                        </a:rPr>
+                        <a:t>10</a:t>
+                      </a:r>
+                    </a:p>
+                  </a:txBody>
+                  <a:tcPr marL="35036" marR="35036" marT="17518" marB="78427" anchor="ctr">
+                    <a:lnL w="12700" cmpd="sng">
+                      <a:noFill/>
+                      <a:prstDash val="solid"/>
+                    </a:lnL>
+                    <a:lnR w="12700" cmpd="sng">
+                      <a:noFill/>
+                      <a:prstDash val="solid"/>
+                    </a:lnR>
+                    <a:lnT w="38100" cmpd="sng">
+                      <a:noFill/>
+                    </a:lnT>
+                    <a:lnB w="12700" cmpd="sng">
+                      <a:noFill/>
+                      <a:prstDash val="solid"/>
+                    </a:lnB>
+                    <a:solidFill>
+                      <a:schemeClr val="tx1">
+                        <a:lumMod val="65000"/>
+                        <a:lumOff val="35000"/>
+                      </a:schemeClr>
+                    </a:solidFill>
+                  </a:tcPr>
+                </a:tc>
+                <a:tc>
+                  <a:txBody>
+                    <a:bodyPr/>
+                    <a:lstStyle/>
+                    <a:p>
+                      <a:pPr algn="ctr" fontAlgn="t"/>
+                      <a:r>
+                        <a:rPr lang="pt-BR" sz="1400" cap="none" spc="0" dirty="0">
+                          <a:solidFill>
+                            <a:schemeClr val="bg1"/>
+                          </a:solidFill>
+                          <a:effectLst/>
+                          <a:latin typeface="OpenSans"/>
+                        </a:rPr>
+                        <a:t>-</a:t>
+                      </a:r>
+                    </a:p>
+                  </a:txBody>
+                  <a:tcPr marL="35036" marR="35036" marT="17518" marB="78427" anchor="ctr">
+                    <a:lnL w="12700" cmpd="sng">
+                      <a:noFill/>
+                      <a:prstDash val="solid"/>
+                    </a:lnL>
+                    <a:lnR w="12700" cmpd="sng">
+                      <a:noFill/>
+                      <a:prstDash val="solid"/>
+                    </a:lnR>
+                    <a:lnT w="38100" cmpd="sng">
+                      <a:noFill/>
+                    </a:lnT>
+                    <a:lnB w="12700" cmpd="sng">
+                      <a:noFill/>
+                      <a:prstDash val="solid"/>
+                    </a:lnB>
+                    <a:solidFill>
+                      <a:schemeClr val="tx1">
+                        <a:lumMod val="65000"/>
+                        <a:lumOff val="35000"/>
+                      </a:schemeClr>
+                    </a:solidFill>
+                  </a:tcPr>
+                </a:tc>
+                <a:extLst>
+                  <a:ext uri="{0D108BD9-81ED-4DB2-BD59-A6C34878D82A}">
+                    <a16:rowId xmlns:a16="http://schemas.microsoft.com/office/drawing/2014/main" val="1093579106"/>
+                  </a:ext>
+                </a:extLst>
+              </a:tr>
+              <a:tr h="428627">
+                <a:tc>
+                  <a:txBody>
+                    <a:bodyPr/>
+                    <a:lstStyle/>
+                    <a:p>
+                      <a:pPr algn="ctr" fontAlgn="t"/>
+                      <a:r>
+                        <a:rPr lang="pt-BR" sz="1400" cap="none" spc="0">
+                          <a:solidFill>
+                            <a:schemeClr val="bg1"/>
+                          </a:solidFill>
+                          <a:effectLst/>
+                          <a:latin typeface="OpenSans"/>
+                        </a:rPr>
+                        <a:t>B</a:t>
+                      </a:r>
+                    </a:p>
+                  </a:txBody>
+                  <a:tcPr marL="35036" marR="35036" marT="17518" marB="78427" anchor="ctr">
+                    <a:lnL w="12700" cmpd="sng">
+                      <a:noFill/>
+                      <a:prstDash val="solid"/>
+                    </a:lnL>
+                    <a:lnR w="12700" cmpd="sng">
+                      <a:noFill/>
+                      <a:prstDash val="solid"/>
+                    </a:lnR>
+                    <a:lnT w="12700" cmpd="sng">
+                      <a:noFill/>
+                      <a:prstDash val="solid"/>
+                    </a:lnT>
+                    <a:lnB w="12700" cmpd="sng">
+                      <a:noFill/>
+                      <a:prstDash val="solid"/>
+                    </a:lnB>
+                    <a:solidFill>
+                      <a:srgbClr val="262626"/>
+                    </a:solidFill>
+                  </a:tcPr>
+                </a:tc>
+                <a:tc>
+                  <a:txBody>
+                    <a:bodyPr/>
+                    <a:lstStyle/>
+                    <a:p>
+                      <a:pPr algn="ctr" fontAlgn="t"/>
+                      <a:r>
+                        <a:rPr lang="pt-BR" sz="1400" cap="none" spc="0">
+                          <a:solidFill>
+                            <a:schemeClr val="bg1"/>
+                          </a:solidFill>
+                          <a:effectLst/>
+                          <a:latin typeface="OpenSans"/>
+                        </a:rPr>
+                        <a:t>Análise de Viabilidade Econômica</a:t>
+                      </a:r>
+                    </a:p>
+                  </a:txBody>
+                  <a:tcPr marL="35036" marR="35036" marT="17518" marB="78427" anchor="ctr">
+                    <a:lnL w="12700" cmpd="sng">
+                      <a:noFill/>
+                      <a:prstDash val="solid"/>
+                    </a:lnL>
+                    <a:lnR w="12700" cmpd="sng">
+                      <a:noFill/>
+                      <a:prstDash val="solid"/>
+                    </a:lnR>
+                    <a:lnT w="12700" cmpd="sng">
+                      <a:noFill/>
+                      <a:prstDash val="solid"/>
+                    </a:lnT>
+                    <a:lnB w="12700" cmpd="sng">
+                      <a:noFill/>
+                      <a:prstDash val="solid"/>
+                    </a:lnB>
+                    <a:solidFill>
+                      <a:srgbClr val="262626"/>
+                    </a:solidFill>
+                  </a:tcPr>
+                </a:tc>
+                <a:tc>
+                  <a:txBody>
+                    <a:bodyPr/>
+                    <a:lstStyle/>
+                    <a:p>
+                      <a:pPr algn="ctr" fontAlgn="t"/>
+                      <a:r>
+                        <a:rPr lang="pt-BR" sz="1400" cap="none" spc="0">
+                          <a:solidFill>
+                            <a:schemeClr val="bg1"/>
+                          </a:solidFill>
+                          <a:effectLst/>
+                          <a:latin typeface="OpenSans"/>
+                        </a:rPr>
+                        <a:t>15</a:t>
+                      </a:r>
+                    </a:p>
+                  </a:txBody>
+                  <a:tcPr marL="35036" marR="35036" marT="17518" marB="78427" anchor="ctr">
+                    <a:lnL w="12700" cmpd="sng">
+                      <a:noFill/>
+                      <a:prstDash val="solid"/>
+                    </a:lnL>
+                    <a:lnR w="12700" cmpd="sng">
+                      <a:noFill/>
+                      <a:prstDash val="solid"/>
+                    </a:lnR>
+                    <a:lnT w="12700" cmpd="sng">
+                      <a:noFill/>
+                      <a:prstDash val="solid"/>
+                    </a:lnT>
+                    <a:lnB w="12700" cmpd="sng">
+                      <a:noFill/>
+                      <a:prstDash val="solid"/>
+                    </a:lnB>
+                    <a:solidFill>
+                      <a:srgbClr val="262626"/>
+                    </a:solidFill>
+                  </a:tcPr>
+                </a:tc>
+                <a:tc>
+                  <a:txBody>
+                    <a:bodyPr/>
+                    <a:lstStyle/>
+                    <a:p>
+                      <a:pPr algn="ctr" fontAlgn="t"/>
+                      <a:r>
+                        <a:rPr lang="pt-BR" sz="1400" cap="none" spc="0" dirty="0">
+                          <a:solidFill>
+                            <a:schemeClr val="bg1"/>
+                          </a:solidFill>
+                          <a:effectLst/>
+                          <a:latin typeface="OpenSans"/>
+                        </a:rPr>
+                        <a:t>A</a:t>
+                      </a:r>
+                    </a:p>
+                  </a:txBody>
+                  <a:tcPr marL="35036" marR="35036" marT="17518" marB="78427" anchor="ctr">
+                    <a:lnL w="12700" cmpd="sng">
+                      <a:noFill/>
+                      <a:prstDash val="solid"/>
+                    </a:lnL>
+                    <a:lnR w="12700" cmpd="sng">
+                      <a:noFill/>
+                      <a:prstDash val="solid"/>
+                    </a:lnR>
+                    <a:lnT w="12700" cmpd="sng">
+                      <a:noFill/>
+                      <a:prstDash val="solid"/>
+                    </a:lnT>
+                    <a:lnB w="12700" cmpd="sng">
+                      <a:noFill/>
+                      <a:prstDash val="solid"/>
+                    </a:lnB>
+                    <a:solidFill>
+                      <a:srgbClr val="262626"/>
+                    </a:solidFill>
+                  </a:tcPr>
+                </a:tc>
+                <a:extLst>
+                  <a:ext uri="{0D108BD9-81ED-4DB2-BD59-A6C34878D82A}">
+                    <a16:rowId xmlns:a16="http://schemas.microsoft.com/office/drawing/2014/main" val="2943892824"/>
+                  </a:ext>
+                </a:extLst>
+              </a:tr>
+              <a:tr h="428627">
+                <a:tc>
+                  <a:txBody>
+                    <a:bodyPr/>
+                    <a:lstStyle/>
+                    <a:p>
+                      <a:pPr algn="ctr" fontAlgn="t"/>
+                      <a:r>
+                        <a:rPr lang="pt-BR" sz="1400" cap="none" spc="0" dirty="0">
+                          <a:solidFill>
+                            <a:schemeClr val="bg1"/>
+                          </a:solidFill>
+                          <a:effectLst/>
+                          <a:latin typeface="OpenSans"/>
+                        </a:rPr>
+                        <a:t>C</a:t>
+                      </a:r>
+                    </a:p>
+                  </a:txBody>
+                  <a:tcPr marL="35036" marR="35036" marT="17518" marB="78427" anchor="ctr">
+                    <a:lnL w="12700" cmpd="sng">
+                      <a:noFill/>
+                      <a:prstDash val="solid"/>
+                    </a:lnL>
+                    <a:lnR w="12700" cmpd="sng">
+                      <a:noFill/>
+                      <a:prstDash val="solid"/>
+                    </a:lnR>
+                    <a:lnT w="12700" cmpd="sng">
+                      <a:noFill/>
+                      <a:prstDash val="solid"/>
+                    </a:lnT>
+                    <a:lnB w="12700" cmpd="sng">
+                      <a:noFill/>
+                      <a:prstDash val="solid"/>
+                    </a:lnB>
+                    <a:solidFill>
+                      <a:schemeClr val="tx1">
+                        <a:lumMod val="65000"/>
+                        <a:lumOff val="35000"/>
+                      </a:schemeClr>
+                    </a:solidFill>
+                  </a:tcPr>
+                </a:tc>
+                <a:tc>
+                  <a:txBody>
+                    <a:bodyPr/>
+                    <a:lstStyle/>
+                    <a:p>
+                      <a:pPr algn="ctr" fontAlgn="t"/>
+                      <a:r>
+                        <a:rPr lang="pt-BR" sz="1400" cap="none" spc="0">
+                          <a:solidFill>
+                            <a:schemeClr val="bg1"/>
+                          </a:solidFill>
+                          <a:effectLst/>
+                          <a:latin typeface="OpenSans"/>
+                        </a:rPr>
+                        <a:t>Projeto de Arquitetura</a:t>
+                      </a:r>
+                    </a:p>
+                  </a:txBody>
+                  <a:tcPr marL="35036" marR="35036" marT="17518" marB="78427" anchor="ctr">
+                    <a:lnL w="12700" cmpd="sng">
+                      <a:noFill/>
+                      <a:prstDash val="solid"/>
+                    </a:lnL>
+                    <a:lnR w="12700" cmpd="sng">
+                      <a:noFill/>
+                      <a:prstDash val="solid"/>
+                    </a:lnR>
+                    <a:lnT w="12700" cmpd="sng">
+                      <a:noFill/>
+                      <a:prstDash val="solid"/>
+                    </a:lnT>
+                    <a:lnB w="12700" cmpd="sng">
+                      <a:noFill/>
+                      <a:prstDash val="solid"/>
+                    </a:lnB>
+                    <a:solidFill>
+                      <a:schemeClr val="tx1">
+                        <a:lumMod val="65000"/>
+                        <a:lumOff val="35000"/>
+                      </a:schemeClr>
+                    </a:solidFill>
+                  </a:tcPr>
+                </a:tc>
+                <a:tc>
+                  <a:txBody>
+                    <a:bodyPr/>
+                    <a:lstStyle/>
+                    <a:p>
+                      <a:pPr algn="ctr" fontAlgn="t"/>
+                      <a:r>
+                        <a:rPr lang="pt-BR" sz="1400" cap="none" spc="0">
+                          <a:solidFill>
+                            <a:schemeClr val="bg1"/>
+                          </a:solidFill>
+                          <a:effectLst/>
+                          <a:latin typeface="OpenSans"/>
+                        </a:rPr>
+                        <a:t>20</a:t>
+                      </a:r>
+                    </a:p>
+                  </a:txBody>
+                  <a:tcPr marL="35036" marR="35036" marT="17518" marB="78427" anchor="ctr">
+                    <a:lnL w="12700" cmpd="sng">
+                      <a:noFill/>
+                      <a:prstDash val="solid"/>
+                    </a:lnL>
+                    <a:lnR w="12700" cmpd="sng">
+                      <a:noFill/>
+                      <a:prstDash val="solid"/>
+                    </a:lnR>
+                    <a:lnT w="12700" cmpd="sng">
+                      <a:noFill/>
+                      <a:prstDash val="solid"/>
+                    </a:lnT>
+                    <a:lnB w="12700" cmpd="sng">
+                      <a:noFill/>
+                      <a:prstDash val="solid"/>
+                    </a:lnB>
+                    <a:solidFill>
+                      <a:schemeClr val="tx1">
+                        <a:lumMod val="65000"/>
+                        <a:lumOff val="35000"/>
+                      </a:schemeClr>
+                    </a:solidFill>
+                  </a:tcPr>
+                </a:tc>
+                <a:tc>
+                  <a:txBody>
+                    <a:bodyPr/>
+                    <a:lstStyle/>
+                    <a:p>
+                      <a:pPr algn="ctr" fontAlgn="t"/>
+                      <a:r>
+                        <a:rPr lang="pt-BR" sz="1400" cap="none" spc="0" dirty="0">
+                          <a:solidFill>
+                            <a:schemeClr val="bg1"/>
+                          </a:solidFill>
+                          <a:effectLst/>
+                          <a:latin typeface="OpenSans"/>
+                        </a:rPr>
+                        <a:t>A, B</a:t>
+                      </a:r>
+                    </a:p>
+                  </a:txBody>
+                  <a:tcPr marL="35036" marR="35036" marT="17518" marB="78427" anchor="ctr">
+                    <a:lnL w="12700" cmpd="sng">
+                      <a:noFill/>
+                      <a:prstDash val="solid"/>
+                    </a:lnL>
+                    <a:lnR w="12700" cmpd="sng">
+                      <a:noFill/>
+                      <a:prstDash val="solid"/>
+                    </a:lnR>
+                    <a:lnT w="12700" cmpd="sng">
+                      <a:noFill/>
+                      <a:prstDash val="solid"/>
+                    </a:lnT>
+                    <a:lnB w="12700" cmpd="sng">
+                      <a:noFill/>
+                      <a:prstDash val="solid"/>
+                    </a:lnB>
+                    <a:solidFill>
+                      <a:schemeClr val="tx1">
+                        <a:lumMod val="65000"/>
+                        <a:lumOff val="35000"/>
+                      </a:schemeClr>
+                    </a:solidFill>
+                  </a:tcPr>
+                </a:tc>
+                <a:extLst>
+                  <a:ext uri="{0D108BD9-81ED-4DB2-BD59-A6C34878D82A}">
+                    <a16:rowId xmlns:a16="http://schemas.microsoft.com/office/drawing/2014/main" val="2160555102"/>
+                  </a:ext>
+                </a:extLst>
+              </a:tr>
+              <a:tr h="428627">
+                <a:tc>
+                  <a:txBody>
+                    <a:bodyPr/>
+                    <a:lstStyle/>
+                    <a:p>
+                      <a:pPr algn="ctr" fontAlgn="t"/>
+                      <a:r>
+                        <a:rPr lang="pt-BR" sz="1400" cap="none" spc="0" dirty="0">
+                          <a:solidFill>
+                            <a:schemeClr val="bg1"/>
+                          </a:solidFill>
+                          <a:effectLst/>
+                          <a:latin typeface="OpenSans"/>
+                        </a:rPr>
+                        <a:t>D</a:t>
+                      </a:r>
+                    </a:p>
+                  </a:txBody>
+                  <a:tcPr marL="35036" marR="35036" marT="17518" marB="78427" anchor="ctr">
+                    <a:lnL w="12700" cmpd="sng">
+                      <a:noFill/>
+                      <a:prstDash val="solid"/>
+                    </a:lnL>
+                    <a:lnR w="12700" cmpd="sng">
+                      <a:noFill/>
+                      <a:prstDash val="solid"/>
+                    </a:lnR>
+                    <a:lnT w="12700" cmpd="sng">
+                      <a:noFill/>
+                      <a:prstDash val="solid"/>
+                    </a:lnT>
+                    <a:lnB w="12700" cmpd="sng">
+                      <a:noFill/>
+                      <a:prstDash val="solid"/>
+                    </a:lnB>
+                    <a:solidFill>
+                      <a:srgbClr val="262626"/>
+                    </a:solidFill>
+                  </a:tcPr>
+                </a:tc>
+                <a:tc>
+                  <a:txBody>
+                    <a:bodyPr/>
+                    <a:lstStyle/>
+                    <a:p>
+                      <a:pPr algn="ctr" fontAlgn="t"/>
+                      <a:r>
+                        <a:rPr lang="pt-BR" sz="1400" cap="none" spc="0">
+                          <a:solidFill>
+                            <a:schemeClr val="bg1"/>
+                          </a:solidFill>
+                          <a:effectLst/>
+                          <a:latin typeface="OpenSans"/>
+                        </a:rPr>
+                        <a:t>Desenvolvimento de Módulos (Equipe 1)</a:t>
+                      </a:r>
+                    </a:p>
+                  </a:txBody>
+                  <a:tcPr marL="35036" marR="35036" marT="17518" marB="78427" anchor="ctr">
+                    <a:lnL w="12700" cmpd="sng">
+                      <a:noFill/>
+                      <a:prstDash val="solid"/>
+                    </a:lnL>
+                    <a:lnR w="12700" cmpd="sng">
+                      <a:noFill/>
+                      <a:prstDash val="solid"/>
+                    </a:lnR>
+                    <a:lnT w="12700" cmpd="sng">
+                      <a:noFill/>
+                      <a:prstDash val="solid"/>
+                    </a:lnT>
+                    <a:lnB w="12700" cmpd="sng">
+                      <a:noFill/>
+                      <a:prstDash val="solid"/>
+                    </a:lnB>
+                    <a:solidFill>
+                      <a:srgbClr val="262626"/>
+                    </a:solidFill>
+                  </a:tcPr>
+                </a:tc>
+                <a:tc>
+                  <a:txBody>
+                    <a:bodyPr/>
+                    <a:lstStyle/>
+                    <a:p>
+                      <a:pPr algn="ctr" fontAlgn="t"/>
+                      <a:r>
+                        <a:rPr lang="pt-BR" sz="1400" cap="none" spc="0">
+                          <a:solidFill>
+                            <a:schemeClr val="bg1"/>
+                          </a:solidFill>
+                          <a:effectLst/>
+                          <a:latin typeface="OpenSans"/>
+                        </a:rPr>
+                        <a:t>30</a:t>
+                      </a:r>
+                    </a:p>
+                  </a:txBody>
+                  <a:tcPr marL="35036" marR="35036" marT="17518" marB="78427" anchor="ctr">
+                    <a:lnL w="12700" cmpd="sng">
+                      <a:noFill/>
+                      <a:prstDash val="solid"/>
+                    </a:lnL>
+                    <a:lnR w="12700" cmpd="sng">
+                      <a:noFill/>
+                      <a:prstDash val="solid"/>
+                    </a:lnR>
+                    <a:lnT w="12700" cmpd="sng">
+                      <a:noFill/>
+                      <a:prstDash val="solid"/>
+                    </a:lnT>
+                    <a:lnB w="12700" cmpd="sng">
+                      <a:noFill/>
+                      <a:prstDash val="solid"/>
+                    </a:lnB>
+                    <a:solidFill>
+                      <a:srgbClr val="262626"/>
+                    </a:solidFill>
+                  </a:tcPr>
+                </a:tc>
+                <a:tc>
+                  <a:txBody>
+                    <a:bodyPr/>
+                    <a:lstStyle/>
+                    <a:p>
+                      <a:pPr algn="ctr" fontAlgn="t"/>
+                      <a:r>
+                        <a:rPr lang="pt-BR" sz="1400" cap="none" spc="0" dirty="0">
+                          <a:solidFill>
+                            <a:schemeClr val="bg1"/>
+                          </a:solidFill>
+                          <a:effectLst/>
+                          <a:latin typeface="OpenSans"/>
+                        </a:rPr>
+                        <a:t>C</a:t>
+                      </a:r>
+                    </a:p>
+                  </a:txBody>
+                  <a:tcPr marL="35036" marR="35036" marT="17518" marB="78427" anchor="ctr">
+                    <a:lnL w="12700" cmpd="sng">
+                      <a:noFill/>
+                      <a:prstDash val="solid"/>
+                    </a:lnL>
+                    <a:lnR w="12700" cmpd="sng">
+                      <a:noFill/>
+                      <a:prstDash val="solid"/>
+                    </a:lnR>
+                    <a:lnT w="12700" cmpd="sng">
+                      <a:noFill/>
+                      <a:prstDash val="solid"/>
+                    </a:lnT>
+                    <a:lnB w="12700" cmpd="sng">
+                      <a:noFill/>
+                      <a:prstDash val="solid"/>
+                    </a:lnB>
+                    <a:solidFill>
+                      <a:srgbClr val="262626"/>
+                    </a:solidFill>
+                  </a:tcPr>
+                </a:tc>
+                <a:extLst>
+                  <a:ext uri="{0D108BD9-81ED-4DB2-BD59-A6C34878D82A}">
+                    <a16:rowId xmlns:a16="http://schemas.microsoft.com/office/drawing/2014/main" val="3948775813"/>
+                  </a:ext>
+                </a:extLst>
+              </a:tr>
+              <a:tr h="428627">
+                <a:tc>
+                  <a:txBody>
+                    <a:bodyPr/>
+                    <a:lstStyle/>
+                    <a:p>
+                      <a:pPr algn="ctr" fontAlgn="t"/>
+                      <a:r>
+                        <a:rPr lang="pt-BR" sz="1400" cap="none" spc="0">
+                          <a:solidFill>
+                            <a:schemeClr val="bg1"/>
+                          </a:solidFill>
+                          <a:effectLst/>
+                          <a:latin typeface="OpenSans"/>
+                        </a:rPr>
+                        <a:t>E</a:t>
+                      </a:r>
+                    </a:p>
+                  </a:txBody>
+                  <a:tcPr marL="35036" marR="35036" marT="17518" marB="78427" anchor="ctr">
+                    <a:lnL w="12700" cmpd="sng">
+                      <a:noFill/>
+                      <a:prstDash val="solid"/>
+                    </a:lnL>
+                    <a:lnR w="12700" cmpd="sng">
+                      <a:noFill/>
+                      <a:prstDash val="solid"/>
+                    </a:lnR>
+                    <a:lnT w="12700" cmpd="sng">
+                      <a:noFill/>
+                      <a:prstDash val="solid"/>
+                    </a:lnT>
+                    <a:lnB w="12700" cmpd="sng">
+                      <a:noFill/>
+                      <a:prstDash val="solid"/>
+                    </a:lnB>
+                    <a:solidFill>
+                      <a:schemeClr val="tx1">
+                        <a:lumMod val="65000"/>
+                        <a:lumOff val="35000"/>
+                      </a:schemeClr>
+                    </a:solidFill>
+                  </a:tcPr>
+                </a:tc>
+                <a:tc>
+                  <a:txBody>
+                    <a:bodyPr/>
+                    <a:lstStyle/>
+                    <a:p>
+                      <a:pPr algn="ctr" fontAlgn="t"/>
+                      <a:r>
+                        <a:rPr lang="pt-BR" sz="1400" cap="none" spc="0">
+                          <a:solidFill>
+                            <a:schemeClr val="bg1"/>
+                          </a:solidFill>
+                          <a:effectLst/>
+                          <a:latin typeface="OpenSans"/>
+                        </a:rPr>
+                        <a:t>Desenvolvimento de Módulos (Equipe 2)</a:t>
+                      </a:r>
+                    </a:p>
+                  </a:txBody>
+                  <a:tcPr marL="35036" marR="35036" marT="17518" marB="78427" anchor="ctr">
+                    <a:lnL w="12700" cmpd="sng">
+                      <a:noFill/>
+                      <a:prstDash val="solid"/>
+                    </a:lnL>
+                    <a:lnR w="12700" cmpd="sng">
+                      <a:noFill/>
+                      <a:prstDash val="solid"/>
+                    </a:lnR>
+                    <a:lnT w="12700" cmpd="sng">
+                      <a:noFill/>
+                      <a:prstDash val="solid"/>
+                    </a:lnT>
+                    <a:lnB w="12700" cmpd="sng">
+                      <a:noFill/>
+                      <a:prstDash val="solid"/>
+                    </a:lnB>
+                    <a:solidFill>
+                      <a:schemeClr val="tx1">
+                        <a:lumMod val="65000"/>
+                        <a:lumOff val="35000"/>
+                      </a:schemeClr>
+                    </a:solidFill>
+                  </a:tcPr>
+                </a:tc>
+                <a:tc>
+                  <a:txBody>
+                    <a:bodyPr/>
+                    <a:lstStyle/>
+                    <a:p>
+                      <a:pPr algn="ctr" fontAlgn="t"/>
+                      <a:r>
+                        <a:rPr lang="pt-BR" sz="1400" cap="none" spc="0">
+                          <a:solidFill>
+                            <a:schemeClr val="bg1"/>
+                          </a:solidFill>
+                          <a:effectLst/>
+                          <a:latin typeface="OpenSans"/>
+                        </a:rPr>
+                        <a:t>25</a:t>
+                      </a:r>
+                    </a:p>
+                  </a:txBody>
+                  <a:tcPr marL="35036" marR="35036" marT="17518" marB="78427" anchor="ctr">
+                    <a:lnL w="12700" cmpd="sng">
+                      <a:noFill/>
+                      <a:prstDash val="solid"/>
+                    </a:lnL>
+                    <a:lnR w="12700" cmpd="sng">
+                      <a:noFill/>
+                      <a:prstDash val="solid"/>
+                    </a:lnR>
+                    <a:lnT w="12700" cmpd="sng">
+                      <a:noFill/>
+                      <a:prstDash val="solid"/>
+                    </a:lnT>
+                    <a:lnB w="12700" cmpd="sng">
+                      <a:noFill/>
+                      <a:prstDash val="solid"/>
+                    </a:lnB>
+                    <a:solidFill>
+                      <a:schemeClr val="tx1">
+                        <a:lumMod val="65000"/>
+                        <a:lumOff val="35000"/>
+                      </a:schemeClr>
+                    </a:solidFill>
+                  </a:tcPr>
+                </a:tc>
+                <a:tc>
+                  <a:txBody>
+                    <a:bodyPr/>
+                    <a:lstStyle/>
+                    <a:p>
+                      <a:pPr algn="ctr" fontAlgn="t"/>
+                      <a:r>
+                        <a:rPr lang="pt-BR" sz="1400" cap="none" spc="0" dirty="0">
+                          <a:solidFill>
+                            <a:schemeClr val="bg1"/>
+                          </a:solidFill>
+                          <a:effectLst/>
+                          <a:latin typeface="OpenSans"/>
+                        </a:rPr>
+                        <a:t>C</a:t>
+                      </a:r>
+                    </a:p>
+                  </a:txBody>
+                  <a:tcPr marL="35036" marR="35036" marT="17518" marB="78427" anchor="ctr">
+                    <a:lnL w="12700" cmpd="sng">
+                      <a:noFill/>
+                      <a:prstDash val="solid"/>
+                    </a:lnL>
+                    <a:lnR w="12700" cmpd="sng">
+                      <a:noFill/>
+                      <a:prstDash val="solid"/>
+                    </a:lnR>
+                    <a:lnT w="12700" cmpd="sng">
+                      <a:noFill/>
+                      <a:prstDash val="solid"/>
+                    </a:lnT>
+                    <a:lnB w="12700" cmpd="sng">
+                      <a:noFill/>
+                      <a:prstDash val="solid"/>
+                    </a:lnB>
+                    <a:solidFill>
+                      <a:schemeClr val="tx1">
+                        <a:lumMod val="65000"/>
+                        <a:lumOff val="35000"/>
+                      </a:schemeClr>
+                    </a:solidFill>
+                  </a:tcPr>
+                </a:tc>
+                <a:extLst>
+                  <a:ext uri="{0D108BD9-81ED-4DB2-BD59-A6C34878D82A}">
+                    <a16:rowId xmlns:a16="http://schemas.microsoft.com/office/drawing/2014/main" val="197253739"/>
+                  </a:ext>
+                </a:extLst>
+              </a:tr>
+              <a:tr h="428627">
+                <a:tc>
+                  <a:txBody>
+                    <a:bodyPr/>
+                    <a:lstStyle/>
+                    <a:p>
+                      <a:pPr algn="ctr" fontAlgn="t"/>
+                      <a:r>
+                        <a:rPr lang="pt-BR" sz="1400" cap="none" spc="0">
+                          <a:solidFill>
+                            <a:schemeClr val="bg1"/>
+                          </a:solidFill>
+                          <a:effectLst/>
+                          <a:latin typeface="OpenSans"/>
+                        </a:rPr>
+                        <a:t>F</a:t>
+                      </a:r>
+                    </a:p>
+                  </a:txBody>
+                  <a:tcPr marL="35036" marR="35036" marT="17518" marB="78427" anchor="ctr">
+                    <a:lnL w="12700" cmpd="sng">
+                      <a:noFill/>
+                      <a:prstDash val="solid"/>
+                    </a:lnL>
+                    <a:lnR w="12700" cmpd="sng">
+                      <a:noFill/>
+                      <a:prstDash val="solid"/>
+                    </a:lnR>
+                    <a:lnT w="12700" cmpd="sng">
+                      <a:noFill/>
+                      <a:prstDash val="solid"/>
+                    </a:lnT>
+                    <a:lnB w="12700" cmpd="sng">
+                      <a:noFill/>
+                      <a:prstDash val="solid"/>
+                    </a:lnB>
+                    <a:solidFill>
+                      <a:srgbClr val="262626"/>
+                    </a:solidFill>
+                  </a:tcPr>
+                </a:tc>
+                <a:tc>
+                  <a:txBody>
+                    <a:bodyPr/>
+                    <a:lstStyle/>
+                    <a:p>
+                      <a:pPr algn="ctr" fontAlgn="t"/>
+                      <a:r>
+                        <a:rPr lang="pt-BR" sz="1400" cap="none" spc="0">
+                          <a:solidFill>
+                            <a:schemeClr val="bg1"/>
+                          </a:solidFill>
+                          <a:effectLst/>
+                          <a:latin typeface="OpenSans"/>
+                        </a:rPr>
+                        <a:t>Testes Unitários (Equipe 1)</a:t>
+                      </a:r>
+                    </a:p>
+                  </a:txBody>
+                  <a:tcPr marL="35036" marR="35036" marT="17518" marB="78427" anchor="ctr">
+                    <a:lnL w="12700" cmpd="sng">
+                      <a:noFill/>
+                      <a:prstDash val="solid"/>
+                    </a:lnL>
+                    <a:lnR w="12700" cmpd="sng">
+                      <a:noFill/>
+                      <a:prstDash val="solid"/>
+                    </a:lnR>
+                    <a:lnT w="12700" cmpd="sng">
+                      <a:noFill/>
+                      <a:prstDash val="solid"/>
+                    </a:lnT>
+                    <a:lnB w="12700" cmpd="sng">
+                      <a:noFill/>
+                      <a:prstDash val="solid"/>
+                    </a:lnB>
+                    <a:solidFill>
+                      <a:srgbClr val="262626"/>
+                    </a:solidFill>
+                  </a:tcPr>
+                </a:tc>
+                <a:tc>
+                  <a:txBody>
+                    <a:bodyPr/>
+                    <a:lstStyle/>
+                    <a:p>
+                      <a:pPr algn="ctr" fontAlgn="t"/>
+                      <a:r>
+                        <a:rPr lang="pt-BR" sz="1400" cap="none" spc="0">
+                          <a:solidFill>
+                            <a:schemeClr val="bg1"/>
+                          </a:solidFill>
+                          <a:effectLst/>
+                          <a:latin typeface="OpenSans"/>
+                        </a:rPr>
+                        <a:t>15</a:t>
+                      </a:r>
+                    </a:p>
+                  </a:txBody>
+                  <a:tcPr marL="35036" marR="35036" marT="17518" marB="78427" anchor="ctr">
+                    <a:lnL w="12700" cmpd="sng">
+                      <a:noFill/>
+                      <a:prstDash val="solid"/>
+                    </a:lnL>
+                    <a:lnR w="12700" cmpd="sng">
+                      <a:noFill/>
+                      <a:prstDash val="solid"/>
+                    </a:lnR>
+                    <a:lnT w="12700" cmpd="sng">
+                      <a:noFill/>
+                      <a:prstDash val="solid"/>
+                    </a:lnT>
+                    <a:lnB w="12700" cmpd="sng">
+                      <a:noFill/>
+                      <a:prstDash val="solid"/>
+                    </a:lnB>
+                    <a:solidFill>
+                      <a:srgbClr val="262626"/>
+                    </a:solidFill>
+                  </a:tcPr>
+                </a:tc>
+                <a:tc>
+                  <a:txBody>
+                    <a:bodyPr/>
+                    <a:lstStyle/>
+                    <a:p>
+                      <a:pPr algn="ctr" fontAlgn="t"/>
+                      <a:r>
+                        <a:rPr lang="pt-BR" sz="1400" cap="none" spc="0" dirty="0">
+                          <a:solidFill>
+                            <a:schemeClr val="bg1"/>
+                          </a:solidFill>
+                          <a:effectLst/>
+                          <a:latin typeface="OpenSans"/>
+                        </a:rPr>
+                        <a:t>D</a:t>
+                      </a:r>
+                    </a:p>
+                  </a:txBody>
+                  <a:tcPr marL="35036" marR="35036" marT="17518" marB="78427" anchor="ctr">
+                    <a:lnL w="12700" cmpd="sng">
+                      <a:noFill/>
+                      <a:prstDash val="solid"/>
+                    </a:lnL>
+                    <a:lnR w="12700" cmpd="sng">
+                      <a:noFill/>
+                      <a:prstDash val="solid"/>
+                    </a:lnR>
+                    <a:lnT w="12700" cmpd="sng">
+                      <a:noFill/>
+                      <a:prstDash val="solid"/>
+                    </a:lnT>
+                    <a:lnB w="12700" cmpd="sng">
+                      <a:noFill/>
+                      <a:prstDash val="solid"/>
+                    </a:lnB>
+                    <a:solidFill>
+                      <a:srgbClr val="262626"/>
+                    </a:solidFill>
+                  </a:tcPr>
+                </a:tc>
+                <a:extLst>
+                  <a:ext uri="{0D108BD9-81ED-4DB2-BD59-A6C34878D82A}">
+                    <a16:rowId xmlns:a16="http://schemas.microsoft.com/office/drawing/2014/main" val="4263611715"/>
+                  </a:ext>
+                </a:extLst>
+              </a:tr>
+              <a:tr h="428627">
+                <a:tc>
+                  <a:txBody>
+                    <a:bodyPr/>
+                    <a:lstStyle/>
+                    <a:p>
+                      <a:pPr algn="ctr" fontAlgn="t"/>
+                      <a:r>
+                        <a:rPr lang="pt-BR" sz="1400" cap="none" spc="0">
+                          <a:solidFill>
+                            <a:schemeClr val="bg1"/>
+                          </a:solidFill>
+                          <a:effectLst/>
+                          <a:latin typeface="OpenSans"/>
+                        </a:rPr>
+                        <a:t>G</a:t>
+                      </a:r>
+                    </a:p>
+                  </a:txBody>
+                  <a:tcPr marL="35036" marR="35036" marT="17518" marB="78427" anchor="ctr">
+                    <a:lnL w="12700" cmpd="sng">
+                      <a:noFill/>
+                      <a:prstDash val="solid"/>
+                    </a:lnL>
+                    <a:lnR w="12700" cmpd="sng">
+                      <a:noFill/>
+                      <a:prstDash val="solid"/>
+                    </a:lnR>
+                    <a:lnT w="12700" cmpd="sng">
+                      <a:noFill/>
+                      <a:prstDash val="solid"/>
+                    </a:lnT>
+                    <a:lnB w="12700" cmpd="sng">
+                      <a:noFill/>
+                      <a:prstDash val="solid"/>
+                    </a:lnB>
+                    <a:solidFill>
+                      <a:schemeClr val="tx1">
+                        <a:lumMod val="65000"/>
+                        <a:lumOff val="35000"/>
+                      </a:schemeClr>
+                    </a:solidFill>
+                  </a:tcPr>
+                </a:tc>
+                <a:tc>
+                  <a:txBody>
+                    <a:bodyPr/>
+                    <a:lstStyle/>
+                    <a:p>
+                      <a:pPr algn="ctr" fontAlgn="t"/>
+                      <a:r>
+                        <a:rPr lang="pt-BR" sz="1400" cap="none" spc="0">
+                          <a:solidFill>
+                            <a:schemeClr val="bg1"/>
+                          </a:solidFill>
+                          <a:effectLst/>
+                          <a:latin typeface="OpenSans"/>
+                        </a:rPr>
+                        <a:t>Testes Unitários (Equipe 2)</a:t>
+                      </a:r>
+                    </a:p>
+                  </a:txBody>
+                  <a:tcPr marL="35036" marR="35036" marT="17518" marB="78427" anchor="ctr">
+                    <a:lnL w="12700" cmpd="sng">
+                      <a:noFill/>
+                      <a:prstDash val="solid"/>
+                    </a:lnL>
+                    <a:lnR w="12700" cmpd="sng">
+                      <a:noFill/>
+                      <a:prstDash val="solid"/>
+                    </a:lnR>
+                    <a:lnT w="12700" cmpd="sng">
+                      <a:noFill/>
+                      <a:prstDash val="solid"/>
+                    </a:lnT>
+                    <a:lnB w="12700" cmpd="sng">
+                      <a:noFill/>
+                      <a:prstDash val="solid"/>
+                    </a:lnB>
+                    <a:solidFill>
+                      <a:schemeClr val="tx1">
+                        <a:lumMod val="65000"/>
+                        <a:lumOff val="35000"/>
+                      </a:schemeClr>
+                    </a:solidFill>
+                  </a:tcPr>
+                </a:tc>
+                <a:tc>
+                  <a:txBody>
+                    <a:bodyPr/>
+                    <a:lstStyle/>
+                    <a:p>
+                      <a:pPr algn="ctr" fontAlgn="t"/>
+                      <a:r>
+                        <a:rPr lang="pt-BR" sz="1400" cap="none" spc="0">
+                          <a:solidFill>
+                            <a:schemeClr val="bg1"/>
+                          </a:solidFill>
+                          <a:effectLst/>
+                          <a:latin typeface="OpenSans"/>
+                        </a:rPr>
+                        <a:t>18</a:t>
+                      </a:r>
+                    </a:p>
+                  </a:txBody>
+                  <a:tcPr marL="35036" marR="35036" marT="17518" marB="78427" anchor="ctr">
+                    <a:lnL w="12700" cmpd="sng">
+                      <a:noFill/>
+                      <a:prstDash val="solid"/>
+                    </a:lnL>
+                    <a:lnR w="12700" cmpd="sng">
+                      <a:noFill/>
+                      <a:prstDash val="solid"/>
+                    </a:lnR>
+                    <a:lnT w="12700" cmpd="sng">
+                      <a:noFill/>
+                      <a:prstDash val="solid"/>
+                    </a:lnT>
+                    <a:lnB w="12700" cmpd="sng">
+                      <a:noFill/>
+                      <a:prstDash val="solid"/>
+                    </a:lnB>
+                    <a:solidFill>
+                      <a:schemeClr val="tx1">
+                        <a:lumMod val="65000"/>
+                        <a:lumOff val="35000"/>
+                      </a:schemeClr>
+                    </a:solidFill>
+                  </a:tcPr>
+                </a:tc>
+                <a:tc>
+                  <a:txBody>
+                    <a:bodyPr/>
+                    <a:lstStyle/>
+                    <a:p>
+                      <a:pPr algn="ctr" fontAlgn="t"/>
+                      <a:r>
+                        <a:rPr lang="pt-BR" sz="1400" cap="none" spc="0" dirty="0">
+                          <a:solidFill>
+                            <a:schemeClr val="bg1"/>
+                          </a:solidFill>
+                          <a:effectLst/>
+                          <a:latin typeface="OpenSans"/>
+                        </a:rPr>
+                        <a:t>E</a:t>
+                      </a:r>
+                    </a:p>
+                  </a:txBody>
+                  <a:tcPr marL="35036" marR="35036" marT="17518" marB="78427" anchor="ctr">
+                    <a:lnL w="12700" cmpd="sng">
+                      <a:noFill/>
+                      <a:prstDash val="solid"/>
+                    </a:lnL>
+                    <a:lnR w="12700" cmpd="sng">
+                      <a:noFill/>
+                      <a:prstDash val="solid"/>
+                    </a:lnR>
+                    <a:lnT w="12700" cmpd="sng">
+                      <a:noFill/>
+                      <a:prstDash val="solid"/>
+                    </a:lnT>
+                    <a:lnB w="12700" cmpd="sng">
+                      <a:noFill/>
+                      <a:prstDash val="solid"/>
+                    </a:lnB>
+                    <a:solidFill>
+                      <a:schemeClr val="tx1">
+                        <a:lumMod val="65000"/>
+                        <a:lumOff val="35000"/>
+                      </a:schemeClr>
+                    </a:solidFill>
+                  </a:tcPr>
+                </a:tc>
+                <a:extLst>
+                  <a:ext uri="{0D108BD9-81ED-4DB2-BD59-A6C34878D82A}">
+                    <a16:rowId xmlns:a16="http://schemas.microsoft.com/office/drawing/2014/main" val="2524362341"/>
+                  </a:ext>
+                </a:extLst>
+              </a:tr>
+              <a:tr h="428627">
+                <a:tc>
+                  <a:txBody>
+                    <a:bodyPr/>
+                    <a:lstStyle/>
+                    <a:p>
+                      <a:pPr algn="ctr" fontAlgn="t"/>
+                      <a:r>
+                        <a:rPr lang="pt-BR" sz="1400" cap="none" spc="0">
+                          <a:solidFill>
+                            <a:schemeClr val="bg1"/>
+                          </a:solidFill>
+                          <a:effectLst/>
+                          <a:latin typeface="OpenSans"/>
+                        </a:rPr>
+                        <a:t>H</a:t>
+                      </a:r>
+                    </a:p>
+                  </a:txBody>
+                  <a:tcPr marL="35036" marR="35036" marT="17518" marB="78427" anchor="ctr">
+                    <a:lnL w="12700" cmpd="sng">
+                      <a:noFill/>
+                      <a:prstDash val="solid"/>
+                    </a:lnL>
+                    <a:lnR w="12700" cmpd="sng">
+                      <a:noFill/>
+                      <a:prstDash val="solid"/>
+                    </a:lnR>
+                    <a:lnT w="12700" cmpd="sng">
+                      <a:noFill/>
+                      <a:prstDash val="solid"/>
+                    </a:lnT>
+                    <a:lnB w="12700" cmpd="sng">
+                      <a:noFill/>
+                      <a:prstDash val="solid"/>
+                    </a:lnB>
+                    <a:solidFill>
+                      <a:srgbClr val="262626"/>
+                    </a:solidFill>
+                  </a:tcPr>
+                </a:tc>
+                <a:tc>
+                  <a:txBody>
+                    <a:bodyPr/>
+                    <a:lstStyle/>
+                    <a:p>
+                      <a:pPr algn="ctr" fontAlgn="t"/>
+                      <a:r>
+                        <a:rPr lang="pt-BR" sz="1400" cap="none" spc="0">
+                          <a:solidFill>
+                            <a:schemeClr val="bg1"/>
+                          </a:solidFill>
+                          <a:effectLst/>
+                          <a:latin typeface="OpenSans"/>
+                        </a:rPr>
+                        <a:t>Integração de Módulos</a:t>
+                      </a:r>
+                    </a:p>
+                  </a:txBody>
+                  <a:tcPr marL="35036" marR="35036" marT="17518" marB="78427" anchor="ctr">
+                    <a:lnL w="12700" cmpd="sng">
+                      <a:noFill/>
+                      <a:prstDash val="solid"/>
+                    </a:lnL>
+                    <a:lnR w="12700" cmpd="sng">
+                      <a:noFill/>
+                      <a:prstDash val="solid"/>
+                    </a:lnR>
+                    <a:lnT w="12700" cmpd="sng">
+                      <a:noFill/>
+                      <a:prstDash val="solid"/>
+                    </a:lnT>
+                    <a:lnB w="12700" cmpd="sng">
+                      <a:noFill/>
+                      <a:prstDash val="solid"/>
+                    </a:lnB>
+                    <a:solidFill>
+                      <a:srgbClr val="262626"/>
+                    </a:solidFill>
+                  </a:tcPr>
+                </a:tc>
+                <a:tc>
+                  <a:txBody>
+                    <a:bodyPr/>
+                    <a:lstStyle/>
+                    <a:p>
+                      <a:pPr algn="ctr" fontAlgn="t"/>
+                      <a:r>
+                        <a:rPr lang="pt-BR" sz="1400" cap="none" spc="0">
+                          <a:solidFill>
+                            <a:schemeClr val="bg1"/>
+                          </a:solidFill>
+                          <a:effectLst/>
+                          <a:latin typeface="OpenSans"/>
+                        </a:rPr>
+                        <a:t>20</a:t>
+                      </a:r>
+                    </a:p>
+                  </a:txBody>
+                  <a:tcPr marL="35036" marR="35036" marT="17518" marB="78427" anchor="ctr">
+                    <a:lnL w="12700" cmpd="sng">
+                      <a:noFill/>
+                      <a:prstDash val="solid"/>
+                    </a:lnL>
+                    <a:lnR w="12700" cmpd="sng">
+                      <a:noFill/>
+                      <a:prstDash val="solid"/>
+                    </a:lnR>
+                    <a:lnT w="12700" cmpd="sng">
+                      <a:noFill/>
+                      <a:prstDash val="solid"/>
+                    </a:lnT>
+                    <a:lnB w="12700" cmpd="sng">
+                      <a:noFill/>
+                      <a:prstDash val="solid"/>
+                    </a:lnB>
+                    <a:solidFill>
+                      <a:srgbClr val="262626"/>
+                    </a:solidFill>
+                  </a:tcPr>
+                </a:tc>
+                <a:tc>
+                  <a:txBody>
+                    <a:bodyPr/>
+                    <a:lstStyle/>
+                    <a:p>
+                      <a:pPr algn="ctr" fontAlgn="t"/>
+                      <a:r>
+                        <a:rPr lang="pt-BR" sz="1400" cap="none" spc="0">
+                          <a:solidFill>
+                            <a:schemeClr val="bg1"/>
+                          </a:solidFill>
+                          <a:effectLst/>
+                          <a:latin typeface="OpenSans"/>
+                        </a:rPr>
+                        <a:t>F, G</a:t>
+                      </a:r>
+                    </a:p>
+                  </a:txBody>
+                  <a:tcPr marL="35036" marR="35036" marT="17518" marB="78427" anchor="ctr">
+                    <a:lnL w="12700" cmpd="sng">
+                      <a:noFill/>
+                      <a:prstDash val="solid"/>
+                    </a:lnL>
+                    <a:lnR w="12700" cmpd="sng">
+                      <a:noFill/>
+                      <a:prstDash val="solid"/>
+                    </a:lnR>
+                    <a:lnT w="12700" cmpd="sng">
+                      <a:noFill/>
+                      <a:prstDash val="solid"/>
+                    </a:lnT>
+                    <a:lnB w="12700" cmpd="sng">
+                      <a:noFill/>
+                      <a:prstDash val="solid"/>
+                    </a:lnB>
+                    <a:solidFill>
+                      <a:srgbClr val="262626"/>
+                    </a:solidFill>
+                  </a:tcPr>
+                </a:tc>
+                <a:extLst>
+                  <a:ext uri="{0D108BD9-81ED-4DB2-BD59-A6C34878D82A}">
+                    <a16:rowId xmlns:a16="http://schemas.microsoft.com/office/drawing/2014/main" val="3485754225"/>
+                  </a:ext>
+                </a:extLst>
+              </a:tr>
+              <a:tr h="428627">
+                <a:tc>
+                  <a:txBody>
+                    <a:bodyPr/>
+                    <a:lstStyle/>
+                    <a:p>
+                      <a:pPr algn="ctr" fontAlgn="t"/>
+                      <a:r>
+                        <a:rPr lang="pt-BR" sz="1400" cap="none" spc="0">
+                          <a:solidFill>
+                            <a:schemeClr val="bg1"/>
+                          </a:solidFill>
+                          <a:effectLst/>
+                          <a:latin typeface="OpenSans"/>
+                        </a:rPr>
+                        <a:t>I</a:t>
+                      </a:r>
+                    </a:p>
+                  </a:txBody>
+                  <a:tcPr marL="35036" marR="35036" marT="17518" marB="78427" anchor="ctr">
+                    <a:lnL w="12700" cmpd="sng">
+                      <a:noFill/>
+                      <a:prstDash val="solid"/>
+                    </a:lnL>
+                    <a:lnR w="12700" cmpd="sng">
+                      <a:noFill/>
+                      <a:prstDash val="solid"/>
+                    </a:lnR>
+                    <a:lnT w="12700" cmpd="sng">
+                      <a:noFill/>
+                      <a:prstDash val="solid"/>
+                    </a:lnT>
+                    <a:lnB w="12700" cmpd="sng">
+                      <a:noFill/>
+                      <a:prstDash val="solid"/>
+                    </a:lnB>
+                    <a:solidFill>
+                      <a:schemeClr val="tx1">
+                        <a:lumMod val="65000"/>
+                        <a:lumOff val="35000"/>
+                      </a:schemeClr>
+                    </a:solidFill>
+                  </a:tcPr>
+                </a:tc>
+                <a:tc>
+                  <a:txBody>
+                    <a:bodyPr/>
+                    <a:lstStyle/>
+                    <a:p>
+                      <a:pPr algn="ctr" fontAlgn="t"/>
+                      <a:r>
+                        <a:rPr lang="pt-BR" sz="1400" cap="none" spc="0">
+                          <a:solidFill>
+                            <a:schemeClr val="bg1"/>
+                          </a:solidFill>
+                          <a:effectLst/>
+                          <a:latin typeface="OpenSans"/>
+                        </a:rPr>
+                        <a:t>Testes de Integração</a:t>
+                      </a:r>
+                    </a:p>
+                  </a:txBody>
+                  <a:tcPr marL="35036" marR="35036" marT="17518" marB="78427" anchor="ctr">
+                    <a:lnL w="12700" cmpd="sng">
+                      <a:noFill/>
+                      <a:prstDash val="solid"/>
+                    </a:lnL>
+                    <a:lnR w="12700" cmpd="sng">
+                      <a:noFill/>
+                      <a:prstDash val="solid"/>
+                    </a:lnR>
+                    <a:lnT w="12700" cmpd="sng">
+                      <a:noFill/>
+                      <a:prstDash val="solid"/>
+                    </a:lnT>
+                    <a:lnB w="12700" cmpd="sng">
+                      <a:noFill/>
+                      <a:prstDash val="solid"/>
+                    </a:lnB>
+                    <a:solidFill>
+                      <a:schemeClr val="tx1">
+                        <a:lumMod val="65000"/>
+                        <a:lumOff val="35000"/>
+                      </a:schemeClr>
+                    </a:solidFill>
+                  </a:tcPr>
+                </a:tc>
+                <a:tc>
+                  <a:txBody>
+                    <a:bodyPr/>
+                    <a:lstStyle/>
+                    <a:p>
+                      <a:pPr algn="ctr" fontAlgn="t"/>
+                      <a:r>
+                        <a:rPr lang="pt-BR" sz="1400" cap="none" spc="0">
+                          <a:solidFill>
+                            <a:schemeClr val="bg1"/>
+                          </a:solidFill>
+                          <a:effectLst/>
+                          <a:latin typeface="OpenSans"/>
+                        </a:rPr>
+                        <a:t>25</a:t>
+                      </a:r>
+                    </a:p>
+                  </a:txBody>
+                  <a:tcPr marL="35036" marR="35036" marT="17518" marB="78427" anchor="ctr">
+                    <a:lnL w="12700" cmpd="sng">
+                      <a:noFill/>
+                      <a:prstDash val="solid"/>
+                    </a:lnL>
+                    <a:lnR w="12700" cmpd="sng">
+                      <a:noFill/>
+                      <a:prstDash val="solid"/>
+                    </a:lnR>
+                    <a:lnT w="12700" cmpd="sng">
+                      <a:noFill/>
+                      <a:prstDash val="solid"/>
+                    </a:lnT>
+                    <a:lnB w="12700" cmpd="sng">
+                      <a:noFill/>
+                      <a:prstDash val="solid"/>
+                    </a:lnB>
+                    <a:solidFill>
+                      <a:schemeClr val="tx1">
+                        <a:lumMod val="65000"/>
+                        <a:lumOff val="35000"/>
+                      </a:schemeClr>
+                    </a:solidFill>
+                  </a:tcPr>
+                </a:tc>
+                <a:tc>
+                  <a:txBody>
+                    <a:bodyPr/>
+                    <a:lstStyle/>
+                    <a:p>
+                      <a:pPr algn="ctr" fontAlgn="t"/>
+                      <a:r>
+                        <a:rPr lang="pt-BR" sz="1400" cap="none" spc="0" dirty="0">
+                          <a:solidFill>
+                            <a:schemeClr val="bg1"/>
+                          </a:solidFill>
+                          <a:effectLst/>
+                          <a:latin typeface="OpenSans"/>
+                        </a:rPr>
+                        <a:t>H</a:t>
+                      </a:r>
+                    </a:p>
+                  </a:txBody>
+                  <a:tcPr marL="35036" marR="35036" marT="17518" marB="78427" anchor="ctr">
+                    <a:lnL w="12700" cmpd="sng">
+                      <a:noFill/>
+                      <a:prstDash val="solid"/>
+                    </a:lnL>
+                    <a:lnR w="12700" cmpd="sng">
+                      <a:noFill/>
+                      <a:prstDash val="solid"/>
+                    </a:lnR>
+                    <a:lnT w="12700" cmpd="sng">
+                      <a:noFill/>
+                      <a:prstDash val="solid"/>
+                    </a:lnT>
+                    <a:lnB w="12700" cmpd="sng">
+                      <a:noFill/>
+                      <a:prstDash val="solid"/>
+                    </a:lnB>
+                    <a:solidFill>
+                      <a:schemeClr val="tx1">
+                        <a:lumMod val="65000"/>
+                        <a:lumOff val="35000"/>
+                      </a:schemeClr>
+                    </a:solidFill>
+                  </a:tcPr>
+                </a:tc>
+                <a:extLst>
+                  <a:ext uri="{0D108BD9-81ED-4DB2-BD59-A6C34878D82A}">
+                    <a16:rowId xmlns:a16="http://schemas.microsoft.com/office/drawing/2014/main" val="1202656155"/>
+                  </a:ext>
+                </a:extLst>
+              </a:tr>
+              <a:tr h="428627">
+                <a:tc>
+                  <a:txBody>
+                    <a:bodyPr/>
+                    <a:lstStyle/>
+                    <a:p>
+                      <a:pPr algn="ctr" fontAlgn="t"/>
+                      <a:r>
+                        <a:rPr lang="pt-BR" sz="1400" cap="none" spc="0">
+                          <a:solidFill>
+                            <a:schemeClr val="bg1"/>
+                          </a:solidFill>
+                          <a:effectLst/>
+                          <a:latin typeface="OpenSans"/>
+                        </a:rPr>
+                        <a:t>J</a:t>
+                      </a:r>
+                    </a:p>
+                  </a:txBody>
+                  <a:tcPr marL="35036" marR="35036" marT="17518" marB="78427" anchor="ctr">
+                    <a:lnL w="12700" cmpd="sng">
+                      <a:noFill/>
+                      <a:prstDash val="solid"/>
+                    </a:lnL>
+                    <a:lnR w="12700" cmpd="sng">
+                      <a:noFill/>
+                      <a:prstDash val="solid"/>
+                    </a:lnR>
+                    <a:lnT w="12700" cmpd="sng">
+                      <a:noFill/>
+                      <a:prstDash val="solid"/>
+                    </a:lnT>
+                    <a:lnB w="12700" cmpd="sng">
+                      <a:noFill/>
+                      <a:prstDash val="solid"/>
+                    </a:lnB>
+                    <a:solidFill>
+                      <a:srgbClr val="262626"/>
+                    </a:solidFill>
+                  </a:tcPr>
+                </a:tc>
+                <a:tc>
+                  <a:txBody>
+                    <a:bodyPr/>
+                    <a:lstStyle/>
+                    <a:p>
+                      <a:pPr algn="ctr" fontAlgn="t"/>
+                      <a:r>
+                        <a:rPr lang="pt-BR" sz="1400" cap="none" spc="0">
+                          <a:solidFill>
+                            <a:schemeClr val="bg1"/>
+                          </a:solidFill>
+                          <a:effectLst/>
+                          <a:latin typeface="OpenSans"/>
+                        </a:rPr>
+                        <a:t>Correção de Defeitos (Equipe 1)</a:t>
+                      </a:r>
+                    </a:p>
+                  </a:txBody>
+                  <a:tcPr marL="35036" marR="35036" marT="17518" marB="78427" anchor="ctr">
+                    <a:lnL w="12700" cmpd="sng">
+                      <a:noFill/>
+                      <a:prstDash val="solid"/>
+                    </a:lnL>
+                    <a:lnR w="12700" cmpd="sng">
+                      <a:noFill/>
+                      <a:prstDash val="solid"/>
+                    </a:lnR>
+                    <a:lnT w="12700" cmpd="sng">
+                      <a:noFill/>
+                      <a:prstDash val="solid"/>
+                    </a:lnT>
+                    <a:lnB w="12700" cmpd="sng">
+                      <a:noFill/>
+                      <a:prstDash val="solid"/>
+                    </a:lnB>
+                    <a:solidFill>
+                      <a:srgbClr val="262626"/>
+                    </a:solidFill>
+                  </a:tcPr>
+                </a:tc>
+                <a:tc>
+                  <a:txBody>
+                    <a:bodyPr/>
+                    <a:lstStyle/>
+                    <a:p>
+                      <a:pPr algn="ctr" fontAlgn="t"/>
+                      <a:r>
+                        <a:rPr lang="pt-BR" sz="1400" cap="none" spc="0">
+                          <a:solidFill>
+                            <a:schemeClr val="bg1"/>
+                          </a:solidFill>
+                          <a:effectLst/>
+                          <a:latin typeface="OpenSans"/>
+                        </a:rPr>
+                        <a:t>10</a:t>
+                      </a:r>
+                    </a:p>
+                  </a:txBody>
+                  <a:tcPr marL="35036" marR="35036" marT="17518" marB="78427" anchor="ctr">
+                    <a:lnL w="12700" cmpd="sng">
+                      <a:noFill/>
+                      <a:prstDash val="solid"/>
+                    </a:lnL>
+                    <a:lnR w="12700" cmpd="sng">
+                      <a:noFill/>
+                      <a:prstDash val="solid"/>
+                    </a:lnR>
+                    <a:lnT w="12700" cmpd="sng">
+                      <a:noFill/>
+                      <a:prstDash val="solid"/>
+                    </a:lnT>
+                    <a:lnB w="12700" cmpd="sng">
+                      <a:noFill/>
+                      <a:prstDash val="solid"/>
+                    </a:lnB>
+                    <a:solidFill>
+                      <a:srgbClr val="262626"/>
+                    </a:solidFill>
+                  </a:tcPr>
+                </a:tc>
+                <a:tc>
+                  <a:txBody>
+                    <a:bodyPr/>
+                    <a:lstStyle/>
+                    <a:p>
+                      <a:pPr algn="ctr" fontAlgn="t"/>
+                      <a:r>
+                        <a:rPr lang="pt-BR" sz="1400" cap="none" spc="0" dirty="0">
+                          <a:solidFill>
+                            <a:schemeClr val="bg1"/>
+                          </a:solidFill>
+                          <a:effectLst/>
+                          <a:latin typeface="OpenSans"/>
+                        </a:rPr>
+                        <a:t>I</a:t>
+                      </a:r>
+                    </a:p>
+                  </a:txBody>
+                  <a:tcPr marL="35036" marR="35036" marT="17518" marB="78427" anchor="ctr">
+                    <a:lnL w="12700" cmpd="sng">
+                      <a:noFill/>
+                      <a:prstDash val="solid"/>
+                    </a:lnL>
+                    <a:lnR w="12700" cmpd="sng">
+                      <a:noFill/>
+                      <a:prstDash val="solid"/>
+                    </a:lnR>
+                    <a:lnT w="12700" cmpd="sng">
+                      <a:noFill/>
+                      <a:prstDash val="solid"/>
+                    </a:lnT>
+                    <a:lnB w="12700" cmpd="sng">
+                      <a:noFill/>
+                      <a:prstDash val="solid"/>
+                    </a:lnB>
+                    <a:solidFill>
+                      <a:srgbClr val="262626"/>
+                    </a:solidFill>
+                  </a:tcPr>
+                </a:tc>
+                <a:extLst>
+                  <a:ext uri="{0D108BD9-81ED-4DB2-BD59-A6C34878D82A}">
+                    <a16:rowId xmlns:a16="http://schemas.microsoft.com/office/drawing/2014/main" val="2714579482"/>
+                  </a:ext>
+                </a:extLst>
+              </a:tr>
+              <a:tr h="428627">
+                <a:tc>
+                  <a:txBody>
+                    <a:bodyPr/>
+                    <a:lstStyle/>
+                    <a:p>
+                      <a:pPr algn="ctr" fontAlgn="t"/>
+                      <a:r>
+                        <a:rPr lang="pt-BR" sz="1400" cap="none" spc="0">
+                          <a:solidFill>
+                            <a:schemeClr val="bg1"/>
+                          </a:solidFill>
+                          <a:effectLst/>
+                          <a:latin typeface="OpenSans"/>
+                        </a:rPr>
+                        <a:t>K</a:t>
+                      </a:r>
+                    </a:p>
+                  </a:txBody>
+                  <a:tcPr marL="35036" marR="35036" marT="17518" marB="78427" anchor="ctr">
+                    <a:lnL w="12700" cmpd="sng">
+                      <a:noFill/>
+                      <a:prstDash val="solid"/>
+                    </a:lnL>
+                    <a:lnR w="12700" cmpd="sng">
+                      <a:noFill/>
+                      <a:prstDash val="solid"/>
+                    </a:lnR>
+                    <a:lnT w="12700" cmpd="sng">
+                      <a:noFill/>
+                      <a:prstDash val="solid"/>
+                    </a:lnT>
+                    <a:lnB w="12700" cmpd="sng">
+                      <a:noFill/>
+                      <a:prstDash val="solid"/>
+                    </a:lnB>
+                    <a:solidFill>
+                      <a:schemeClr val="tx1">
+                        <a:lumMod val="65000"/>
+                        <a:lumOff val="35000"/>
+                      </a:schemeClr>
+                    </a:solidFill>
+                  </a:tcPr>
+                </a:tc>
+                <a:tc>
+                  <a:txBody>
+                    <a:bodyPr/>
+                    <a:lstStyle/>
+                    <a:p>
+                      <a:pPr algn="ctr" fontAlgn="t"/>
+                      <a:r>
+                        <a:rPr lang="pt-BR" sz="1400" cap="none" spc="0">
+                          <a:solidFill>
+                            <a:schemeClr val="bg1"/>
+                          </a:solidFill>
+                          <a:effectLst/>
+                          <a:latin typeface="OpenSans"/>
+                        </a:rPr>
+                        <a:t>Correção de Defeitos (Equipe 2)</a:t>
+                      </a:r>
+                    </a:p>
+                  </a:txBody>
+                  <a:tcPr marL="35036" marR="35036" marT="17518" marB="78427" anchor="ctr">
+                    <a:lnL w="12700" cmpd="sng">
+                      <a:noFill/>
+                      <a:prstDash val="solid"/>
+                    </a:lnL>
+                    <a:lnR w="12700" cmpd="sng">
+                      <a:noFill/>
+                      <a:prstDash val="solid"/>
+                    </a:lnR>
+                    <a:lnT w="12700" cmpd="sng">
+                      <a:noFill/>
+                      <a:prstDash val="solid"/>
+                    </a:lnT>
+                    <a:lnB w="12700" cmpd="sng">
+                      <a:noFill/>
+                      <a:prstDash val="solid"/>
+                    </a:lnB>
+                    <a:solidFill>
+                      <a:schemeClr val="tx1">
+                        <a:lumMod val="65000"/>
+                        <a:lumOff val="35000"/>
+                      </a:schemeClr>
+                    </a:solidFill>
+                  </a:tcPr>
+                </a:tc>
+                <a:tc>
+                  <a:txBody>
+                    <a:bodyPr/>
+                    <a:lstStyle/>
+                    <a:p>
+                      <a:pPr algn="ctr" fontAlgn="t"/>
+                      <a:r>
+                        <a:rPr lang="pt-BR" sz="1400" cap="none" spc="0">
+                          <a:solidFill>
+                            <a:schemeClr val="bg1"/>
+                          </a:solidFill>
+                          <a:effectLst/>
+                          <a:latin typeface="OpenSans"/>
+                        </a:rPr>
+                        <a:t>12</a:t>
+                      </a:r>
+                    </a:p>
+                  </a:txBody>
+                  <a:tcPr marL="35036" marR="35036" marT="17518" marB="78427" anchor="ctr">
+                    <a:lnL w="12700" cmpd="sng">
+                      <a:noFill/>
+                      <a:prstDash val="solid"/>
+                    </a:lnL>
+                    <a:lnR w="12700" cmpd="sng">
+                      <a:noFill/>
+                      <a:prstDash val="solid"/>
+                    </a:lnR>
+                    <a:lnT w="12700" cmpd="sng">
+                      <a:noFill/>
+                      <a:prstDash val="solid"/>
+                    </a:lnT>
+                    <a:lnB w="12700" cmpd="sng">
+                      <a:noFill/>
+                      <a:prstDash val="solid"/>
+                    </a:lnB>
+                    <a:solidFill>
+                      <a:schemeClr val="tx1">
+                        <a:lumMod val="65000"/>
+                        <a:lumOff val="35000"/>
+                      </a:schemeClr>
+                    </a:solidFill>
+                  </a:tcPr>
+                </a:tc>
+                <a:tc>
+                  <a:txBody>
+                    <a:bodyPr/>
+                    <a:lstStyle/>
+                    <a:p>
+                      <a:pPr algn="ctr" fontAlgn="t"/>
+                      <a:r>
+                        <a:rPr lang="pt-BR" sz="1400" cap="none" spc="0" dirty="0">
+                          <a:solidFill>
+                            <a:schemeClr val="bg1"/>
+                          </a:solidFill>
+                          <a:effectLst/>
+                          <a:latin typeface="OpenSans"/>
+                        </a:rPr>
+                        <a:t>I</a:t>
+                      </a:r>
+                    </a:p>
+                  </a:txBody>
+                  <a:tcPr marL="35036" marR="35036" marT="17518" marB="78427" anchor="ctr">
+                    <a:lnL w="12700" cmpd="sng">
+                      <a:noFill/>
+                      <a:prstDash val="solid"/>
+                    </a:lnL>
+                    <a:lnR w="12700" cmpd="sng">
+                      <a:noFill/>
+                      <a:prstDash val="solid"/>
+                    </a:lnR>
+                    <a:lnT w="12700" cmpd="sng">
+                      <a:noFill/>
+                      <a:prstDash val="solid"/>
+                    </a:lnT>
+                    <a:lnB w="12700" cmpd="sng">
+                      <a:noFill/>
+                      <a:prstDash val="solid"/>
+                    </a:lnB>
+                    <a:solidFill>
+                      <a:schemeClr val="tx1">
+                        <a:lumMod val="65000"/>
+                        <a:lumOff val="35000"/>
+                      </a:schemeClr>
+                    </a:solidFill>
+                  </a:tcPr>
+                </a:tc>
+                <a:extLst>
+                  <a:ext uri="{0D108BD9-81ED-4DB2-BD59-A6C34878D82A}">
+                    <a16:rowId xmlns:a16="http://schemas.microsoft.com/office/drawing/2014/main" val="2361622235"/>
+                  </a:ext>
+                </a:extLst>
+              </a:tr>
+              <a:tr h="428627">
+                <a:tc>
+                  <a:txBody>
+                    <a:bodyPr/>
+                    <a:lstStyle/>
+                    <a:p>
+                      <a:pPr algn="ctr" fontAlgn="t"/>
+                      <a:r>
+                        <a:rPr lang="pt-BR" sz="1400" cap="none" spc="0">
+                          <a:solidFill>
+                            <a:schemeClr val="bg1"/>
+                          </a:solidFill>
+                          <a:effectLst/>
+                          <a:latin typeface="OpenSans"/>
+                        </a:rPr>
+                        <a:t>L</a:t>
+                      </a:r>
+                    </a:p>
+                  </a:txBody>
+                  <a:tcPr marL="35036" marR="35036" marT="17518" marB="78427" anchor="ctr">
+                    <a:lnL w="12700" cmpd="sng">
+                      <a:noFill/>
+                      <a:prstDash val="solid"/>
+                    </a:lnL>
+                    <a:lnR w="12700" cmpd="sng">
+                      <a:noFill/>
+                      <a:prstDash val="solid"/>
+                    </a:lnR>
+                    <a:lnT w="12700" cmpd="sng">
+                      <a:noFill/>
+                      <a:prstDash val="solid"/>
+                    </a:lnT>
+                    <a:lnB w="12700" cmpd="sng">
+                      <a:noFill/>
+                      <a:prstDash val="solid"/>
+                    </a:lnB>
+                    <a:solidFill>
+                      <a:srgbClr val="262626"/>
+                    </a:solidFill>
+                  </a:tcPr>
+                </a:tc>
+                <a:tc>
+                  <a:txBody>
+                    <a:bodyPr/>
+                    <a:lstStyle/>
+                    <a:p>
+                      <a:pPr algn="ctr" fontAlgn="t"/>
+                      <a:r>
+                        <a:rPr lang="pt-BR" sz="1400" cap="none" spc="0">
+                          <a:solidFill>
+                            <a:schemeClr val="bg1"/>
+                          </a:solidFill>
+                          <a:effectLst/>
+                          <a:latin typeface="OpenSans"/>
+                        </a:rPr>
+                        <a:t>Preparação para Implantação</a:t>
+                      </a:r>
+                    </a:p>
+                  </a:txBody>
+                  <a:tcPr marL="35036" marR="35036" marT="17518" marB="78427" anchor="ctr">
+                    <a:lnL w="12700" cmpd="sng">
+                      <a:noFill/>
+                      <a:prstDash val="solid"/>
+                    </a:lnL>
+                    <a:lnR w="12700" cmpd="sng">
+                      <a:noFill/>
+                      <a:prstDash val="solid"/>
+                    </a:lnR>
+                    <a:lnT w="12700" cmpd="sng">
+                      <a:noFill/>
+                      <a:prstDash val="solid"/>
+                    </a:lnT>
+                    <a:lnB w="12700" cmpd="sng">
+                      <a:noFill/>
+                      <a:prstDash val="solid"/>
+                    </a:lnB>
+                    <a:solidFill>
+                      <a:srgbClr val="262626"/>
+                    </a:solidFill>
+                  </a:tcPr>
+                </a:tc>
+                <a:tc>
+                  <a:txBody>
+                    <a:bodyPr/>
+                    <a:lstStyle/>
+                    <a:p>
+                      <a:pPr algn="ctr" fontAlgn="t"/>
+                      <a:r>
+                        <a:rPr lang="pt-BR" sz="1400" cap="none" spc="0">
+                          <a:solidFill>
+                            <a:schemeClr val="bg1"/>
+                          </a:solidFill>
+                          <a:effectLst/>
+                          <a:latin typeface="OpenSans"/>
+                        </a:rPr>
+                        <a:t>20</a:t>
+                      </a:r>
+                    </a:p>
+                  </a:txBody>
+                  <a:tcPr marL="35036" marR="35036" marT="17518" marB="78427" anchor="ctr">
+                    <a:lnL w="12700" cmpd="sng">
+                      <a:noFill/>
+                      <a:prstDash val="solid"/>
+                    </a:lnL>
+                    <a:lnR w="12700" cmpd="sng">
+                      <a:noFill/>
+                      <a:prstDash val="solid"/>
+                    </a:lnR>
+                    <a:lnT w="12700" cmpd="sng">
+                      <a:noFill/>
+                      <a:prstDash val="solid"/>
+                    </a:lnT>
+                    <a:lnB w="12700" cmpd="sng">
+                      <a:noFill/>
+                      <a:prstDash val="solid"/>
+                    </a:lnB>
+                    <a:solidFill>
+                      <a:srgbClr val="262626"/>
+                    </a:solidFill>
+                  </a:tcPr>
+                </a:tc>
+                <a:tc>
+                  <a:txBody>
+                    <a:bodyPr/>
+                    <a:lstStyle/>
+                    <a:p>
+                      <a:pPr algn="ctr" fontAlgn="t"/>
+                      <a:r>
+                        <a:rPr lang="pt-BR" sz="1400" cap="none" spc="0" dirty="0">
+                          <a:solidFill>
+                            <a:schemeClr val="bg1"/>
+                          </a:solidFill>
+                          <a:effectLst/>
+                          <a:latin typeface="OpenSans"/>
+                        </a:rPr>
+                        <a:t>J, K</a:t>
+                      </a:r>
+                    </a:p>
+                  </a:txBody>
+                  <a:tcPr marL="35036" marR="35036" marT="17518" marB="78427" anchor="ctr">
+                    <a:lnL w="12700" cmpd="sng">
+                      <a:noFill/>
+                      <a:prstDash val="solid"/>
+                    </a:lnL>
+                    <a:lnR w="12700" cmpd="sng">
+                      <a:noFill/>
+                      <a:prstDash val="solid"/>
+                    </a:lnR>
+                    <a:lnT w="12700" cmpd="sng">
+                      <a:noFill/>
+                      <a:prstDash val="solid"/>
+                    </a:lnT>
+                    <a:lnB w="12700" cmpd="sng">
+                      <a:noFill/>
+                      <a:prstDash val="solid"/>
+                    </a:lnB>
+                    <a:solidFill>
+                      <a:srgbClr val="262626"/>
+                    </a:solidFill>
+                  </a:tcPr>
+                </a:tc>
+                <a:extLst>
+                  <a:ext uri="{0D108BD9-81ED-4DB2-BD59-A6C34878D82A}">
+                    <a16:rowId xmlns:a16="http://schemas.microsoft.com/office/drawing/2014/main" val="7525411"/>
+                  </a:ext>
+                </a:extLst>
+              </a:tr>
+              <a:tr h="428627">
+                <a:tc>
+                  <a:txBody>
+                    <a:bodyPr/>
+                    <a:lstStyle/>
+                    <a:p>
+                      <a:pPr algn="ctr" fontAlgn="t"/>
+                      <a:r>
+                        <a:rPr lang="pt-BR" sz="1400" cap="none" spc="0">
+                          <a:solidFill>
+                            <a:schemeClr val="bg1"/>
+                          </a:solidFill>
+                          <a:effectLst/>
+                          <a:latin typeface="OpenSans"/>
+                        </a:rPr>
+                        <a:t>M</a:t>
+                      </a:r>
+                    </a:p>
+                  </a:txBody>
+                  <a:tcPr marL="35036" marR="35036" marT="17518" marB="78427" anchor="ctr">
+                    <a:lnL w="12700" cmpd="sng">
+                      <a:noFill/>
+                      <a:prstDash val="solid"/>
+                    </a:lnL>
+                    <a:lnR w="12700" cmpd="sng">
+                      <a:noFill/>
+                      <a:prstDash val="solid"/>
+                    </a:lnR>
+                    <a:lnT w="12700" cmpd="sng">
+                      <a:noFill/>
+                      <a:prstDash val="solid"/>
+                    </a:lnT>
+                    <a:lnB w="12700" cmpd="sng">
+                      <a:noFill/>
+                      <a:prstDash val="solid"/>
+                    </a:lnB>
+                    <a:solidFill>
+                      <a:schemeClr val="tx1">
+                        <a:lumMod val="65000"/>
+                        <a:lumOff val="35000"/>
+                      </a:schemeClr>
+                    </a:solidFill>
+                  </a:tcPr>
+                </a:tc>
+                <a:tc>
+                  <a:txBody>
+                    <a:bodyPr/>
+                    <a:lstStyle/>
+                    <a:p>
+                      <a:pPr algn="ctr" fontAlgn="t"/>
+                      <a:r>
+                        <a:rPr lang="pt-BR" sz="1400" cap="none" spc="0">
+                          <a:solidFill>
+                            <a:schemeClr val="bg1"/>
+                          </a:solidFill>
+                          <a:effectLst/>
+                          <a:latin typeface="OpenSans"/>
+                        </a:rPr>
+                        <a:t>Implantação no Ambiente de Produção</a:t>
+                      </a:r>
+                    </a:p>
+                  </a:txBody>
+                  <a:tcPr marL="35036" marR="35036" marT="17518" marB="78427" anchor="ctr">
+                    <a:lnL w="12700" cmpd="sng">
+                      <a:noFill/>
+                      <a:prstDash val="solid"/>
+                    </a:lnL>
+                    <a:lnR w="12700" cmpd="sng">
+                      <a:noFill/>
+                      <a:prstDash val="solid"/>
+                    </a:lnR>
+                    <a:lnT w="12700" cmpd="sng">
+                      <a:noFill/>
+                      <a:prstDash val="solid"/>
+                    </a:lnT>
+                    <a:lnB w="12700" cmpd="sng">
+                      <a:noFill/>
+                      <a:prstDash val="solid"/>
+                    </a:lnB>
+                    <a:solidFill>
+                      <a:schemeClr val="tx1">
+                        <a:lumMod val="65000"/>
+                        <a:lumOff val="35000"/>
+                      </a:schemeClr>
+                    </a:solidFill>
+                  </a:tcPr>
+                </a:tc>
+                <a:tc>
+                  <a:txBody>
+                    <a:bodyPr/>
+                    <a:lstStyle/>
+                    <a:p>
+                      <a:pPr algn="ctr" fontAlgn="t"/>
+                      <a:r>
+                        <a:rPr lang="pt-BR" sz="1400" cap="none" spc="0">
+                          <a:solidFill>
+                            <a:schemeClr val="bg1"/>
+                          </a:solidFill>
+                          <a:effectLst/>
+                          <a:latin typeface="OpenSans"/>
+                        </a:rPr>
+                        <a:t>15</a:t>
+                      </a:r>
+                    </a:p>
+                  </a:txBody>
+                  <a:tcPr marL="35036" marR="35036" marT="17518" marB="78427" anchor="ctr">
+                    <a:lnL w="12700" cmpd="sng">
+                      <a:noFill/>
+                      <a:prstDash val="solid"/>
+                    </a:lnL>
+                    <a:lnR w="12700" cmpd="sng">
+                      <a:noFill/>
+                      <a:prstDash val="solid"/>
+                    </a:lnR>
+                    <a:lnT w="12700" cmpd="sng">
+                      <a:noFill/>
+                      <a:prstDash val="solid"/>
+                    </a:lnT>
+                    <a:lnB w="12700" cmpd="sng">
+                      <a:noFill/>
+                      <a:prstDash val="solid"/>
+                    </a:lnB>
+                    <a:solidFill>
+                      <a:schemeClr val="tx1">
+                        <a:lumMod val="65000"/>
+                        <a:lumOff val="35000"/>
+                      </a:schemeClr>
+                    </a:solidFill>
+                  </a:tcPr>
+                </a:tc>
+                <a:tc>
+                  <a:txBody>
+                    <a:bodyPr/>
+                    <a:lstStyle/>
+                    <a:p>
+                      <a:pPr algn="ctr" fontAlgn="t"/>
+                      <a:r>
+                        <a:rPr lang="pt-BR" sz="1400" cap="none" spc="0" dirty="0">
+                          <a:solidFill>
+                            <a:schemeClr val="bg1"/>
+                          </a:solidFill>
+                          <a:effectLst/>
+                          <a:latin typeface="OpenSans"/>
+                        </a:rPr>
+                        <a:t>L</a:t>
+                      </a:r>
+                    </a:p>
+                  </a:txBody>
+                  <a:tcPr marL="35036" marR="35036" marT="17518" marB="78427" anchor="ctr">
+                    <a:lnL w="12700" cmpd="sng">
+                      <a:noFill/>
+                      <a:prstDash val="solid"/>
+                    </a:lnL>
+                    <a:lnR w="12700" cmpd="sng">
+                      <a:noFill/>
+                      <a:prstDash val="solid"/>
+                    </a:lnR>
+                    <a:lnT w="12700" cmpd="sng">
+                      <a:noFill/>
+                      <a:prstDash val="solid"/>
+                    </a:lnT>
+                    <a:lnB w="12700" cmpd="sng">
+                      <a:noFill/>
+                      <a:prstDash val="solid"/>
+                    </a:lnB>
+                    <a:solidFill>
+                      <a:schemeClr val="tx1">
+                        <a:lumMod val="65000"/>
+                        <a:lumOff val="35000"/>
+                      </a:schemeClr>
+                    </a:solidFill>
+                  </a:tcPr>
+                </a:tc>
+                <a:extLst>
+                  <a:ext uri="{0D108BD9-81ED-4DB2-BD59-A6C34878D82A}">
+                    <a16:rowId xmlns:a16="http://schemas.microsoft.com/office/drawing/2014/main" val="3630757670"/>
+                  </a:ext>
+                </a:extLst>
+              </a:tr>
+            </a:tbl>
+          </a:graphicData>
+        </a:graphic>
+      </p:graphicFrame>
     </p:spTree>
     <p:extLst>
       <p:ext uri="{BB962C8B-B14F-4D97-AF65-F5344CB8AC3E}">
-        <p14:creationId xmlns:p14="http://schemas.microsoft.com/office/powerpoint/2010/main" val="327670633"/>
+        <p14:creationId xmlns:p14="http://schemas.microsoft.com/office/powerpoint/2010/main" val="1380490003"/>
       </p:ext>
     </p:extLst>
   </p:cSld>
